--- a/dashboardlayout.pptx
+++ b/dashboardlayout.pptx
@@ -201,7 +201,7 @@
           <c:xMode val="edge"/>
           <c:yMode val="edge"/>
           <c:x val="9.1363356786255512E-2"/>
-          <c:y val="0.20707498757299747"/>
+          <c:y val="0.15661201964320695"/>
           <c:w val="0.90863669251628509"/>
           <c:h val="0.75606161568118846"/>
         </c:manualLayout>
@@ -17132,7 +17132,7 @@
           <a:p>
             <a:fld id="{0361CAB7-86A6-4FD6-977B-D2B10758F071}" type="datetimeFigureOut">
               <a:rPr lang="pt-BR" smtClean="0"/>
-              <a:t>07/06/2024</a:t>
+              <a:t>13/06/2024</a:t>
             </a:fld>
             <a:endParaRPr lang="pt-BR"/>
           </a:p>
@@ -17302,7 +17302,7 @@
           <a:p>
             <a:fld id="{0361CAB7-86A6-4FD6-977B-D2B10758F071}" type="datetimeFigureOut">
               <a:rPr lang="pt-BR" smtClean="0"/>
-              <a:t>07/06/2024</a:t>
+              <a:t>13/06/2024</a:t>
             </a:fld>
             <a:endParaRPr lang="pt-BR"/>
           </a:p>
@@ -17482,7 +17482,7 @@
           <a:p>
             <a:fld id="{0361CAB7-86A6-4FD6-977B-D2B10758F071}" type="datetimeFigureOut">
               <a:rPr lang="pt-BR" smtClean="0"/>
-              <a:t>07/06/2024</a:t>
+              <a:t>13/06/2024</a:t>
             </a:fld>
             <a:endParaRPr lang="pt-BR"/>
           </a:p>
@@ -17652,7 +17652,7 @@
           <a:p>
             <a:fld id="{0361CAB7-86A6-4FD6-977B-D2B10758F071}" type="datetimeFigureOut">
               <a:rPr lang="pt-BR" smtClean="0"/>
-              <a:t>07/06/2024</a:t>
+              <a:t>13/06/2024</a:t>
             </a:fld>
             <a:endParaRPr lang="pt-BR"/>
           </a:p>
@@ -17898,7 +17898,7 @@
           <a:p>
             <a:fld id="{0361CAB7-86A6-4FD6-977B-D2B10758F071}" type="datetimeFigureOut">
               <a:rPr lang="pt-BR" smtClean="0"/>
-              <a:t>07/06/2024</a:t>
+              <a:t>13/06/2024</a:t>
             </a:fld>
             <a:endParaRPr lang="pt-BR"/>
           </a:p>
@@ -18130,7 +18130,7 @@
           <a:p>
             <a:fld id="{0361CAB7-86A6-4FD6-977B-D2B10758F071}" type="datetimeFigureOut">
               <a:rPr lang="pt-BR" smtClean="0"/>
-              <a:t>07/06/2024</a:t>
+              <a:t>13/06/2024</a:t>
             </a:fld>
             <a:endParaRPr lang="pt-BR"/>
           </a:p>
@@ -18497,7 +18497,7 @@
           <a:p>
             <a:fld id="{0361CAB7-86A6-4FD6-977B-D2B10758F071}" type="datetimeFigureOut">
               <a:rPr lang="pt-BR" smtClean="0"/>
-              <a:t>07/06/2024</a:t>
+              <a:t>13/06/2024</a:t>
             </a:fld>
             <a:endParaRPr lang="pt-BR"/>
           </a:p>
@@ -18615,7 +18615,7 @@
           <a:p>
             <a:fld id="{0361CAB7-86A6-4FD6-977B-D2B10758F071}" type="datetimeFigureOut">
               <a:rPr lang="pt-BR" smtClean="0"/>
-              <a:t>07/06/2024</a:t>
+              <a:t>13/06/2024</a:t>
             </a:fld>
             <a:endParaRPr lang="pt-BR"/>
           </a:p>
@@ -18710,7 +18710,7 @@
           <a:p>
             <a:fld id="{0361CAB7-86A6-4FD6-977B-D2B10758F071}" type="datetimeFigureOut">
               <a:rPr lang="pt-BR" smtClean="0"/>
-              <a:t>07/06/2024</a:t>
+              <a:t>13/06/2024</a:t>
             </a:fld>
             <a:endParaRPr lang="pt-BR"/>
           </a:p>
@@ -18987,7 +18987,7 @@
           <a:p>
             <a:fld id="{0361CAB7-86A6-4FD6-977B-D2B10758F071}" type="datetimeFigureOut">
               <a:rPr lang="pt-BR" smtClean="0"/>
-              <a:t>07/06/2024</a:t>
+              <a:t>13/06/2024</a:t>
             </a:fld>
             <a:endParaRPr lang="pt-BR"/>
           </a:p>
@@ -19240,7 +19240,7 @@
           <a:p>
             <a:fld id="{0361CAB7-86A6-4FD6-977B-D2B10758F071}" type="datetimeFigureOut">
               <a:rPr lang="pt-BR" smtClean="0"/>
-              <a:t>07/06/2024</a:t>
+              <a:t>13/06/2024</a:t>
             </a:fld>
             <a:endParaRPr lang="pt-BR"/>
           </a:p>
@@ -19453,7 +19453,7 @@
           <a:p>
             <a:fld id="{0361CAB7-86A6-4FD6-977B-D2B10758F071}" type="datetimeFigureOut">
               <a:rPr lang="pt-BR" smtClean="0"/>
-              <a:t>07/06/2024</a:t>
+              <a:t>13/06/2024</a:t>
             </a:fld>
             <a:endParaRPr lang="pt-BR"/>
           </a:p>
@@ -19865,7 +19865,7 @@
           <p:nvPr>
             <p:extLst>
               <p:ext uri="{D42A27DB-BD31-4B8C-83A1-F6EECF244321}">
-                <p14:modId xmlns:p14="http://schemas.microsoft.com/office/powerpoint/2010/main" val="3366787828"/>
+                <p14:modId xmlns:p14="http://schemas.microsoft.com/office/powerpoint/2010/main" val="1929900095"/>
               </p:ext>
             </p:extLst>
           </p:nvPr>
@@ -20525,7 +20525,7 @@
         </p:nvSpPr>
         <p:spPr>
           <a:xfrm>
-            <a:off x="3166695" y="643587"/>
+            <a:off x="4007983" y="643587"/>
             <a:ext cx="1438370" cy="320842"/>
           </a:xfrm>
           <a:prstGeom prst="roundRect">
@@ -20569,7 +20569,7 @@
         </p:nvSpPr>
         <p:spPr>
           <a:xfrm>
-            <a:off x="4727168" y="643587"/>
+            <a:off x="5568456" y="643587"/>
             <a:ext cx="1438370" cy="320842"/>
           </a:xfrm>
           <a:prstGeom prst="roundRect">
@@ -20603,50 +20603,6 @@
             <a:r>
               <a:rPr lang="pt-BR" dirty="0" smtClean="0"/>
               <a:t>MAI</a:t>
-            </a:r>
-            <a:endParaRPr lang="pt-BR" dirty="0"/>
-          </a:p>
-        </p:txBody>
-      </p:sp>
-      <p:sp>
-        <p:nvSpPr>
-          <p:cNvPr id="54" name="Retângulo Arredondado 53"/>
-          <p:cNvSpPr/>
-          <p:nvPr/>
-        </p:nvSpPr>
-        <p:spPr>
-          <a:xfrm>
-            <a:off x="6287641" y="643587"/>
-            <a:ext cx="1438370" cy="320842"/>
-          </a:xfrm>
-          <a:prstGeom prst="roundRect">
-            <a:avLst/>
-          </a:prstGeom>
-        </p:spPr>
-        <p:style>
-          <a:lnRef idx="2">
-            <a:schemeClr val="accent1">
-              <a:shade val="50000"/>
-            </a:schemeClr>
-          </a:lnRef>
-          <a:fillRef idx="1">
-            <a:schemeClr val="accent1"/>
-          </a:fillRef>
-          <a:effectRef idx="0">
-            <a:schemeClr val="accent1"/>
-          </a:effectRef>
-          <a:fontRef idx="minor">
-            <a:schemeClr val="lt1"/>
-          </a:fontRef>
-        </p:style>
-        <p:txBody>
-          <a:bodyPr rtlCol="0" anchor="ctr"/>
-          <a:lstStyle/>
-          <a:p>
-            <a:pPr algn="ctr"/>
-            <a:r>
-              <a:rPr lang="pt-BR" dirty="0" smtClean="0"/>
-              <a:t>JUN</a:t>
             </a:r>
             <a:endParaRPr lang="pt-BR" dirty="0"/>
           </a:p>
@@ -20934,13 +20890,13 @@
           <p:nvPr>
             <p:extLst>
               <p:ext uri="{D42A27DB-BD31-4B8C-83A1-F6EECF244321}">
-                <p14:modId xmlns:p14="http://schemas.microsoft.com/office/powerpoint/2010/main" val="1566565210"/>
+                <p14:modId xmlns:p14="http://schemas.microsoft.com/office/powerpoint/2010/main" val="1462232475"/>
               </p:ext>
             </p:extLst>
           </p:nvPr>
         </p:nvGraphicFramePr>
         <p:xfrm>
-          <a:off x="3166694" y="1652337"/>
+          <a:off x="2980075" y="1617801"/>
           <a:ext cx="5997689" cy="2516697"/>
         </p:xfrm>
         <a:graphic>
@@ -21129,7 +21085,7 @@
           <p:nvPr>
             <p:extLst>
               <p:ext uri="{D42A27DB-BD31-4B8C-83A1-F6EECF244321}">
-                <p14:modId xmlns:p14="http://schemas.microsoft.com/office/powerpoint/2010/main" val="4002032707"/>
+                <p14:modId xmlns:p14="http://schemas.microsoft.com/office/powerpoint/2010/main" val="847661023"/>
               </p:ext>
             </p:extLst>
           </p:nvPr>
@@ -21144,273 +21100,6 @@
           </a:graphicData>
         </a:graphic>
       </p:graphicFrame>
-      <p:sp>
-        <p:nvSpPr>
-          <p:cNvPr id="37" name="Retângulo Arredondado 36"/>
-          <p:cNvSpPr/>
-          <p:nvPr/>
-        </p:nvSpPr>
-        <p:spPr>
-          <a:xfrm>
-            <a:off x="3166695" y="192642"/>
-            <a:ext cx="1438371" cy="320842"/>
-          </a:xfrm>
-          <a:prstGeom prst="roundRect">
-            <a:avLst/>
-          </a:prstGeom>
-        </p:spPr>
-        <p:style>
-          <a:lnRef idx="2">
-            <a:schemeClr val="accent1">
-              <a:shade val="50000"/>
-            </a:schemeClr>
-          </a:lnRef>
-          <a:fillRef idx="1">
-            <a:schemeClr val="accent1"/>
-          </a:fillRef>
-          <a:effectRef idx="0">
-            <a:schemeClr val="accent1"/>
-          </a:effectRef>
-          <a:fontRef idx="minor">
-            <a:schemeClr val="lt1"/>
-          </a:fontRef>
-        </p:style>
-        <p:txBody>
-          <a:bodyPr rtlCol="0" anchor="ctr"/>
-          <a:lstStyle/>
-          <a:p>
-            <a:pPr algn="ctr"/>
-            <a:r>
-              <a:rPr lang="pt-BR" dirty="0" smtClean="0"/>
-              <a:t>JAN</a:t>
-            </a:r>
-            <a:endParaRPr lang="pt-BR" dirty="0"/>
-          </a:p>
-        </p:txBody>
-      </p:sp>
-      <p:sp>
-        <p:nvSpPr>
-          <p:cNvPr id="38" name="Retângulo Arredondado 37"/>
-          <p:cNvSpPr/>
-          <p:nvPr/>
-        </p:nvSpPr>
-        <p:spPr>
-          <a:xfrm>
-            <a:off x="6287641" y="176463"/>
-            <a:ext cx="1438370" cy="320842"/>
-          </a:xfrm>
-          <a:prstGeom prst="roundRect">
-            <a:avLst/>
-          </a:prstGeom>
-        </p:spPr>
-        <p:style>
-          <a:lnRef idx="2">
-            <a:schemeClr val="accent1">
-              <a:shade val="50000"/>
-            </a:schemeClr>
-          </a:lnRef>
-          <a:fillRef idx="1">
-            <a:schemeClr val="accent1"/>
-          </a:fillRef>
-          <a:effectRef idx="0">
-            <a:schemeClr val="accent1"/>
-          </a:effectRef>
-          <a:fontRef idx="minor">
-            <a:schemeClr val="lt1"/>
-          </a:fontRef>
-        </p:style>
-        <p:txBody>
-          <a:bodyPr rtlCol="0" anchor="ctr"/>
-          <a:lstStyle/>
-          <a:p>
-            <a:pPr algn="ctr"/>
-            <a:r>
-              <a:rPr lang="pt-BR" dirty="0" smtClean="0"/>
-              <a:t>MAR</a:t>
-            </a:r>
-            <a:endParaRPr lang="pt-BR" dirty="0"/>
-          </a:p>
-        </p:txBody>
-      </p:sp>
-      <p:sp>
-        <p:nvSpPr>
-          <p:cNvPr id="40" name="Retângulo Arredondado 39"/>
-          <p:cNvSpPr/>
-          <p:nvPr/>
-        </p:nvSpPr>
-        <p:spPr>
-          <a:xfrm>
-            <a:off x="4727169" y="198414"/>
-            <a:ext cx="1438369" cy="320842"/>
-          </a:xfrm>
-          <a:prstGeom prst="roundRect">
-            <a:avLst/>
-          </a:prstGeom>
-        </p:spPr>
-        <p:style>
-          <a:lnRef idx="2">
-            <a:schemeClr val="accent1">
-              <a:shade val="50000"/>
-            </a:schemeClr>
-          </a:lnRef>
-          <a:fillRef idx="1">
-            <a:schemeClr val="accent1"/>
-          </a:fillRef>
-          <a:effectRef idx="0">
-            <a:schemeClr val="accent1"/>
-          </a:effectRef>
-          <a:fontRef idx="minor">
-            <a:schemeClr val="lt1"/>
-          </a:fontRef>
-        </p:style>
-        <p:txBody>
-          <a:bodyPr rtlCol="0" anchor="ctr"/>
-          <a:lstStyle/>
-          <a:p>
-            <a:pPr algn="ctr"/>
-            <a:r>
-              <a:rPr lang="pt-BR" dirty="0" smtClean="0"/>
-              <a:t>FEV</a:t>
-            </a:r>
-            <a:endParaRPr lang="pt-BR" dirty="0"/>
-          </a:p>
-        </p:txBody>
-      </p:sp>
-      <p:sp>
-        <p:nvSpPr>
-          <p:cNvPr id="41" name="Retângulo Arredondado 40"/>
-          <p:cNvSpPr/>
-          <p:nvPr/>
-        </p:nvSpPr>
-        <p:spPr>
-          <a:xfrm>
-            <a:off x="3166695" y="643587"/>
-            <a:ext cx="1438370" cy="320842"/>
-          </a:xfrm>
-          <a:prstGeom prst="roundRect">
-            <a:avLst/>
-          </a:prstGeom>
-        </p:spPr>
-        <p:style>
-          <a:lnRef idx="2">
-            <a:schemeClr val="accent1">
-              <a:shade val="50000"/>
-            </a:schemeClr>
-          </a:lnRef>
-          <a:fillRef idx="1">
-            <a:schemeClr val="accent1"/>
-          </a:fillRef>
-          <a:effectRef idx="0">
-            <a:schemeClr val="accent1"/>
-          </a:effectRef>
-          <a:fontRef idx="minor">
-            <a:schemeClr val="lt1"/>
-          </a:fontRef>
-        </p:style>
-        <p:txBody>
-          <a:bodyPr rtlCol="0" anchor="ctr"/>
-          <a:lstStyle/>
-          <a:p>
-            <a:pPr algn="ctr"/>
-            <a:r>
-              <a:rPr lang="pt-BR" dirty="0" smtClean="0"/>
-              <a:t>ABR</a:t>
-            </a:r>
-            <a:endParaRPr lang="pt-BR" dirty="0"/>
-          </a:p>
-        </p:txBody>
-      </p:sp>
-      <p:sp>
-        <p:nvSpPr>
-          <p:cNvPr id="42" name="Retângulo Arredondado 41"/>
-          <p:cNvSpPr/>
-          <p:nvPr/>
-        </p:nvSpPr>
-        <p:spPr>
-          <a:xfrm>
-            <a:off x="4727168" y="643587"/>
-            <a:ext cx="1438370" cy="320842"/>
-          </a:xfrm>
-          <a:prstGeom prst="roundRect">
-            <a:avLst/>
-          </a:prstGeom>
-          <a:solidFill>
-            <a:srgbClr val="2A6BA6"/>
-          </a:solidFill>
-        </p:spPr>
-        <p:style>
-          <a:lnRef idx="2">
-            <a:schemeClr val="accent1">
-              <a:shade val="50000"/>
-            </a:schemeClr>
-          </a:lnRef>
-          <a:fillRef idx="1">
-            <a:schemeClr val="accent1"/>
-          </a:fillRef>
-          <a:effectRef idx="0">
-            <a:schemeClr val="accent1"/>
-          </a:effectRef>
-          <a:fontRef idx="minor">
-            <a:schemeClr val="lt1"/>
-          </a:fontRef>
-        </p:style>
-        <p:txBody>
-          <a:bodyPr rtlCol="0" anchor="ctr"/>
-          <a:lstStyle/>
-          <a:p>
-            <a:pPr algn="ctr"/>
-            <a:r>
-              <a:rPr lang="pt-BR" dirty="0" smtClean="0"/>
-              <a:t>MAI</a:t>
-            </a:r>
-            <a:endParaRPr lang="pt-BR" dirty="0"/>
-          </a:p>
-        </p:txBody>
-      </p:sp>
-      <p:sp>
-        <p:nvSpPr>
-          <p:cNvPr id="44" name="Retângulo Arredondado 43"/>
-          <p:cNvSpPr/>
-          <p:nvPr/>
-        </p:nvSpPr>
-        <p:spPr>
-          <a:xfrm>
-            <a:off x="6287641" y="643587"/>
-            <a:ext cx="1438370" cy="320842"/>
-          </a:xfrm>
-          <a:prstGeom prst="roundRect">
-            <a:avLst/>
-          </a:prstGeom>
-        </p:spPr>
-        <p:style>
-          <a:lnRef idx="2">
-            <a:schemeClr val="accent1">
-              <a:shade val="50000"/>
-            </a:schemeClr>
-          </a:lnRef>
-          <a:fillRef idx="1">
-            <a:schemeClr val="accent1"/>
-          </a:fillRef>
-          <a:effectRef idx="0">
-            <a:schemeClr val="accent1"/>
-          </a:effectRef>
-          <a:fontRef idx="minor">
-            <a:schemeClr val="lt1"/>
-          </a:fontRef>
-        </p:style>
-        <p:txBody>
-          <a:bodyPr rtlCol="0" anchor="ctr"/>
-          <a:lstStyle/>
-          <a:p>
-            <a:pPr algn="ctr"/>
-            <a:r>
-              <a:rPr lang="pt-BR" dirty="0" smtClean="0"/>
-              <a:t>JUN</a:t>
-            </a:r>
-            <a:endParaRPr lang="pt-BR" dirty="0"/>
-          </a:p>
-        </p:txBody>
-      </p:sp>
       <p:sp>
         <p:nvSpPr>
           <p:cNvPr id="51" name="Retângulo 50"/>
@@ -21455,46 +21144,9 @@
           </a:p>
         </p:txBody>
       </p:sp>
-    </p:spTree>
-    <p:extLst>
-      <p:ext uri="{BB962C8B-B14F-4D97-AF65-F5344CB8AC3E}">
-        <p14:creationId xmlns:p14="http://schemas.microsoft.com/office/powerpoint/2010/main" val="859586036"/>
-      </p:ext>
-    </p:extLst>
-  </p:cSld>
-  <p:clrMapOvr>
-    <a:masterClrMapping/>
-  </p:clrMapOvr>
-  <p:timing>
-    <p:tnLst>
-      <p:par>
-        <p:cTn id="1" dur="indefinite" restart="never" nodeType="tmRoot"/>
-      </p:par>
-    </p:tnLst>
-  </p:timing>
-</p:sld>
-</file>
-
-<file path=ppt/slides/slide3.xml><?xml version="1.0" encoding="utf-8"?>
-<p:sld xmlns:a="http://schemas.openxmlformats.org/drawingml/2006/main" xmlns:r="http://schemas.openxmlformats.org/officeDocument/2006/relationships" xmlns:p="http://schemas.openxmlformats.org/presentationml/2006/main">
-  <p:cSld>
-    <p:spTree>
-      <p:nvGrpSpPr>
-        <p:cNvPr id="1" name=""/>
-        <p:cNvGrpSpPr/>
-        <p:nvPr/>
-      </p:nvGrpSpPr>
-      <p:grpSpPr>
-        <a:xfrm>
-          <a:off x="0" y="0"/>
-          <a:ext cx="0" cy="0"/>
-          <a:chOff x="0" y="0"/>
-          <a:chExt cx="0" cy="0"/>
-        </a:xfrm>
-      </p:grpSpPr>
       <p:sp>
         <p:nvSpPr>
-          <p:cNvPr id="12" name="Retângulo Arredondado 11"/>
+          <p:cNvPr id="22" name="Retângulo Arredondado 21"/>
           <p:cNvSpPr/>
           <p:nvPr/>
         </p:nvSpPr>
@@ -21538,7 +21190,7 @@
       </p:sp>
       <p:sp>
         <p:nvSpPr>
-          <p:cNvPr id="13" name="Retângulo Arredondado 12"/>
+          <p:cNvPr id="23" name="Retângulo Arredondado 22"/>
           <p:cNvSpPr/>
           <p:nvPr/>
         </p:nvSpPr>
@@ -21582,7 +21234,7 @@
       </p:sp>
       <p:sp>
         <p:nvSpPr>
-          <p:cNvPr id="17" name="Retângulo Arredondado 16"/>
+          <p:cNvPr id="25" name="Retângulo Arredondado 24"/>
           <p:cNvSpPr/>
           <p:nvPr/>
         </p:nvSpPr>
@@ -21624,37 +21276,15 @@
           </a:p>
         </p:txBody>
       </p:sp>
-      <p:graphicFrame>
-        <p:nvGraphicFramePr>
-          <p:cNvPr id="21" name="Gráfico 20"/>
-          <p:cNvGraphicFramePr/>
-          <p:nvPr>
-            <p:extLst>
-              <p:ext uri="{D42A27DB-BD31-4B8C-83A1-F6EECF244321}">
-                <p14:modId xmlns:p14="http://schemas.microsoft.com/office/powerpoint/2010/main" val="4239396064"/>
-              </p:ext>
-            </p:extLst>
-          </p:nvPr>
-        </p:nvGraphicFramePr>
-        <p:xfrm>
-          <a:off x="3166694" y="1652337"/>
-          <a:ext cx="5997689" cy="2516697"/>
-        </p:xfrm>
-        <a:graphic>
-          <a:graphicData uri="http://schemas.openxmlformats.org/drawingml/2006/chart">
-            <c:chart xmlns:c="http://schemas.openxmlformats.org/drawingml/2006/chart" xmlns:r="http://schemas.openxmlformats.org/officeDocument/2006/relationships" r:id="rId2"/>
-          </a:graphicData>
-        </a:graphic>
-      </p:graphicFrame>
       <p:sp>
         <p:nvSpPr>
-          <p:cNvPr id="25" name="Retângulo Arredondado 24"/>
+          <p:cNvPr id="26" name="Retângulo Arredondado 25"/>
           <p:cNvSpPr/>
           <p:nvPr/>
         </p:nvSpPr>
         <p:spPr>
           <a:xfrm>
-            <a:off x="3166695" y="643587"/>
+            <a:off x="4007983" y="643587"/>
             <a:ext cx="1438370" cy="320842"/>
           </a:xfrm>
           <a:prstGeom prst="roundRect">
@@ -21692,13 +21322,13 @@
       </p:sp>
       <p:sp>
         <p:nvSpPr>
-          <p:cNvPr id="26" name="Retângulo Arredondado 25"/>
+          <p:cNvPr id="27" name="Retângulo Arredondado 26"/>
           <p:cNvSpPr/>
           <p:nvPr/>
         </p:nvSpPr>
         <p:spPr>
           <a:xfrm>
-            <a:off x="4727168" y="643587"/>
+            <a:off x="5568456" y="643587"/>
             <a:ext cx="1438370" cy="320842"/>
           </a:xfrm>
           <a:prstGeom prst="roundRect">
@@ -21737,50 +21367,65 @@
           </a:p>
         </p:txBody>
       </p:sp>
-      <p:sp>
-        <p:nvSpPr>
-          <p:cNvPr id="28" name="Retângulo Arredondado 27"/>
-          <p:cNvSpPr/>
-          <p:nvPr/>
-        </p:nvSpPr>
-        <p:spPr>
-          <a:xfrm>
-            <a:off x="6287641" y="643587"/>
-            <a:ext cx="1438370" cy="320842"/>
-          </a:xfrm>
-          <a:prstGeom prst="roundRect">
-            <a:avLst/>
-          </a:prstGeom>
-        </p:spPr>
-        <p:style>
-          <a:lnRef idx="2">
-            <a:schemeClr val="accent1">
-              <a:shade val="50000"/>
-            </a:schemeClr>
-          </a:lnRef>
-          <a:fillRef idx="1">
-            <a:schemeClr val="accent1"/>
-          </a:fillRef>
-          <a:effectRef idx="0">
-            <a:schemeClr val="accent1"/>
-          </a:effectRef>
-          <a:fontRef idx="minor">
-            <a:schemeClr val="lt1"/>
-          </a:fontRef>
-        </p:style>
-        <p:txBody>
-          <a:bodyPr rtlCol="0" anchor="ctr"/>
-          <a:lstStyle/>
-          <a:p>
-            <a:pPr algn="ctr"/>
-            <a:r>
-              <a:rPr lang="pt-BR" dirty="0" smtClean="0"/>
-              <a:t>JUN</a:t>
-            </a:r>
-            <a:endParaRPr lang="pt-BR" dirty="0"/>
-          </a:p>
-        </p:txBody>
-      </p:sp>
+    </p:spTree>
+    <p:extLst>
+      <p:ext uri="{BB962C8B-B14F-4D97-AF65-F5344CB8AC3E}">
+        <p14:creationId xmlns:p14="http://schemas.microsoft.com/office/powerpoint/2010/main" val="859586036"/>
+      </p:ext>
+    </p:extLst>
+  </p:cSld>
+  <p:clrMapOvr>
+    <a:masterClrMapping/>
+  </p:clrMapOvr>
+  <p:timing>
+    <p:tnLst>
+      <p:par>
+        <p:cTn id="1" dur="indefinite" restart="never" nodeType="tmRoot"/>
+      </p:par>
+    </p:tnLst>
+  </p:timing>
+</p:sld>
+</file>
+
+<file path=ppt/slides/slide3.xml><?xml version="1.0" encoding="utf-8"?>
+<p:sld xmlns:a="http://schemas.openxmlformats.org/drawingml/2006/main" xmlns:r="http://schemas.openxmlformats.org/officeDocument/2006/relationships" xmlns:p="http://schemas.openxmlformats.org/presentationml/2006/main">
+  <p:cSld>
+    <p:spTree>
+      <p:nvGrpSpPr>
+        <p:cNvPr id="1" name=""/>
+        <p:cNvGrpSpPr/>
+        <p:nvPr/>
+      </p:nvGrpSpPr>
+      <p:grpSpPr>
+        <a:xfrm>
+          <a:off x="0" y="0"/>
+          <a:ext cx="0" cy="0"/>
+          <a:chOff x="0" y="0"/>
+          <a:chExt cx="0" cy="0"/>
+        </a:xfrm>
+      </p:grpSpPr>
+      <p:graphicFrame>
+        <p:nvGraphicFramePr>
+          <p:cNvPr id="21" name="Gráfico 20"/>
+          <p:cNvGraphicFramePr/>
+          <p:nvPr>
+            <p:extLst>
+              <p:ext uri="{D42A27DB-BD31-4B8C-83A1-F6EECF244321}">
+                <p14:modId xmlns:p14="http://schemas.microsoft.com/office/powerpoint/2010/main" val="4239396064"/>
+              </p:ext>
+            </p:extLst>
+          </p:nvPr>
+        </p:nvGraphicFramePr>
+        <p:xfrm>
+          <a:off x="3166694" y="1652337"/>
+          <a:ext cx="5997689" cy="2516697"/>
+        </p:xfrm>
+        <a:graphic>
+          <a:graphicData uri="http://schemas.openxmlformats.org/drawingml/2006/chart">
+            <c:chart xmlns:c="http://schemas.openxmlformats.org/drawingml/2006/chart" xmlns:r="http://schemas.openxmlformats.org/officeDocument/2006/relationships" r:id="rId2"/>
+          </a:graphicData>
+        </a:graphic>
+      </p:graphicFrame>
       <p:graphicFrame>
         <p:nvGraphicFramePr>
           <p:cNvPr id="36" name="Gráfico 35"/>
@@ -22271,6 +21916,229 @@
           </a:graphicData>
         </a:graphic>
       </p:graphicFrame>
+      <p:sp>
+        <p:nvSpPr>
+          <p:cNvPr id="22" name="Retângulo Arredondado 21"/>
+          <p:cNvSpPr/>
+          <p:nvPr/>
+        </p:nvSpPr>
+        <p:spPr>
+          <a:xfrm>
+            <a:off x="3166695" y="192642"/>
+            <a:ext cx="1438371" cy="320842"/>
+          </a:xfrm>
+          <a:prstGeom prst="roundRect">
+            <a:avLst/>
+          </a:prstGeom>
+        </p:spPr>
+        <p:style>
+          <a:lnRef idx="2">
+            <a:schemeClr val="accent1">
+              <a:shade val="50000"/>
+            </a:schemeClr>
+          </a:lnRef>
+          <a:fillRef idx="1">
+            <a:schemeClr val="accent1"/>
+          </a:fillRef>
+          <a:effectRef idx="0">
+            <a:schemeClr val="accent1"/>
+          </a:effectRef>
+          <a:fontRef idx="minor">
+            <a:schemeClr val="lt1"/>
+          </a:fontRef>
+        </p:style>
+        <p:txBody>
+          <a:bodyPr rtlCol="0" anchor="ctr"/>
+          <a:lstStyle/>
+          <a:p>
+            <a:pPr algn="ctr"/>
+            <a:r>
+              <a:rPr lang="pt-BR" dirty="0" smtClean="0"/>
+              <a:t>JAN</a:t>
+            </a:r>
+            <a:endParaRPr lang="pt-BR" dirty="0"/>
+          </a:p>
+        </p:txBody>
+      </p:sp>
+      <p:sp>
+        <p:nvSpPr>
+          <p:cNvPr id="23" name="Retângulo Arredondado 22"/>
+          <p:cNvSpPr/>
+          <p:nvPr/>
+        </p:nvSpPr>
+        <p:spPr>
+          <a:xfrm>
+            <a:off x="6287641" y="176463"/>
+            <a:ext cx="1438370" cy="320842"/>
+          </a:xfrm>
+          <a:prstGeom prst="roundRect">
+            <a:avLst/>
+          </a:prstGeom>
+        </p:spPr>
+        <p:style>
+          <a:lnRef idx="2">
+            <a:schemeClr val="accent1">
+              <a:shade val="50000"/>
+            </a:schemeClr>
+          </a:lnRef>
+          <a:fillRef idx="1">
+            <a:schemeClr val="accent1"/>
+          </a:fillRef>
+          <a:effectRef idx="0">
+            <a:schemeClr val="accent1"/>
+          </a:effectRef>
+          <a:fontRef idx="minor">
+            <a:schemeClr val="lt1"/>
+          </a:fontRef>
+        </p:style>
+        <p:txBody>
+          <a:bodyPr rtlCol="0" anchor="ctr"/>
+          <a:lstStyle/>
+          <a:p>
+            <a:pPr algn="ctr"/>
+            <a:r>
+              <a:rPr lang="pt-BR" dirty="0" smtClean="0"/>
+              <a:t>MAR</a:t>
+            </a:r>
+            <a:endParaRPr lang="pt-BR" dirty="0"/>
+          </a:p>
+        </p:txBody>
+      </p:sp>
+      <p:sp>
+        <p:nvSpPr>
+          <p:cNvPr id="24" name="Retângulo Arredondado 23"/>
+          <p:cNvSpPr/>
+          <p:nvPr/>
+        </p:nvSpPr>
+        <p:spPr>
+          <a:xfrm>
+            <a:off x="4727169" y="198414"/>
+            <a:ext cx="1438369" cy="320842"/>
+          </a:xfrm>
+          <a:prstGeom prst="roundRect">
+            <a:avLst/>
+          </a:prstGeom>
+        </p:spPr>
+        <p:style>
+          <a:lnRef idx="2">
+            <a:schemeClr val="accent1">
+              <a:shade val="50000"/>
+            </a:schemeClr>
+          </a:lnRef>
+          <a:fillRef idx="1">
+            <a:schemeClr val="accent1"/>
+          </a:fillRef>
+          <a:effectRef idx="0">
+            <a:schemeClr val="accent1"/>
+          </a:effectRef>
+          <a:fontRef idx="minor">
+            <a:schemeClr val="lt1"/>
+          </a:fontRef>
+        </p:style>
+        <p:txBody>
+          <a:bodyPr rtlCol="0" anchor="ctr"/>
+          <a:lstStyle/>
+          <a:p>
+            <a:pPr algn="ctr"/>
+            <a:r>
+              <a:rPr lang="pt-BR" dirty="0" smtClean="0"/>
+              <a:t>FEV</a:t>
+            </a:r>
+            <a:endParaRPr lang="pt-BR" dirty="0"/>
+          </a:p>
+        </p:txBody>
+      </p:sp>
+      <p:sp>
+        <p:nvSpPr>
+          <p:cNvPr id="27" name="Retângulo Arredondado 26"/>
+          <p:cNvSpPr/>
+          <p:nvPr/>
+        </p:nvSpPr>
+        <p:spPr>
+          <a:xfrm>
+            <a:off x="4007983" y="643587"/>
+            <a:ext cx="1438370" cy="320842"/>
+          </a:xfrm>
+          <a:prstGeom prst="roundRect">
+            <a:avLst/>
+          </a:prstGeom>
+        </p:spPr>
+        <p:style>
+          <a:lnRef idx="2">
+            <a:schemeClr val="accent1">
+              <a:shade val="50000"/>
+            </a:schemeClr>
+          </a:lnRef>
+          <a:fillRef idx="1">
+            <a:schemeClr val="accent1"/>
+          </a:fillRef>
+          <a:effectRef idx="0">
+            <a:schemeClr val="accent1"/>
+          </a:effectRef>
+          <a:fontRef idx="minor">
+            <a:schemeClr val="lt1"/>
+          </a:fontRef>
+        </p:style>
+        <p:txBody>
+          <a:bodyPr rtlCol="0" anchor="ctr"/>
+          <a:lstStyle/>
+          <a:p>
+            <a:pPr algn="ctr"/>
+            <a:r>
+              <a:rPr lang="pt-BR" dirty="0" smtClean="0"/>
+              <a:t>ABR</a:t>
+            </a:r>
+            <a:endParaRPr lang="pt-BR" dirty="0"/>
+          </a:p>
+        </p:txBody>
+      </p:sp>
+      <p:sp>
+        <p:nvSpPr>
+          <p:cNvPr id="29" name="Retângulo Arredondado 28"/>
+          <p:cNvSpPr/>
+          <p:nvPr/>
+        </p:nvSpPr>
+        <p:spPr>
+          <a:xfrm>
+            <a:off x="5568456" y="643587"/>
+            <a:ext cx="1438370" cy="320842"/>
+          </a:xfrm>
+          <a:prstGeom prst="roundRect">
+            <a:avLst/>
+          </a:prstGeom>
+          <a:solidFill>
+            <a:srgbClr val="2A6BA6"/>
+          </a:solidFill>
+        </p:spPr>
+        <p:style>
+          <a:lnRef idx="2">
+            <a:schemeClr val="accent1">
+              <a:shade val="50000"/>
+            </a:schemeClr>
+          </a:lnRef>
+          <a:fillRef idx="1">
+            <a:schemeClr val="accent1"/>
+          </a:fillRef>
+          <a:effectRef idx="0">
+            <a:schemeClr val="accent1"/>
+          </a:effectRef>
+          <a:fontRef idx="minor">
+            <a:schemeClr val="lt1"/>
+          </a:fontRef>
+        </p:style>
+        <p:txBody>
+          <a:bodyPr rtlCol="0" anchor="ctr"/>
+          <a:lstStyle/>
+          <a:p>
+            <a:pPr algn="ctr"/>
+            <a:r>
+              <a:rPr lang="pt-BR" dirty="0" smtClean="0"/>
+              <a:t>MAI</a:t>
+            </a:r>
+            <a:endParaRPr lang="pt-BR" dirty="0"/>
+          </a:p>
+        </p:txBody>
+      </p:sp>
     </p:spTree>
     <p:extLst>
       <p:ext uri="{BB962C8B-B14F-4D97-AF65-F5344CB8AC3E}">
@@ -22835,7 +22703,7 @@
       </p:sp>
       <p:sp>
         <p:nvSpPr>
-          <p:cNvPr id="38" name="Retângulo Arredondado 37"/>
+          <p:cNvPr id="22" name="Retângulo Arredondado 21"/>
           <p:cNvSpPr/>
           <p:nvPr/>
         </p:nvSpPr>
@@ -22879,7 +22747,7 @@
       </p:sp>
       <p:sp>
         <p:nvSpPr>
-          <p:cNvPr id="45" name="Retângulo Arredondado 44"/>
+          <p:cNvPr id="23" name="Retângulo Arredondado 22"/>
           <p:cNvSpPr/>
           <p:nvPr/>
         </p:nvSpPr>
@@ -22923,7 +22791,7 @@
       </p:sp>
       <p:sp>
         <p:nvSpPr>
-          <p:cNvPr id="46" name="Retângulo Arredondado 45"/>
+          <p:cNvPr id="24" name="Retângulo Arredondado 23"/>
           <p:cNvSpPr/>
           <p:nvPr/>
         </p:nvSpPr>
@@ -22967,13 +22835,13 @@
       </p:sp>
       <p:sp>
         <p:nvSpPr>
-          <p:cNvPr id="47" name="Retângulo Arredondado 46"/>
+          <p:cNvPr id="25" name="Retângulo Arredondado 24"/>
           <p:cNvSpPr/>
           <p:nvPr/>
         </p:nvSpPr>
         <p:spPr>
           <a:xfrm>
-            <a:off x="3166695" y="643587"/>
+            <a:off x="4007983" y="643587"/>
             <a:ext cx="1438370" cy="320842"/>
           </a:xfrm>
           <a:prstGeom prst="roundRect">
@@ -23011,13 +22879,13 @@
       </p:sp>
       <p:sp>
         <p:nvSpPr>
-          <p:cNvPr id="48" name="Retângulo Arredondado 47"/>
+          <p:cNvPr id="26" name="Retângulo Arredondado 25"/>
           <p:cNvSpPr/>
           <p:nvPr/>
         </p:nvSpPr>
         <p:spPr>
           <a:xfrm>
-            <a:off x="4727168" y="643587"/>
+            <a:off x="5568456" y="643587"/>
             <a:ext cx="1438370" cy="320842"/>
           </a:xfrm>
           <a:prstGeom prst="roundRect">
@@ -23051,50 +22919,6 @@
             <a:r>
               <a:rPr lang="pt-BR" dirty="0" smtClean="0"/>
               <a:t>MAI</a:t>
-            </a:r>
-            <a:endParaRPr lang="pt-BR" dirty="0"/>
-          </a:p>
-        </p:txBody>
-      </p:sp>
-      <p:sp>
-        <p:nvSpPr>
-          <p:cNvPr id="49" name="Retângulo Arredondado 48"/>
-          <p:cNvSpPr/>
-          <p:nvPr/>
-        </p:nvSpPr>
-        <p:spPr>
-          <a:xfrm>
-            <a:off x="6287641" y="643587"/>
-            <a:ext cx="1438370" cy="320842"/>
-          </a:xfrm>
-          <a:prstGeom prst="roundRect">
-            <a:avLst/>
-          </a:prstGeom>
-        </p:spPr>
-        <p:style>
-          <a:lnRef idx="2">
-            <a:schemeClr val="accent1">
-              <a:shade val="50000"/>
-            </a:schemeClr>
-          </a:lnRef>
-          <a:fillRef idx="1">
-            <a:schemeClr val="accent1"/>
-          </a:fillRef>
-          <a:effectRef idx="0">
-            <a:schemeClr val="accent1"/>
-          </a:effectRef>
-          <a:fontRef idx="minor">
-            <a:schemeClr val="lt1"/>
-          </a:fontRef>
-        </p:style>
-        <p:txBody>
-          <a:bodyPr rtlCol="0" anchor="ctr"/>
-          <a:lstStyle/>
-          <a:p>
-            <a:pPr algn="ctr"/>
-            <a:r>
-              <a:rPr lang="pt-BR" dirty="0" smtClean="0"/>
-              <a:t>JUN</a:t>
             </a:r>
             <a:endParaRPr lang="pt-BR" dirty="0"/>
           </a:p>

--- a/dashboardlayout.pptx
+++ b/dashboardlayout.pptx
@@ -588,328 +588,6 @@
               </a:defRPr>
             </a:pPr>
             <a:r>
-              <a:rPr lang="en-US" dirty="0" err="1" smtClean="0"/>
-              <a:t>feedbacjk</a:t>
-            </a:r>
-            <a:endParaRPr lang="en-US" dirty="0"/>
-          </a:p>
-        </c:rich>
-      </c:tx>
-      <c:layout>
-        <c:manualLayout>
-          <c:xMode val="edge"/>
-          <c:yMode val="edge"/>
-          <c:x val="0.40038224845243486"/>
-          <c:y val="2.45354208404251E-2"/>
-        </c:manualLayout>
-      </c:layout>
-      <c:overlay val="0"/>
-      <c:spPr>
-        <a:noFill/>
-        <a:ln>
-          <a:noFill/>
-        </a:ln>
-        <a:effectLst/>
-      </c:spPr>
-      <c:txPr>
-        <a:bodyPr rot="0" spcFirstLastPara="1" vertOverflow="ellipsis" vert="horz" wrap="square" anchor="ctr" anchorCtr="1"/>
-        <a:lstStyle/>
-        <a:p>
-          <a:pPr>
-            <a:defRPr sz="1862" b="0" i="0" u="none" strike="noStrike" kern="1200" spc="0" baseline="0">
-              <a:solidFill>
-                <a:schemeClr val="tx1">
-                  <a:lumMod val="65000"/>
-                  <a:lumOff val="35000"/>
-                </a:schemeClr>
-              </a:solidFill>
-              <a:latin typeface="+mn-lt"/>
-              <a:ea typeface="+mn-ea"/>
-              <a:cs typeface="+mn-cs"/>
-            </a:defRPr>
-          </a:pPr>
-          <a:endParaRPr lang="pt-BR"/>
-        </a:p>
-      </c:txPr>
-    </c:title>
-    <c:autoTitleDeleted val="0"/>
-    <c:plotArea>
-      <c:layout>
-        <c:manualLayout>
-          <c:layoutTarget val="inner"/>
-          <c:xMode val="edge"/>
-          <c:yMode val="edge"/>
-          <c:x val="0.21486921209711218"/>
-          <c:y val="0.15019766791146896"/>
-          <c:w val="0.49759789484424699"/>
-          <c:h val="0.6720680011102117"/>
-        </c:manualLayout>
-      </c:layout>
-      <c:doughnutChart>
-        <c:varyColors val="1"/>
-        <c:ser>
-          <c:idx val="0"/>
-          <c:order val="0"/>
-          <c:tx>
-            <c:strRef>
-              <c:f>Planilha1!$B$1</c:f>
-              <c:strCache>
-                <c:ptCount val="1"/>
-                <c:pt idx="0">
-                  <c:v>Vendas</c:v>
-                </c:pt>
-              </c:strCache>
-            </c:strRef>
-          </c:tx>
-          <c:dPt>
-            <c:idx val="0"/>
-            <c:bubble3D val="0"/>
-            <c:spPr>
-              <a:solidFill>
-                <a:schemeClr val="accent1"/>
-              </a:solidFill>
-              <a:ln w="19050">
-                <a:solidFill>
-                  <a:schemeClr val="lt1"/>
-                </a:solidFill>
-              </a:ln>
-              <a:effectLst/>
-            </c:spPr>
-            <c:extLst>
-              <c:ext xmlns:c16="http://schemas.microsoft.com/office/drawing/2014/chart" uri="{C3380CC4-5D6E-409C-BE32-E72D297353CC}">
-                <c16:uniqueId val="{00000001-D3D7-458D-A307-7C64955B33DC}"/>
-              </c:ext>
-            </c:extLst>
-          </c:dPt>
-          <c:dPt>
-            <c:idx val="1"/>
-            <c:bubble3D val="0"/>
-            <c:spPr>
-              <a:solidFill>
-                <a:schemeClr val="accent2"/>
-              </a:solidFill>
-              <a:ln w="19050">
-                <a:solidFill>
-                  <a:schemeClr val="lt1"/>
-                </a:solidFill>
-              </a:ln>
-              <a:effectLst/>
-            </c:spPr>
-            <c:extLst>
-              <c:ext xmlns:c16="http://schemas.microsoft.com/office/drawing/2014/chart" uri="{C3380CC4-5D6E-409C-BE32-E72D297353CC}">
-                <c16:uniqueId val="{00000003-D3D7-458D-A307-7C64955B33DC}"/>
-              </c:ext>
-            </c:extLst>
-          </c:dPt>
-          <c:dPt>
-            <c:idx val="2"/>
-            <c:bubble3D val="0"/>
-            <c:spPr>
-              <a:solidFill>
-                <a:schemeClr val="accent3"/>
-              </a:solidFill>
-              <a:ln w="19050">
-                <a:solidFill>
-                  <a:schemeClr val="lt1"/>
-                </a:solidFill>
-              </a:ln>
-              <a:effectLst/>
-            </c:spPr>
-            <c:extLst>
-              <c:ext xmlns:c16="http://schemas.microsoft.com/office/drawing/2014/chart" uri="{C3380CC4-5D6E-409C-BE32-E72D297353CC}">
-                <c16:uniqueId val="{00000005-D3D7-458D-A307-7C64955B33DC}"/>
-              </c:ext>
-            </c:extLst>
-          </c:dPt>
-          <c:dPt>
-            <c:idx val="3"/>
-            <c:bubble3D val="0"/>
-            <c:spPr>
-              <a:solidFill>
-                <a:schemeClr val="accent4"/>
-              </a:solidFill>
-              <a:ln w="19050">
-                <a:solidFill>
-                  <a:schemeClr val="lt1"/>
-                </a:solidFill>
-              </a:ln>
-              <a:effectLst/>
-            </c:spPr>
-            <c:extLst>
-              <c:ext xmlns:c16="http://schemas.microsoft.com/office/drawing/2014/chart" uri="{C3380CC4-5D6E-409C-BE32-E72D297353CC}">
-                <c16:uniqueId val="{00000007-D3D7-458D-A307-7C64955B33DC}"/>
-              </c:ext>
-            </c:extLst>
-          </c:dPt>
-          <c:cat>
-            <c:strRef>
-              <c:f>Planilha1!$A$2:$A$5</c:f>
-              <c:strCache>
-                <c:ptCount val="4"/>
-                <c:pt idx="0">
-                  <c:v>1º Tri</c:v>
-                </c:pt>
-                <c:pt idx="1">
-                  <c:v>2º Tri</c:v>
-                </c:pt>
-                <c:pt idx="2">
-                  <c:v>3º Tri</c:v>
-                </c:pt>
-                <c:pt idx="3">
-                  <c:v>4º Tri</c:v>
-                </c:pt>
-              </c:strCache>
-            </c:strRef>
-          </c:cat>
-          <c:val>
-            <c:numRef>
-              <c:f>Planilha1!$B$2:$B$5</c:f>
-              <c:numCache>
-                <c:formatCode>General</c:formatCode>
-                <c:ptCount val="4"/>
-                <c:pt idx="0">
-                  <c:v>8.1999999999999993</c:v>
-                </c:pt>
-                <c:pt idx="1">
-                  <c:v>3.2</c:v>
-                </c:pt>
-                <c:pt idx="2">
-                  <c:v>1.4</c:v>
-                </c:pt>
-                <c:pt idx="3">
-                  <c:v>1.2</c:v>
-                </c:pt>
-              </c:numCache>
-            </c:numRef>
-          </c:val>
-          <c:extLst>
-            <c:ext xmlns:c16="http://schemas.microsoft.com/office/drawing/2014/chart" uri="{C3380CC4-5D6E-409C-BE32-E72D297353CC}">
-              <c16:uniqueId val="{00000008-D3D7-458D-A307-7C64955B33DC}"/>
-            </c:ext>
-          </c:extLst>
-        </c:ser>
-        <c:dLbls>
-          <c:showLegendKey val="0"/>
-          <c:showVal val="0"/>
-          <c:showCatName val="0"/>
-          <c:showSerName val="0"/>
-          <c:showPercent val="0"/>
-          <c:showBubbleSize val="0"/>
-          <c:showLeaderLines val="1"/>
-        </c:dLbls>
-        <c:firstSliceAng val="0"/>
-        <c:holeSize val="75"/>
-      </c:doughnutChart>
-      <c:spPr>
-        <a:noFill/>
-        <a:ln>
-          <a:noFill/>
-        </a:ln>
-        <a:effectLst/>
-      </c:spPr>
-    </c:plotArea>
-    <c:legend>
-      <c:legendPos val="b"/>
-      <c:layout>
-        <c:manualLayout>
-          <c:xMode val="edge"/>
-          <c:yMode val="edge"/>
-          <c:x val="0.73206943886194187"/>
-          <c:y val="0.15572006952346545"/>
-          <c:w val="0.13836588190587351"/>
-          <c:h val="0.60301495887902101"/>
-        </c:manualLayout>
-      </c:layout>
-      <c:overlay val="0"/>
-      <c:spPr>
-        <a:noFill/>
-        <a:ln>
-          <a:noFill/>
-        </a:ln>
-        <a:effectLst/>
-      </c:spPr>
-      <c:txPr>
-        <a:bodyPr rot="0" spcFirstLastPara="1" vertOverflow="ellipsis" vert="horz" wrap="square" anchor="ctr" anchorCtr="1"/>
-        <a:lstStyle/>
-        <a:p>
-          <a:pPr>
-            <a:defRPr sz="1197" b="0" i="0" u="none" strike="noStrike" kern="1200" baseline="0">
-              <a:solidFill>
-                <a:schemeClr val="tx1">
-                  <a:lumMod val="65000"/>
-                  <a:lumOff val="35000"/>
-                </a:schemeClr>
-              </a:solidFill>
-              <a:latin typeface="+mn-lt"/>
-              <a:ea typeface="+mn-ea"/>
-              <a:cs typeface="+mn-cs"/>
-            </a:defRPr>
-          </a:pPr>
-          <a:endParaRPr lang="pt-BR"/>
-        </a:p>
-      </c:txPr>
-    </c:legend>
-    <c:plotVisOnly val="1"/>
-    <c:dispBlanksAs val="gap"/>
-    <c:showDLblsOverMax val="0"/>
-  </c:chart>
-  <c:spPr>
-    <a:noFill/>
-    <a:ln>
-      <a:noFill/>
-    </a:ln>
-    <a:effectLst/>
-  </c:spPr>
-  <c:txPr>
-    <a:bodyPr/>
-    <a:lstStyle/>
-    <a:p>
-      <a:pPr>
-        <a:defRPr/>
-      </a:pPr>
-      <a:endParaRPr lang="pt-BR"/>
-    </a:p>
-  </c:txPr>
-  <c:externalData r:id="rId3">
-    <c:autoUpdate val="0"/>
-  </c:externalData>
-</c:chartSpace>
-</file>
-
-<file path=ppt/charts/chart11.xml><?xml version="1.0" encoding="utf-8"?>
-<c:chartSpace xmlns:c="http://schemas.openxmlformats.org/drawingml/2006/chart" xmlns:a="http://schemas.openxmlformats.org/drawingml/2006/main" xmlns:r="http://schemas.openxmlformats.org/officeDocument/2006/relationships" xmlns:c16r2="http://schemas.microsoft.com/office/drawing/2015/06/chart">
-  <c:date1904 val="0"/>
-  <c:lang val="pt-BR"/>
-  <c:roundedCorners val="0"/>
-  <mc:AlternateContent xmlns:mc="http://schemas.openxmlformats.org/markup-compatibility/2006">
-    <mc:Choice xmlns:c14="http://schemas.microsoft.com/office/drawing/2007/8/2/chart" Requires="c14">
-      <c14:style val="102"/>
-    </mc:Choice>
-    <mc:Fallback>
-      <c:style val="2"/>
-    </mc:Fallback>
-  </mc:AlternateContent>
-  <c:chart>
-    <c:title>
-      <c:tx>
-        <c:rich>
-          <a:bodyPr rot="0" spcFirstLastPara="1" vertOverflow="ellipsis" vert="horz" wrap="square" anchor="ctr" anchorCtr="1"/>
-          <a:lstStyle/>
-          <a:p>
-            <a:pPr>
-              <a:defRPr sz="1862" b="0" i="0" u="none" strike="noStrike" kern="1200" spc="0" baseline="0">
-                <a:solidFill>
-                  <a:schemeClr val="tx1">
-                    <a:lumMod val="65000"/>
-                    <a:lumOff val="35000"/>
-                  </a:schemeClr>
-                </a:solidFill>
-                <a:latin typeface="+mn-lt"/>
-                <a:ea typeface="+mn-ea"/>
-                <a:cs typeface="+mn-cs"/>
-              </a:defRPr>
-            </a:pPr>
-            <a:r>
               <a:rPr lang="pt-BR" dirty="0" smtClean="0"/>
               <a:t>seguidores</a:t>
             </a:r>
@@ -1315,7 +993,7 @@
 </c:chartSpace>
 </file>
 
-<file path=ppt/charts/chart12.xml><?xml version="1.0" encoding="utf-8"?>
+<file path=ppt/charts/chart11.xml><?xml version="1.0" encoding="utf-8"?>
 <c:chartSpace xmlns:c="http://schemas.openxmlformats.org/drawingml/2006/chart" xmlns:a="http://schemas.openxmlformats.org/drawingml/2006/main" xmlns:r="http://schemas.openxmlformats.org/officeDocument/2006/relationships" xmlns:c16r2="http://schemas.microsoft.com/office/drawing/2015/06/chart">
   <c:date1904 val="0"/>
   <c:lang val="pt-BR"/>
@@ -1808,7 +1486,7 @@
 </c:chartSpace>
 </file>
 
-<file path=ppt/charts/chart13.xml><?xml version="1.0" encoding="utf-8"?>
+<file path=ppt/charts/chart12.xml><?xml version="1.0" encoding="utf-8"?>
 <c:chartSpace xmlns:c="http://schemas.openxmlformats.org/drawingml/2006/chart" xmlns:a="http://schemas.openxmlformats.org/drawingml/2006/main" xmlns:r="http://schemas.openxmlformats.org/officeDocument/2006/relationships" xmlns:c16r2="http://schemas.microsoft.com/office/drawing/2015/06/chart">
   <c:date1904 val="0"/>
   <c:lang val="pt-BR"/>
@@ -2129,7 +1807,7 @@
 </c:chartSpace>
 </file>
 
-<file path=ppt/charts/chart14.xml><?xml version="1.0" encoding="utf-8"?>
+<file path=ppt/charts/chart13.xml><?xml version="1.0" encoding="utf-8"?>
 <c:chartSpace xmlns:c="http://schemas.openxmlformats.org/drawingml/2006/chart" xmlns:a="http://schemas.openxmlformats.org/drawingml/2006/main" xmlns:r="http://schemas.openxmlformats.org/officeDocument/2006/relationships" xmlns:c16r2="http://schemas.microsoft.com/office/drawing/2015/06/chart">
   <c:date1904 val="0"/>
   <c:lang val="pt-BR"/>
@@ -2607,7 +2285,7 @@
 </c:chartSpace>
 </file>
 
-<file path=ppt/charts/chart15.xml><?xml version="1.0" encoding="utf-8"?>
+<file path=ppt/charts/chart14.xml><?xml version="1.0" encoding="utf-8"?>
 <c:chartSpace xmlns:c="http://schemas.openxmlformats.org/drawingml/2006/chart" xmlns:a="http://schemas.openxmlformats.org/drawingml/2006/main" xmlns:r="http://schemas.openxmlformats.org/officeDocument/2006/relationships" xmlns:c16r2="http://schemas.microsoft.com/office/drawing/2015/06/chart">
   <c:date1904 val="0"/>
   <c:lang val="pt-BR"/>
@@ -3050,7 +2728,7 @@
 </c:chartSpace>
 </file>
 
-<file path=ppt/charts/chart16.xml><?xml version="1.0" encoding="utf-8"?>
+<file path=ppt/charts/chart15.xml><?xml version="1.0" encoding="utf-8"?>
 <c:chartSpace xmlns:c="http://schemas.openxmlformats.org/drawingml/2006/chart" xmlns:a="http://schemas.openxmlformats.org/drawingml/2006/main" xmlns:r="http://schemas.openxmlformats.org/officeDocument/2006/relationships" xmlns:c16r2="http://schemas.microsoft.com/office/drawing/2015/06/chart">
   <c:date1904 val="0"/>
   <c:lang val="pt-BR"/>
@@ -3480,7 +3158,7 @@
 </c:chartSpace>
 </file>
 
-<file path=ppt/charts/chart17.xml><?xml version="1.0" encoding="utf-8"?>
+<file path=ppt/charts/chart16.xml><?xml version="1.0" encoding="utf-8"?>
 <c:chartSpace xmlns:c="http://schemas.openxmlformats.org/drawingml/2006/chart" xmlns:a="http://schemas.openxmlformats.org/drawingml/2006/main" xmlns:r="http://schemas.openxmlformats.org/officeDocument/2006/relationships" xmlns:c16r2="http://schemas.microsoft.com/office/drawing/2015/06/chart">
   <c:date1904 val="0"/>
   <c:lang val="pt-BR"/>
@@ -3730,7 +3408,7 @@
 </c:chartSpace>
 </file>
 
-<file path=ppt/charts/chart18.xml><?xml version="1.0" encoding="utf-8"?>
+<file path=ppt/charts/chart17.xml><?xml version="1.0" encoding="utf-8"?>
 <c:chartSpace xmlns:c="http://schemas.openxmlformats.org/drawingml/2006/chart" xmlns:a="http://schemas.openxmlformats.org/drawingml/2006/main" xmlns:r="http://schemas.openxmlformats.org/officeDocument/2006/relationships" xmlns:c16r2="http://schemas.microsoft.com/office/drawing/2015/06/chart">
   <c:date1904 val="0"/>
   <c:lang val="pt-BR"/>
@@ -6084,14 +5762,14 @@
               </a:defRPr>
             </a:pPr>
             <a:r>
-              <a:rPr lang="pt-BR" dirty="0" smtClean="0"/>
-              <a:t>CLIENTES</a:t>
+              <a:rPr lang="en-US" dirty="0" smtClean="0"/>
+              <a:t>FAIXA</a:t>
             </a:r>
             <a:r>
-              <a:rPr lang="pt-BR" baseline="0" dirty="0" smtClean="0"/>
-              <a:t> NOVOS</a:t>
+              <a:rPr lang="en-US" baseline="0" dirty="0" smtClean="0"/>
+              <a:t> ETARIA</a:t>
             </a:r>
-            <a:endParaRPr lang="pt-BR" dirty="0"/>
+            <a:endParaRPr lang="en-US" dirty="0"/>
           </a:p>
         </c:rich>
       </c:tx>
@@ -6099,8 +5777,8 @@
         <c:manualLayout>
           <c:xMode val="edge"/>
           <c:yMode val="edge"/>
-          <c:x val="0.33970864520560379"/>
-          <c:y val="5.5582690412292269E-3"/>
+          <c:x val="0.38221626861238139"/>
+          <c:y val="2.45354208404251E-2"/>
         </c:manualLayout>
       </c:layout>
       <c:overlay val="0"/>
@@ -6139,16 +5817,14 @@
           <c:layoutTarget val="inner"/>
           <c:xMode val="edge"/>
           <c:yMode val="edge"/>
-          <c:x val="0.12195890748031496"/>
-          <c:y val="0.17389202916510646"/>
-          <c:w val="0.86392778051181107"/>
-          <c:h val="0.77054522818988502"/>
+          <c:x val="0.29056079476400198"/>
+          <c:y val="0.15019766791146899"/>
+          <c:w val="0.49759789484424699"/>
+          <c:h val="0.6720680011102117"/>
         </c:manualLayout>
       </c:layout>
-      <c:barChart>
-        <c:barDir val="bar"/>
-        <c:grouping val="clustered"/>
-        <c:varyColors val="0"/>
+      <c:doughnutChart>
+        <c:varyColors val="1"/>
         <c:ser>
           <c:idx val="0"/>
           <c:order val="0"/>
@@ -6158,37 +5834,107 @@
               <c:strCache>
                 <c:ptCount val="1"/>
                 <c:pt idx="0">
-                  <c:v>Série 1</c:v>
+                  <c:v>Vendas</c:v>
                 </c:pt>
               </c:strCache>
             </c:strRef>
           </c:tx>
-          <c:spPr>
-            <a:solidFill>
-              <a:schemeClr val="accent1"/>
-            </a:solidFill>
-            <a:ln>
-              <a:noFill/>
-            </a:ln>
-            <a:effectLst/>
-          </c:spPr>
-          <c:invertIfNegative val="0"/>
+          <c:dPt>
+            <c:idx val="0"/>
+            <c:bubble3D val="0"/>
+            <c:spPr>
+              <a:solidFill>
+                <a:schemeClr val="accent1"/>
+              </a:solidFill>
+              <a:ln w="19050">
+                <a:solidFill>
+                  <a:schemeClr val="lt1"/>
+                </a:solidFill>
+              </a:ln>
+              <a:effectLst/>
+            </c:spPr>
+            <c:extLst>
+              <c:ext xmlns:c16="http://schemas.microsoft.com/office/drawing/2014/chart" uri="{C3380CC4-5D6E-409C-BE32-E72D297353CC}">
+                <c16:uniqueId val="{00000001-8DEA-4128-B70C-A70367F81D9C}"/>
+              </c:ext>
+            </c:extLst>
+          </c:dPt>
+          <c:dPt>
+            <c:idx val="1"/>
+            <c:bubble3D val="0"/>
+            <c:spPr>
+              <a:solidFill>
+                <a:schemeClr val="accent2"/>
+              </a:solidFill>
+              <a:ln w="19050">
+                <a:solidFill>
+                  <a:schemeClr val="lt1"/>
+                </a:solidFill>
+              </a:ln>
+              <a:effectLst/>
+            </c:spPr>
+            <c:extLst>
+              <c:ext xmlns:c16="http://schemas.microsoft.com/office/drawing/2014/chart" uri="{C3380CC4-5D6E-409C-BE32-E72D297353CC}">
+                <c16:uniqueId val="{00000003-8DEA-4128-B70C-A70367F81D9C}"/>
+              </c:ext>
+            </c:extLst>
+          </c:dPt>
+          <c:dPt>
+            <c:idx val="2"/>
+            <c:bubble3D val="0"/>
+            <c:spPr>
+              <a:solidFill>
+                <a:schemeClr val="accent3"/>
+              </a:solidFill>
+              <a:ln w="19050">
+                <a:solidFill>
+                  <a:schemeClr val="lt1"/>
+                </a:solidFill>
+              </a:ln>
+              <a:effectLst/>
+            </c:spPr>
+            <c:extLst>
+              <c:ext xmlns:c16="http://schemas.microsoft.com/office/drawing/2014/chart" uri="{C3380CC4-5D6E-409C-BE32-E72D297353CC}">
+                <c16:uniqueId val="{00000005-8DEA-4128-B70C-A70367F81D9C}"/>
+              </c:ext>
+            </c:extLst>
+          </c:dPt>
+          <c:dPt>
+            <c:idx val="3"/>
+            <c:bubble3D val="0"/>
+            <c:spPr>
+              <a:solidFill>
+                <a:schemeClr val="accent4"/>
+              </a:solidFill>
+              <a:ln w="19050">
+                <a:solidFill>
+                  <a:schemeClr val="lt1"/>
+                </a:solidFill>
+              </a:ln>
+              <a:effectLst/>
+            </c:spPr>
+            <c:extLst>
+              <c:ext xmlns:c16="http://schemas.microsoft.com/office/drawing/2014/chart" uri="{C3380CC4-5D6E-409C-BE32-E72D297353CC}">
+                <c16:uniqueId val="{00000007-8DEA-4128-B70C-A70367F81D9C}"/>
+              </c:ext>
+            </c:extLst>
+          </c:dPt>
           <c:cat>
             <c:strRef>
               <c:f>Planilha1!$A$2:$A$5</c:f>
               <c:strCache>
                 <c:ptCount val="4"/>
                 <c:pt idx="0">
-                  <c:v>Categoria 1</c:v>
+                  <c:v>1º Tri</c:v>
                 </c:pt>
                 <c:pt idx="1">
-                  <c:v>Categoria 2</c:v>
+                  <c:v>2º Tri</c:v>
                 </c:pt>
                 <c:pt idx="2">
-                  <c:v>Categoria 3</c:v>
+                  <c:v>3º Tri</c:v>
                 </c:pt>
                 <c:pt idx="3">
-                  <c:v>Categoria 4</c:v>
+                  <c:v>4º Tri</c:v>
                 </c:pt>
               </c:strCache>
             </c:strRef>
@@ -6200,165 +5946,23 @@
                 <c:formatCode>General</c:formatCode>
                 <c:ptCount val="4"/>
                 <c:pt idx="0">
-                  <c:v>4.3</c:v>
+                  <c:v>8.1999999999999993</c:v>
                 </c:pt>
                 <c:pt idx="1">
-                  <c:v>2.5</c:v>
+                  <c:v>3.2</c:v>
                 </c:pt>
                 <c:pt idx="2">
-                  <c:v>3.5</c:v>
+                  <c:v>1.4</c:v>
                 </c:pt>
                 <c:pt idx="3">
-                  <c:v>4.5</c:v>
+                  <c:v>1.2</c:v>
                 </c:pt>
               </c:numCache>
             </c:numRef>
           </c:val>
           <c:extLst>
             <c:ext xmlns:c16="http://schemas.microsoft.com/office/drawing/2014/chart" uri="{C3380CC4-5D6E-409C-BE32-E72D297353CC}">
-              <c16:uniqueId val="{00000000-9AA5-435D-9BA4-82D5F2CCB564}"/>
-            </c:ext>
-          </c:extLst>
-        </c:ser>
-        <c:ser>
-          <c:idx val="1"/>
-          <c:order val="1"/>
-          <c:tx>
-            <c:strRef>
-              <c:f>Planilha1!$C$1</c:f>
-              <c:strCache>
-                <c:ptCount val="1"/>
-                <c:pt idx="0">
-                  <c:v>Série 2</c:v>
-                </c:pt>
-              </c:strCache>
-            </c:strRef>
-          </c:tx>
-          <c:spPr>
-            <a:solidFill>
-              <a:schemeClr val="accent2"/>
-            </a:solidFill>
-            <a:ln>
-              <a:noFill/>
-            </a:ln>
-            <a:effectLst/>
-          </c:spPr>
-          <c:invertIfNegative val="0"/>
-          <c:cat>
-            <c:strRef>
-              <c:f>Planilha1!$A$2:$A$5</c:f>
-              <c:strCache>
-                <c:ptCount val="4"/>
-                <c:pt idx="0">
-                  <c:v>Categoria 1</c:v>
-                </c:pt>
-                <c:pt idx="1">
-                  <c:v>Categoria 2</c:v>
-                </c:pt>
-                <c:pt idx="2">
-                  <c:v>Categoria 3</c:v>
-                </c:pt>
-                <c:pt idx="3">
-                  <c:v>Categoria 4</c:v>
-                </c:pt>
-              </c:strCache>
-            </c:strRef>
-          </c:cat>
-          <c:val>
-            <c:numRef>
-              <c:f>Planilha1!$C$2:$C$5</c:f>
-              <c:numCache>
-                <c:formatCode>General</c:formatCode>
-                <c:ptCount val="4"/>
-                <c:pt idx="0">
-                  <c:v>2.4</c:v>
-                </c:pt>
-                <c:pt idx="1">
-                  <c:v>4.4000000000000004</c:v>
-                </c:pt>
-                <c:pt idx="2">
-                  <c:v>1.8</c:v>
-                </c:pt>
-                <c:pt idx="3">
-                  <c:v>2.8</c:v>
-                </c:pt>
-              </c:numCache>
-            </c:numRef>
-          </c:val>
-          <c:extLst>
-            <c:ext xmlns:c16="http://schemas.microsoft.com/office/drawing/2014/chart" uri="{C3380CC4-5D6E-409C-BE32-E72D297353CC}">
-              <c16:uniqueId val="{00000001-9AA5-435D-9BA4-82D5F2CCB564}"/>
-            </c:ext>
-          </c:extLst>
-        </c:ser>
-        <c:ser>
-          <c:idx val="2"/>
-          <c:order val="2"/>
-          <c:tx>
-            <c:strRef>
-              <c:f>Planilha1!$D$1</c:f>
-              <c:strCache>
-                <c:ptCount val="1"/>
-                <c:pt idx="0">
-                  <c:v>Série 3</c:v>
-                </c:pt>
-              </c:strCache>
-            </c:strRef>
-          </c:tx>
-          <c:spPr>
-            <a:solidFill>
-              <a:schemeClr val="accent3"/>
-            </a:solidFill>
-            <a:ln>
-              <a:noFill/>
-            </a:ln>
-            <a:effectLst/>
-          </c:spPr>
-          <c:invertIfNegative val="0"/>
-          <c:cat>
-            <c:strRef>
-              <c:f>Planilha1!$A$2:$A$5</c:f>
-              <c:strCache>
-                <c:ptCount val="4"/>
-                <c:pt idx="0">
-                  <c:v>Categoria 1</c:v>
-                </c:pt>
-                <c:pt idx="1">
-                  <c:v>Categoria 2</c:v>
-                </c:pt>
-                <c:pt idx="2">
-                  <c:v>Categoria 3</c:v>
-                </c:pt>
-                <c:pt idx="3">
-                  <c:v>Categoria 4</c:v>
-                </c:pt>
-              </c:strCache>
-            </c:strRef>
-          </c:cat>
-          <c:val>
-            <c:numRef>
-              <c:f>Planilha1!$D$2:$D$5</c:f>
-              <c:numCache>
-                <c:formatCode>General</c:formatCode>
-                <c:ptCount val="4"/>
-                <c:pt idx="0">
-                  <c:v>2</c:v>
-                </c:pt>
-                <c:pt idx="1">
-                  <c:v>2</c:v>
-                </c:pt>
-                <c:pt idx="2">
-                  <c:v>3</c:v>
-                </c:pt>
-                <c:pt idx="3">
-                  <c:v>5</c:v>
-                </c:pt>
-              </c:numCache>
-            </c:numRef>
-          </c:val>
-          <c:extLst>
-            <c:ext xmlns:c16="http://schemas.microsoft.com/office/drawing/2014/chart" uri="{C3380CC4-5D6E-409C-BE32-E72D297353CC}">
-              <c16:uniqueId val="{00000002-9AA5-435D-9BA4-82D5F2CCB564}"/>
+              <c16:uniqueId val="{00000000-88AF-406E-B8D4-E9011508C090}"/>
             </c:ext>
           </c:extLst>
         </c:ser>
@@ -6369,118 +5973,11 @@
           <c:showSerName val="0"/>
           <c:showPercent val="0"/>
           <c:showBubbleSize val="0"/>
+          <c:showLeaderLines val="1"/>
         </c:dLbls>
-        <c:gapWidth val="182"/>
-        <c:axId val="883286192"/>
-        <c:axId val="883284528"/>
-      </c:barChart>
-      <c:catAx>
-        <c:axId val="883286192"/>
-        <c:scaling>
-          <c:orientation val="minMax"/>
-        </c:scaling>
-        <c:delete val="0"/>
-        <c:axPos val="l"/>
-        <c:numFmt formatCode="General" sourceLinked="1"/>
-        <c:majorTickMark val="none"/>
-        <c:minorTickMark val="none"/>
-        <c:tickLblPos val="nextTo"/>
-        <c:spPr>
-          <a:noFill/>
-          <a:ln w="9525" cap="flat" cmpd="sng" algn="ctr">
-            <a:solidFill>
-              <a:schemeClr val="tx1">
-                <a:lumMod val="15000"/>
-                <a:lumOff val="85000"/>
-              </a:schemeClr>
-            </a:solidFill>
-            <a:round/>
-          </a:ln>
-          <a:effectLst/>
-        </c:spPr>
-        <c:txPr>
-          <a:bodyPr rot="-60000000" spcFirstLastPara="1" vertOverflow="ellipsis" vert="horz" wrap="square" anchor="ctr" anchorCtr="1"/>
-          <a:lstStyle/>
-          <a:p>
-            <a:pPr>
-              <a:defRPr sz="1197" b="0" i="0" u="none" strike="noStrike" kern="1200" baseline="0">
-                <a:solidFill>
-                  <a:schemeClr val="tx1">
-                    <a:lumMod val="65000"/>
-                    <a:lumOff val="35000"/>
-                  </a:schemeClr>
-                </a:solidFill>
-                <a:latin typeface="+mn-lt"/>
-                <a:ea typeface="+mn-ea"/>
-                <a:cs typeface="+mn-cs"/>
-              </a:defRPr>
-            </a:pPr>
-            <a:endParaRPr lang="pt-BR"/>
-          </a:p>
-        </c:txPr>
-        <c:crossAx val="883284528"/>
-        <c:crosses val="autoZero"/>
-        <c:auto val="1"/>
-        <c:lblAlgn val="ctr"/>
-        <c:lblOffset val="100"/>
-        <c:noMultiLvlLbl val="0"/>
-      </c:catAx>
-      <c:valAx>
-        <c:axId val="883284528"/>
-        <c:scaling>
-          <c:orientation val="minMax"/>
-        </c:scaling>
-        <c:delete val="0"/>
-        <c:axPos val="b"/>
-        <c:majorGridlines>
-          <c:spPr>
-            <a:ln w="9525" cap="flat" cmpd="sng" algn="ctr">
-              <a:solidFill>
-                <a:schemeClr val="tx1">
-                  <a:lumMod val="15000"/>
-                  <a:lumOff val="85000"/>
-                </a:schemeClr>
-              </a:solidFill>
-              <a:round/>
-            </a:ln>
-            <a:effectLst/>
-          </c:spPr>
-        </c:majorGridlines>
-        <c:numFmt formatCode="General" sourceLinked="1"/>
-        <c:majorTickMark val="none"/>
-        <c:minorTickMark val="none"/>
-        <c:tickLblPos val="nextTo"/>
-        <c:spPr>
-          <a:noFill/>
-          <a:ln>
-            <a:noFill/>
-          </a:ln>
-          <a:effectLst/>
-        </c:spPr>
-        <c:txPr>
-          <a:bodyPr rot="-60000000" spcFirstLastPara="1" vertOverflow="ellipsis" vert="horz" wrap="square" anchor="ctr" anchorCtr="1"/>
-          <a:lstStyle/>
-          <a:p>
-            <a:pPr>
-              <a:defRPr sz="1197" b="0" i="0" u="none" strike="noStrike" kern="1200" baseline="0">
-                <a:solidFill>
-                  <a:schemeClr val="tx1">
-                    <a:lumMod val="65000"/>
-                    <a:lumOff val="35000"/>
-                  </a:schemeClr>
-                </a:solidFill>
-                <a:latin typeface="+mn-lt"/>
-                <a:ea typeface="+mn-ea"/>
-                <a:cs typeface="+mn-cs"/>
-              </a:defRPr>
-            </a:pPr>
-            <a:endParaRPr lang="pt-BR"/>
-          </a:p>
-        </c:txPr>
-        <c:crossAx val="883286192"/>
-        <c:crosses val="autoZero"/>
-        <c:crossBetween val="between"/>
-      </c:valAx>
+        <c:firstSliceAng val="0"/>
+        <c:holeSize val="75"/>
+      </c:doughnutChart>
       <c:spPr>
         <a:noFill/>
         <a:ln>
@@ -6582,12 +6079,8 @@
               </a:defRPr>
             </a:pPr>
             <a:r>
-              <a:rPr lang="en-US" dirty="0" smtClean="0"/>
-              <a:t>FAIXA</a:t>
-            </a:r>
-            <a:r>
-              <a:rPr lang="en-US" baseline="0" dirty="0" smtClean="0"/>
-              <a:t> ETARIA</a:t>
+              <a:rPr lang="en-US" dirty="0" err="1" smtClean="0"/>
+              <a:t>feedbacjk</a:t>
             </a:r>
             <a:endParaRPr lang="en-US" dirty="0"/>
           </a:p>
@@ -6597,7 +6090,7 @@
         <c:manualLayout>
           <c:xMode val="edge"/>
           <c:yMode val="edge"/>
-          <c:x val="0.38221626861238139"/>
+          <c:x val="0.40038224845243486"/>
           <c:y val="2.45354208404251E-2"/>
         </c:manualLayout>
       </c:layout>
@@ -6637,8 +6130,8 @@
           <c:layoutTarget val="inner"/>
           <c:xMode val="edge"/>
           <c:yMode val="edge"/>
-          <c:x val="0.29056079476400198"/>
-          <c:y val="0.15019766791146899"/>
+          <c:x val="0.20881388548376101"/>
+          <c:y val="0.158376141524944"/>
           <c:w val="0.49759789484424699"/>
           <c:h val="0.6720680011102117"/>
         </c:manualLayout>
@@ -6675,7 +6168,7 @@
             </c:spPr>
             <c:extLst>
               <c:ext xmlns:c16="http://schemas.microsoft.com/office/drawing/2014/chart" uri="{C3380CC4-5D6E-409C-BE32-E72D297353CC}">
-                <c16:uniqueId val="{00000001-8DEA-4128-B70C-A70367F81D9C}"/>
+                <c16:uniqueId val="{00000001-D3D7-458D-A307-7C64955B33DC}"/>
               </c:ext>
             </c:extLst>
           </c:dPt>
@@ -6695,7 +6188,7 @@
             </c:spPr>
             <c:extLst>
               <c:ext xmlns:c16="http://schemas.microsoft.com/office/drawing/2014/chart" uri="{C3380CC4-5D6E-409C-BE32-E72D297353CC}">
-                <c16:uniqueId val="{00000003-8DEA-4128-B70C-A70367F81D9C}"/>
+                <c16:uniqueId val="{00000003-D3D7-458D-A307-7C64955B33DC}"/>
               </c:ext>
             </c:extLst>
           </c:dPt>
@@ -6715,7 +6208,7 @@
             </c:spPr>
             <c:extLst>
               <c:ext xmlns:c16="http://schemas.microsoft.com/office/drawing/2014/chart" uri="{C3380CC4-5D6E-409C-BE32-E72D297353CC}">
-                <c16:uniqueId val="{00000005-8DEA-4128-B70C-A70367F81D9C}"/>
+                <c16:uniqueId val="{00000005-D3D7-458D-A307-7C64955B33DC}"/>
               </c:ext>
             </c:extLst>
           </c:dPt>
@@ -6735,7 +6228,7 @@
             </c:spPr>
             <c:extLst>
               <c:ext xmlns:c16="http://schemas.microsoft.com/office/drawing/2014/chart" uri="{C3380CC4-5D6E-409C-BE32-E72D297353CC}">
-                <c16:uniqueId val="{00000007-8DEA-4128-B70C-A70367F81D9C}"/>
+                <c16:uniqueId val="{00000007-D3D7-458D-A307-7C64955B33DC}"/>
               </c:ext>
             </c:extLst>
           </c:dPt>
@@ -6782,7 +6275,7 @@
           </c:val>
           <c:extLst>
             <c:ext xmlns:c16="http://schemas.microsoft.com/office/drawing/2014/chart" uri="{C3380CC4-5D6E-409C-BE32-E72D297353CC}">
-              <c16:uniqueId val="{00000000-88AF-406E-B8D4-E9011508C090}"/>
+              <c16:uniqueId val="{00000008-D3D7-458D-A307-7C64955B33DC}"/>
             </c:ext>
           </c:extLst>
         </c:ser>
@@ -6808,7 +6301,16 @@
     </c:plotArea>
     <c:legend>
       <c:legendPos val="b"/>
-      <c:layout/>
+      <c:layout>
+        <c:manualLayout>
+          <c:xMode val="edge"/>
+          <c:yMode val="edge"/>
+          <c:x val="0.73206943886194187"/>
+          <c:y val="0.15572006952346545"/>
+          <c:w val="0.13836588190587351"/>
+          <c:h val="0.60301495887902101"/>
+        </c:manualLayout>
+      </c:layout>
       <c:overlay val="0"/>
       <c:spPr>
         <a:noFill/>
@@ -7225,46 +6727,6 @@
 </cs:colorStyle>
 </file>
 
-<file path=ppt/charts/colors18.xml><?xml version="1.0" encoding="utf-8"?>
-<cs:colorStyle xmlns:cs="http://schemas.microsoft.com/office/drawing/2012/chartStyle" xmlns:a="http://schemas.openxmlformats.org/drawingml/2006/main" meth="cycle" id="10">
-  <a:schemeClr val="accent1"/>
-  <a:schemeClr val="accent2"/>
-  <a:schemeClr val="accent3"/>
-  <a:schemeClr val="accent4"/>
-  <a:schemeClr val="accent5"/>
-  <a:schemeClr val="accent6"/>
-  <cs:variation/>
-  <cs:variation>
-    <a:lumMod val="60000"/>
-  </cs:variation>
-  <cs:variation>
-    <a:lumMod val="80000"/>
-    <a:lumOff val="20000"/>
-  </cs:variation>
-  <cs:variation>
-    <a:lumMod val="80000"/>
-  </cs:variation>
-  <cs:variation>
-    <a:lumMod val="60000"/>
-    <a:lumOff val="40000"/>
-  </cs:variation>
-  <cs:variation>
-    <a:lumMod val="50000"/>
-  </cs:variation>
-  <cs:variation>
-    <a:lumMod val="70000"/>
-    <a:lumOff val="30000"/>
-  </cs:variation>
-  <cs:variation>
-    <a:lumMod val="70000"/>
-  </cs:variation>
-  <cs:variation>
-    <a:lumMod val="50000"/>
-    <a:lumOff val="50000"/>
-  </cs:variation>
-</cs:colorStyle>
-</file>
-
 <file path=ppt/charts/colors2.xml><?xml version="1.0" encoding="utf-8"?>
 <cs:colorStyle xmlns:cs="http://schemas.microsoft.com/office/drawing/2012/chartStyle" xmlns:a="http://schemas.openxmlformats.org/drawingml/2006/main" meth="cycle" id="10">
   <a:schemeClr val="accent1"/>
@@ -8102,7 +7564,7 @@
 </file>
 
 <file path=ppt/charts/style10.xml><?xml version="1.0" encoding="utf-8"?>
-<cs:chartStyle xmlns:cs="http://schemas.microsoft.com/office/drawing/2012/chartStyle" xmlns:a="http://schemas.openxmlformats.org/drawingml/2006/main" id="251">
+<cs:chartStyle xmlns:cs="http://schemas.microsoft.com/office/drawing/2012/chartStyle" xmlns:a="http://schemas.openxmlformats.org/drawingml/2006/main" id="227">
   <cs:axisTitle>
     <cs:lnRef idx="0"/>
     <cs:fillRef idx="0"/>
@@ -8159,7 +7621,7 @@
         <a:round/>
       </a:ln>
     </cs:spPr>
-    <cs:defRPr sz="1197" kern="1200"/>
+    <cs:defRPr sz="1330" kern="1200"/>
   </cs:chartArea>
   <cs:dataLabel>
     <cs:lnRef idx="0"/>
@@ -8211,11 +7673,9 @@
       <a:schemeClr val="tx1"/>
     </cs:fontRef>
     <cs:spPr>
-      <a:ln w="19050">
-        <a:solidFill>
-          <a:schemeClr val="lt1"/>
-        </a:solidFill>
-      </a:ln>
+      <a:solidFill>
+        <a:schemeClr val="phClr"/>
+      </a:solidFill>
     </cs:spPr>
   </cs:dataPoint>
   <cs:dataPoint3D>
@@ -8228,18 +7688,16 @@
       <a:schemeClr val="tx1"/>
     </cs:fontRef>
     <cs:spPr>
-      <a:ln w="25400">
-        <a:solidFill>
-          <a:schemeClr val="lt1"/>
-        </a:solidFill>
-      </a:ln>
+      <a:solidFill>
+        <a:schemeClr val="phClr"/>
+      </a:solidFill>
     </cs:spPr>
   </cs:dataPoint3D>
   <cs:dataPointLine>
     <cs:lnRef idx="0">
       <cs:styleClr val="auto"/>
     </cs:lnRef>
-    <cs:fillRef idx="0"/>
+    <cs:fillRef idx="1"/>
     <cs:effectRef idx="0"/>
     <cs:fontRef idx="minor">
       <a:schemeClr val="tx1"/>
@@ -8265,6 +7723,9 @@
       <a:schemeClr val="tx1"/>
     </cs:fontRef>
     <cs:spPr>
+      <a:solidFill>
+        <a:schemeClr val="phClr"/>
+      </a:solidFill>
       <a:ln w="9525">
         <a:solidFill>
           <a:schemeClr val="phClr"/>
@@ -8277,7 +7738,7 @@
     <cs:lnRef idx="0">
       <cs:styleClr val="auto"/>
     </cs:lnRef>
-    <cs:fillRef idx="0"/>
+    <cs:fillRef idx="1"/>
     <cs:effectRef idx="0"/>
     <cs:fontRef idx="minor">
       <a:schemeClr val="tx1"/>
@@ -8320,23 +7781,22 @@
     <cs:fillRef idx="0"/>
     <cs:effectRef idx="0"/>
     <cs:fontRef idx="minor">
-      <a:schemeClr val="tx1"/>
+      <a:schemeClr val="dk1"/>
     </cs:fontRef>
     <cs:spPr>
       <a:solidFill>
         <a:schemeClr val="dk1">
-          <a:lumMod val="75000"/>
-          <a:lumOff val="25000"/>
+          <a:lumMod val="65000"/>
+          <a:lumOff val="35000"/>
         </a:schemeClr>
       </a:solidFill>
-      <a:ln w="9525" cap="flat" cmpd="sng" algn="ctr">
+      <a:ln w="9525">
         <a:solidFill>
           <a:schemeClr val="tx1">
             <a:lumMod val="65000"/>
             <a:lumOff val="35000"/>
           </a:schemeClr>
         </a:solidFill>
-        <a:round/>
       </a:ln>
     </cs:spPr>
   </cs:downBar>
@@ -8441,8 +7901,8 @@
       <a:ln w="9525" cap="flat" cmpd="sng" algn="ctr">
         <a:solidFill>
           <a:schemeClr val="tx1">
-            <a:lumMod val="50000"/>
-            <a:lumOff val="50000"/>
+            <a:lumMod val="75000"/>
+            <a:lumOff val="25000"/>
           </a:schemeClr>
         </a:solidFill>
         <a:round/>
@@ -8574,20 +8034,19 @@
     <cs:fillRef idx="0"/>
     <cs:effectRef idx="0"/>
     <cs:fontRef idx="minor">
-      <a:schemeClr val="tx1"/>
+      <a:schemeClr val="dk1"/>
     </cs:fontRef>
     <cs:spPr>
       <a:solidFill>
         <a:schemeClr val="lt1"/>
       </a:solidFill>
-      <a:ln w="9525" cap="flat" cmpd="sng" algn="ctr">
+      <a:ln w="9525">
         <a:solidFill>
           <a:schemeClr val="tx1">
-            <a:lumMod val="65000"/>
-            <a:lumOff val="35000"/>
+            <a:lumMod val="15000"/>
+            <a:lumOff val="85000"/>
           </a:schemeClr>
         </a:solidFill>
-        <a:round/>
       </a:ln>
     </cs:spPr>
   </cs:upBar>
@@ -8621,7 +8080,7 @@
 </file>
 
 <file path=ppt/charts/style11.xml><?xml version="1.0" encoding="utf-8"?>
-<cs:chartStyle xmlns:cs="http://schemas.microsoft.com/office/drawing/2012/chartStyle" xmlns:a="http://schemas.openxmlformats.org/drawingml/2006/main" id="227">
+<cs:chartStyle xmlns:cs="http://schemas.microsoft.com/office/drawing/2012/chartStyle" xmlns:a="http://schemas.openxmlformats.org/drawingml/2006/main" id="216">
   <cs:axisTitle>
     <cs:lnRef idx="0"/>
     <cs:fillRef idx="0"/>
@@ -8729,11 +8188,6 @@
     <cs:fontRef idx="minor">
       <a:schemeClr val="tx1"/>
     </cs:fontRef>
-    <cs:spPr>
-      <a:solidFill>
-        <a:schemeClr val="phClr"/>
-      </a:solidFill>
-    </cs:spPr>
   </cs:dataPoint>
   <cs:dataPoint3D>
     <cs:lnRef idx="0"/>
@@ -8744,11 +8198,6 @@
     <cs:fontRef idx="minor">
       <a:schemeClr val="tx1"/>
     </cs:fontRef>
-    <cs:spPr>
-      <a:solidFill>
-        <a:schemeClr val="phClr"/>
-      </a:solidFill>
-    </cs:spPr>
   </cs:dataPoint3D>
   <cs:dataPointLine>
     <cs:lnRef idx="0">
@@ -8780,9 +8229,6 @@
       <a:schemeClr val="tx1"/>
     </cs:fontRef>
     <cs:spPr>
-      <a:solidFill>
-        <a:schemeClr val="phClr"/>
-      </a:solidFill>
       <a:ln w="9525">
         <a:solidFill>
           <a:schemeClr val="phClr"/>
@@ -8838,22 +8284,23 @@
     <cs:fillRef idx="0"/>
     <cs:effectRef idx="0"/>
     <cs:fontRef idx="minor">
-      <a:schemeClr val="dk1"/>
+      <a:schemeClr val="tx1"/>
     </cs:fontRef>
     <cs:spPr>
       <a:solidFill>
         <a:schemeClr val="dk1">
-          <a:lumMod val="65000"/>
-          <a:lumOff val="35000"/>
+          <a:lumMod val="75000"/>
+          <a:lumOff val="25000"/>
         </a:schemeClr>
       </a:solidFill>
-      <a:ln w="9525">
+      <a:ln w="9525" cap="flat" cmpd="sng" algn="ctr">
         <a:solidFill>
           <a:schemeClr val="tx1">
             <a:lumMod val="65000"/>
             <a:lumOff val="35000"/>
           </a:schemeClr>
         </a:solidFill>
+        <a:round/>
       </a:ln>
     </cs:spPr>
   </cs:downBar>
@@ -8958,8 +8405,8 @@
       <a:ln w="9525" cap="flat" cmpd="sng" algn="ctr">
         <a:solidFill>
           <a:schemeClr val="tx1">
-            <a:lumMod val="75000"/>
-            <a:lumOff val="25000"/>
+            <a:lumMod val="50000"/>
+            <a:lumOff val="50000"/>
           </a:schemeClr>
         </a:solidFill>
         <a:round/>
@@ -9091,19 +8538,20 @@
     <cs:fillRef idx="0"/>
     <cs:effectRef idx="0"/>
     <cs:fontRef idx="minor">
-      <a:schemeClr val="dk1"/>
+      <a:schemeClr val="tx1"/>
     </cs:fontRef>
     <cs:spPr>
       <a:solidFill>
         <a:schemeClr val="lt1"/>
       </a:solidFill>
-      <a:ln w="9525">
+      <a:ln w="9525" cap="flat" cmpd="sng" algn="ctr">
         <a:solidFill>
           <a:schemeClr val="tx1">
-            <a:lumMod val="15000"/>
-            <a:lumOff val="85000"/>
+            <a:lumMod val="65000"/>
+            <a:lumOff val="35000"/>
           </a:schemeClr>
         </a:solidFill>
+        <a:round/>
       </a:ln>
     </cs:spPr>
   </cs:upBar>
@@ -9137,7 +8585,7 @@
 </file>
 
 <file path=ppt/charts/style12.xml><?xml version="1.0" encoding="utf-8"?>
-<cs:chartStyle xmlns:cs="http://schemas.microsoft.com/office/drawing/2012/chartStyle" xmlns:a="http://schemas.openxmlformats.org/drawingml/2006/main" id="216">
+<cs:chartStyle xmlns:cs="http://schemas.microsoft.com/office/drawing/2012/chartStyle" xmlns:a="http://schemas.openxmlformats.org/drawingml/2006/main" id="251">
   <cs:axisTitle>
     <cs:lnRef idx="0"/>
     <cs:fillRef idx="0"/>
@@ -9194,7 +8642,7 @@
         <a:round/>
       </a:ln>
     </cs:spPr>
-    <cs:defRPr sz="1330" kern="1200"/>
+    <cs:defRPr sz="1197" kern="1200"/>
   </cs:chartArea>
   <cs:dataLabel>
     <cs:lnRef idx="0"/>
@@ -9245,6 +8693,13 @@
     <cs:fontRef idx="minor">
       <a:schemeClr val="tx1"/>
     </cs:fontRef>
+    <cs:spPr>
+      <a:ln w="19050">
+        <a:solidFill>
+          <a:schemeClr val="lt1"/>
+        </a:solidFill>
+      </a:ln>
+    </cs:spPr>
   </cs:dataPoint>
   <cs:dataPoint3D>
     <cs:lnRef idx="0"/>
@@ -9255,12 +8710,19 @@
     <cs:fontRef idx="minor">
       <a:schemeClr val="tx1"/>
     </cs:fontRef>
+    <cs:spPr>
+      <a:ln w="25400">
+        <a:solidFill>
+          <a:schemeClr val="lt1"/>
+        </a:solidFill>
+      </a:ln>
+    </cs:spPr>
   </cs:dataPoint3D>
   <cs:dataPointLine>
     <cs:lnRef idx="0">
       <cs:styleClr val="auto"/>
     </cs:lnRef>
-    <cs:fillRef idx="1"/>
+    <cs:fillRef idx="0"/>
     <cs:effectRef idx="0"/>
     <cs:fontRef idx="minor">
       <a:schemeClr val="tx1"/>
@@ -9298,7 +8760,7 @@
     <cs:lnRef idx="0">
       <cs:styleClr val="auto"/>
     </cs:lnRef>
-    <cs:fillRef idx="1"/>
+    <cs:fillRef idx="0"/>
     <cs:effectRef idx="0"/>
     <cs:fontRef idx="minor">
       <a:schemeClr val="tx1"/>
@@ -9642,7 +9104,7 @@
 </file>
 
 <file path=ppt/charts/style13.xml><?xml version="1.0" encoding="utf-8"?>
-<cs:chartStyle xmlns:cs="http://schemas.microsoft.com/office/drawing/2012/chartStyle" xmlns:a="http://schemas.openxmlformats.org/drawingml/2006/main" id="251">
+<cs:chartStyle xmlns:cs="http://schemas.microsoft.com/office/drawing/2012/chartStyle" xmlns:a="http://schemas.openxmlformats.org/drawingml/2006/main" id="201">
   <cs:axisTitle>
     <cs:lnRef idx="0"/>
     <cs:fillRef idx="0"/>
@@ -9699,7 +9161,7 @@
         <a:round/>
       </a:ln>
     </cs:spPr>
-    <cs:defRPr sz="1197" kern="1200"/>
+    <cs:defRPr sz="1330" kern="1200"/>
   </cs:chartArea>
   <cs:dataLabel>
     <cs:lnRef idx="0"/>
@@ -9750,13 +9212,6 @@
     <cs:fontRef idx="minor">
       <a:schemeClr val="tx1"/>
     </cs:fontRef>
-    <cs:spPr>
-      <a:ln w="19050">
-        <a:solidFill>
-          <a:schemeClr val="lt1"/>
-        </a:solidFill>
-      </a:ln>
-    </cs:spPr>
   </cs:dataPoint>
   <cs:dataPoint3D>
     <cs:lnRef idx="0"/>
@@ -9767,19 +9222,12 @@
     <cs:fontRef idx="minor">
       <a:schemeClr val="tx1"/>
     </cs:fontRef>
-    <cs:spPr>
-      <a:ln w="25400">
-        <a:solidFill>
-          <a:schemeClr val="lt1"/>
-        </a:solidFill>
-      </a:ln>
-    </cs:spPr>
   </cs:dataPoint3D>
   <cs:dataPointLine>
     <cs:lnRef idx="0">
       <cs:styleClr val="auto"/>
     </cs:lnRef>
-    <cs:fillRef idx="0"/>
+    <cs:fillRef idx="1"/>
     <cs:effectRef idx="0"/>
     <cs:fontRef idx="minor">
       <a:schemeClr val="tx1"/>
@@ -9817,7 +9265,7 @@
     <cs:lnRef idx="0">
       <cs:styleClr val="auto"/>
     </cs:lnRef>
-    <cs:fillRef idx="0"/>
+    <cs:fillRef idx="1"/>
     <cs:effectRef idx="0"/>
     <cs:fontRef idx="minor">
       <a:schemeClr val="tx1"/>
@@ -9860,23 +9308,22 @@
     <cs:fillRef idx="0"/>
     <cs:effectRef idx="0"/>
     <cs:fontRef idx="minor">
-      <a:schemeClr val="tx1"/>
+      <a:schemeClr val="dk1"/>
     </cs:fontRef>
     <cs:spPr>
       <a:solidFill>
         <a:schemeClr val="dk1">
-          <a:lumMod val="75000"/>
-          <a:lumOff val="25000"/>
+          <a:lumMod val="65000"/>
+          <a:lumOff val="35000"/>
         </a:schemeClr>
       </a:solidFill>
-      <a:ln w="9525" cap="flat" cmpd="sng" algn="ctr">
+      <a:ln w="9525">
         <a:solidFill>
           <a:schemeClr val="tx1">
             <a:lumMod val="65000"/>
             <a:lumOff val="35000"/>
           </a:schemeClr>
         </a:solidFill>
-        <a:round/>
       </a:ln>
     </cs:spPr>
   </cs:downBar>
@@ -9981,8 +9428,8 @@
       <a:ln w="9525" cap="flat" cmpd="sng" algn="ctr">
         <a:solidFill>
           <a:schemeClr val="tx1">
-            <a:lumMod val="50000"/>
-            <a:lumOff val="50000"/>
+            <a:lumMod val="75000"/>
+            <a:lumOff val="25000"/>
           </a:schemeClr>
         </a:solidFill>
         <a:round/>
@@ -10114,20 +9561,19 @@
     <cs:fillRef idx="0"/>
     <cs:effectRef idx="0"/>
     <cs:fontRef idx="minor">
-      <a:schemeClr val="tx1"/>
+      <a:schemeClr val="dk1"/>
     </cs:fontRef>
     <cs:spPr>
       <a:solidFill>
         <a:schemeClr val="lt1"/>
       </a:solidFill>
-      <a:ln w="9525" cap="flat" cmpd="sng" algn="ctr">
+      <a:ln w="9525">
         <a:solidFill>
           <a:schemeClr val="tx1">
-            <a:lumMod val="65000"/>
-            <a:lumOff val="35000"/>
+            <a:lumMod val="15000"/>
+            <a:lumOff val="85000"/>
           </a:schemeClr>
         </a:solidFill>
-        <a:round/>
       </a:ln>
     </cs:spPr>
   </cs:upBar>
@@ -10161,7 +9607,7 @@
 </file>
 
 <file path=ppt/charts/style14.xml><?xml version="1.0" encoding="utf-8"?>
-<cs:chartStyle xmlns:cs="http://schemas.microsoft.com/office/drawing/2012/chartStyle" xmlns:a="http://schemas.openxmlformats.org/drawingml/2006/main" id="201">
+<cs:chartStyle xmlns:cs="http://schemas.microsoft.com/office/drawing/2012/chartStyle" xmlns:a="http://schemas.openxmlformats.org/drawingml/2006/main" id="227">
   <cs:axisTitle>
     <cs:lnRef idx="0"/>
     <cs:fillRef idx="0"/>
@@ -10269,6 +9715,11 @@
     <cs:fontRef idx="minor">
       <a:schemeClr val="tx1"/>
     </cs:fontRef>
+    <cs:spPr>
+      <a:solidFill>
+        <a:schemeClr val="phClr"/>
+      </a:solidFill>
+    </cs:spPr>
   </cs:dataPoint>
   <cs:dataPoint3D>
     <cs:lnRef idx="0"/>
@@ -10279,6 +9730,11 @@
     <cs:fontRef idx="minor">
       <a:schemeClr val="tx1"/>
     </cs:fontRef>
+    <cs:spPr>
+      <a:solidFill>
+        <a:schemeClr val="phClr"/>
+      </a:solidFill>
+    </cs:spPr>
   </cs:dataPoint3D>
   <cs:dataPointLine>
     <cs:lnRef idx="0">
@@ -10310,6 +9766,9 @@
       <a:schemeClr val="tx1"/>
     </cs:fontRef>
     <cs:spPr>
+      <a:solidFill>
+        <a:schemeClr val="phClr"/>
+      </a:solidFill>
       <a:ln w="9525">
         <a:solidFill>
           <a:schemeClr val="phClr"/>
@@ -10664,7 +10123,7 @@
 </file>
 
 <file path=ppt/charts/style15.xml><?xml version="1.0" encoding="utf-8"?>
-<cs:chartStyle xmlns:cs="http://schemas.microsoft.com/office/drawing/2012/chartStyle" xmlns:a="http://schemas.openxmlformats.org/drawingml/2006/main" id="227">
+<cs:chartStyle xmlns:cs="http://schemas.microsoft.com/office/drawing/2012/chartStyle" xmlns:a="http://schemas.openxmlformats.org/drawingml/2006/main" id="216">
   <cs:axisTitle>
     <cs:lnRef idx="0"/>
     <cs:fillRef idx="0"/>
@@ -10772,11 +10231,6 @@
     <cs:fontRef idx="minor">
       <a:schemeClr val="tx1"/>
     </cs:fontRef>
-    <cs:spPr>
-      <a:solidFill>
-        <a:schemeClr val="phClr"/>
-      </a:solidFill>
-    </cs:spPr>
   </cs:dataPoint>
   <cs:dataPoint3D>
     <cs:lnRef idx="0"/>
@@ -10787,11 +10241,6 @@
     <cs:fontRef idx="minor">
       <a:schemeClr val="tx1"/>
     </cs:fontRef>
-    <cs:spPr>
-      <a:solidFill>
-        <a:schemeClr val="phClr"/>
-      </a:solidFill>
-    </cs:spPr>
   </cs:dataPoint3D>
   <cs:dataPointLine>
     <cs:lnRef idx="0">
@@ -10823,9 +10272,6 @@
       <a:schemeClr val="tx1"/>
     </cs:fontRef>
     <cs:spPr>
-      <a:solidFill>
-        <a:schemeClr val="phClr"/>
-      </a:solidFill>
       <a:ln w="9525">
         <a:solidFill>
           <a:schemeClr val="phClr"/>
@@ -10881,22 +10327,23 @@
     <cs:fillRef idx="0"/>
     <cs:effectRef idx="0"/>
     <cs:fontRef idx="minor">
-      <a:schemeClr val="dk1"/>
+      <a:schemeClr val="tx1"/>
     </cs:fontRef>
     <cs:spPr>
       <a:solidFill>
         <a:schemeClr val="dk1">
-          <a:lumMod val="65000"/>
-          <a:lumOff val="35000"/>
+          <a:lumMod val="75000"/>
+          <a:lumOff val="25000"/>
         </a:schemeClr>
       </a:solidFill>
-      <a:ln w="9525">
+      <a:ln w="9525" cap="flat" cmpd="sng" algn="ctr">
         <a:solidFill>
           <a:schemeClr val="tx1">
             <a:lumMod val="65000"/>
             <a:lumOff val="35000"/>
           </a:schemeClr>
         </a:solidFill>
+        <a:round/>
       </a:ln>
     </cs:spPr>
   </cs:downBar>
@@ -11001,8 +10448,8 @@
       <a:ln w="9525" cap="flat" cmpd="sng" algn="ctr">
         <a:solidFill>
           <a:schemeClr val="tx1">
-            <a:lumMod val="75000"/>
-            <a:lumOff val="25000"/>
+            <a:lumMod val="50000"/>
+            <a:lumOff val="50000"/>
           </a:schemeClr>
         </a:solidFill>
         <a:round/>
@@ -11134,19 +10581,20 @@
     <cs:fillRef idx="0"/>
     <cs:effectRef idx="0"/>
     <cs:fontRef idx="minor">
-      <a:schemeClr val="dk1"/>
+      <a:schemeClr val="tx1"/>
     </cs:fontRef>
     <cs:spPr>
       <a:solidFill>
         <a:schemeClr val="lt1"/>
       </a:solidFill>
-      <a:ln w="9525">
+      <a:ln w="9525" cap="flat" cmpd="sng" algn="ctr">
         <a:solidFill>
           <a:schemeClr val="tx1">
-            <a:lumMod val="15000"/>
-            <a:lumOff val="85000"/>
+            <a:lumMod val="65000"/>
+            <a:lumOff val="35000"/>
           </a:schemeClr>
         </a:solidFill>
+        <a:round/>
       </a:ln>
     </cs:spPr>
   </cs:upBar>
@@ -11180,7 +10628,7 @@
 </file>
 
 <file path=ppt/charts/style16.xml><?xml version="1.0" encoding="utf-8"?>
-<cs:chartStyle xmlns:cs="http://schemas.microsoft.com/office/drawing/2012/chartStyle" xmlns:a="http://schemas.openxmlformats.org/drawingml/2006/main" id="216">
+<cs:chartStyle xmlns:cs="http://schemas.microsoft.com/office/drawing/2012/chartStyle" xmlns:a="http://schemas.openxmlformats.org/drawingml/2006/main" id="251">
   <cs:axisTitle>
     <cs:lnRef idx="0"/>
     <cs:fillRef idx="0"/>
@@ -11237,7 +10685,7 @@
         <a:round/>
       </a:ln>
     </cs:spPr>
-    <cs:defRPr sz="1330" kern="1200"/>
+    <cs:defRPr sz="1197" kern="1200"/>
   </cs:chartArea>
   <cs:dataLabel>
     <cs:lnRef idx="0"/>
@@ -11288,6 +10736,13 @@
     <cs:fontRef idx="minor">
       <a:schemeClr val="tx1"/>
     </cs:fontRef>
+    <cs:spPr>
+      <a:ln w="19050">
+        <a:solidFill>
+          <a:schemeClr val="lt1"/>
+        </a:solidFill>
+      </a:ln>
+    </cs:spPr>
   </cs:dataPoint>
   <cs:dataPoint3D>
     <cs:lnRef idx="0"/>
@@ -11298,12 +10753,19 @@
     <cs:fontRef idx="minor">
       <a:schemeClr val="tx1"/>
     </cs:fontRef>
+    <cs:spPr>
+      <a:ln w="25400">
+        <a:solidFill>
+          <a:schemeClr val="lt1"/>
+        </a:solidFill>
+      </a:ln>
+    </cs:spPr>
   </cs:dataPoint3D>
   <cs:dataPointLine>
     <cs:lnRef idx="0">
       <cs:styleClr val="auto"/>
     </cs:lnRef>
-    <cs:fillRef idx="1"/>
+    <cs:fillRef idx="0"/>
     <cs:effectRef idx="0"/>
     <cs:fontRef idx="minor">
       <a:schemeClr val="tx1"/>
@@ -11341,7 +10803,7 @@
     <cs:lnRef idx="0">
       <cs:styleClr val="auto"/>
     </cs:lnRef>
-    <cs:fillRef idx="1"/>
+    <cs:fillRef idx="0"/>
     <cs:effectRef idx="0"/>
     <cs:fontRef idx="minor">
       <a:schemeClr val="tx1"/>
@@ -11685,7 +11147,7 @@
 </file>
 
 <file path=ppt/charts/style17.xml><?xml version="1.0" encoding="utf-8"?>
-<cs:chartStyle xmlns:cs="http://schemas.microsoft.com/office/drawing/2012/chartStyle" xmlns:a="http://schemas.openxmlformats.org/drawingml/2006/main" id="251">
+<cs:chartStyle xmlns:cs="http://schemas.microsoft.com/office/drawing/2012/chartStyle" xmlns:a="http://schemas.openxmlformats.org/drawingml/2006/main" id="201">
   <cs:axisTitle>
     <cs:lnRef idx="0"/>
     <cs:fillRef idx="0"/>
@@ -11742,7 +11204,7 @@
         <a:round/>
       </a:ln>
     </cs:spPr>
-    <cs:defRPr sz="1197" kern="1200"/>
+    <cs:defRPr sz="1330" kern="1200"/>
   </cs:chartArea>
   <cs:dataLabel>
     <cs:lnRef idx="0"/>
@@ -11793,13 +11255,6 @@
     <cs:fontRef idx="minor">
       <a:schemeClr val="tx1"/>
     </cs:fontRef>
-    <cs:spPr>
-      <a:ln w="19050">
-        <a:solidFill>
-          <a:schemeClr val="lt1"/>
-        </a:solidFill>
-      </a:ln>
-    </cs:spPr>
   </cs:dataPoint>
   <cs:dataPoint3D>
     <cs:lnRef idx="0"/>
@@ -11810,19 +11265,12 @@
     <cs:fontRef idx="minor">
       <a:schemeClr val="tx1"/>
     </cs:fontRef>
-    <cs:spPr>
-      <a:ln w="25400">
-        <a:solidFill>
-          <a:schemeClr val="lt1"/>
-        </a:solidFill>
-      </a:ln>
-    </cs:spPr>
   </cs:dataPoint3D>
   <cs:dataPointLine>
     <cs:lnRef idx="0">
       <cs:styleClr val="auto"/>
     </cs:lnRef>
-    <cs:fillRef idx="0"/>
+    <cs:fillRef idx="1"/>
     <cs:effectRef idx="0"/>
     <cs:fontRef idx="minor">
       <a:schemeClr val="tx1"/>
@@ -11860,7 +11308,7 @@
     <cs:lnRef idx="0">
       <cs:styleClr val="auto"/>
     </cs:lnRef>
-    <cs:fillRef idx="0"/>
+    <cs:fillRef idx="1"/>
     <cs:effectRef idx="0"/>
     <cs:fontRef idx="minor">
       <a:schemeClr val="tx1"/>
@@ -11903,23 +11351,22 @@
     <cs:fillRef idx="0"/>
     <cs:effectRef idx="0"/>
     <cs:fontRef idx="minor">
-      <a:schemeClr val="tx1"/>
+      <a:schemeClr val="dk1"/>
     </cs:fontRef>
     <cs:spPr>
       <a:solidFill>
         <a:schemeClr val="dk1">
-          <a:lumMod val="75000"/>
-          <a:lumOff val="25000"/>
+          <a:lumMod val="65000"/>
+          <a:lumOff val="35000"/>
         </a:schemeClr>
       </a:solidFill>
-      <a:ln w="9525" cap="flat" cmpd="sng" algn="ctr">
+      <a:ln w="9525">
         <a:solidFill>
           <a:schemeClr val="tx1">
             <a:lumMod val="65000"/>
             <a:lumOff val="35000"/>
           </a:schemeClr>
         </a:solidFill>
-        <a:round/>
       </a:ln>
     </cs:spPr>
   </cs:downBar>
@@ -12024,8 +11471,8 @@
       <a:ln w="9525" cap="flat" cmpd="sng" algn="ctr">
         <a:solidFill>
           <a:schemeClr val="tx1">
-            <a:lumMod val="50000"/>
-            <a:lumOff val="50000"/>
+            <a:lumMod val="75000"/>
+            <a:lumOff val="25000"/>
           </a:schemeClr>
         </a:solidFill>
         <a:round/>
@@ -12157,20 +11604,19 @@
     <cs:fillRef idx="0"/>
     <cs:effectRef idx="0"/>
     <cs:fontRef idx="minor">
-      <a:schemeClr val="tx1"/>
+      <a:schemeClr val="dk1"/>
     </cs:fontRef>
     <cs:spPr>
       <a:solidFill>
         <a:schemeClr val="lt1"/>
       </a:solidFill>
-      <a:ln w="9525" cap="flat" cmpd="sng" algn="ctr">
+      <a:ln w="9525">
         <a:solidFill>
           <a:schemeClr val="tx1">
-            <a:lumMod val="65000"/>
-            <a:lumOff val="35000"/>
+            <a:lumMod val="15000"/>
+            <a:lumOff val="85000"/>
           </a:schemeClr>
         </a:solidFill>
-        <a:round/>
       </a:ln>
     </cs:spPr>
   </cs:upBar>
@@ -12203,8 +11649,8 @@
 </cs:chartStyle>
 </file>
 
-<file path=ppt/charts/style18.xml><?xml version="1.0" encoding="utf-8"?>
-<cs:chartStyle xmlns:cs="http://schemas.microsoft.com/office/drawing/2012/chartStyle" xmlns:a="http://schemas.openxmlformats.org/drawingml/2006/main" id="201">
+<file path=ppt/charts/style2.xml><?xml version="1.0" encoding="utf-8"?>
+<cs:chartStyle xmlns:cs="http://schemas.microsoft.com/office/drawing/2012/chartStyle" xmlns:a="http://schemas.openxmlformats.org/drawingml/2006/main" id="251">
   <cs:axisTitle>
     <cs:lnRef idx="0"/>
     <cs:fillRef idx="0"/>
@@ -12261,7 +11707,7 @@
         <a:round/>
       </a:ln>
     </cs:spPr>
-    <cs:defRPr sz="1330" kern="1200"/>
+    <cs:defRPr sz="1197" kern="1200"/>
   </cs:chartArea>
   <cs:dataLabel>
     <cs:lnRef idx="0"/>
@@ -12312,6 +11758,13 @@
     <cs:fontRef idx="minor">
       <a:schemeClr val="tx1"/>
     </cs:fontRef>
+    <cs:spPr>
+      <a:ln w="19050">
+        <a:solidFill>
+          <a:schemeClr val="lt1"/>
+        </a:solidFill>
+      </a:ln>
+    </cs:spPr>
   </cs:dataPoint>
   <cs:dataPoint3D>
     <cs:lnRef idx="0"/>
@@ -12322,12 +11775,19 @@
     <cs:fontRef idx="minor">
       <a:schemeClr val="tx1"/>
     </cs:fontRef>
+    <cs:spPr>
+      <a:ln w="25400">
+        <a:solidFill>
+          <a:schemeClr val="lt1"/>
+        </a:solidFill>
+      </a:ln>
+    </cs:spPr>
   </cs:dataPoint3D>
   <cs:dataPointLine>
     <cs:lnRef idx="0">
       <cs:styleClr val="auto"/>
     </cs:lnRef>
-    <cs:fillRef idx="1"/>
+    <cs:fillRef idx="0"/>
     <cs:effectRef idx="0"/>
     <cs:fontRef idx="minor">
       <a:schemeClr val="tx1"/>
@@ -12365,7 +11825,7 @@
     <cs:lnRef idx="0">
       <cs:styleClr val="auto"/>
     </cs:lnRef>
-    <cs:fillRef idx="1"/>
+    <cs:fillRef idx="0"/>
     <cs:effectRef idx="0"/>
     <cs:fontRef idx="minor">
       <a:schemeClr val="tx1"/>
@@ -12408,22 +11868,23 @@
     <cs:fillRef idx="0"/>
     <cs:effectRef idx="0"/>
     <cs:fontRef idx="minor">
-      <a:schemeClr val="dk1"/>
+      <a:schemeClr val="tx1"/>
     </cs:fontRef>
     <cs:spPr>
       <a:solidFill>
         <a:schemeClr val="dk1">
-          <a:lumMod val="65000"/>
-          <a:lumOff val="35000"/>
+          <a:lumMod val="75000"/>
+          <a:lumOff val="25000"/>
         </a:schemeClr>
       </a:solidFill>
-      <a:ln w="9525">
+      <a:ln w="9525" cap="flat" cmpd="sng" algn="ctr">
         <a:solidFill>
           <a:schemeClr val="tx1">
             <a:lumMod val="65000"/>
             <a:lumOff val="35000"/>
           </a:schemeClr>
         </a:solidFill>
+        <a:round/>
       </a:ln>
     </cs:spPr>
   </cs:downBar>
@@ -12528,8 +11989,8 @@
       <a:ln w="9525" cap="flat" cmpd="sng" algn="ctr">
         <a:solidFill>
           <a:schemeClr val="tx1">
-            <a:lumMod val="75000"/>
-            <a:lumOff val="25000"/>
+            <a:lumMod val="50000"/>
+            <a:lumOff val="50000"/>
           </a:schemeClr>
         </a:solidFill>
         <a:round/>
@@ -12661,76 +12122,100 @@
     <cs:fillRef idx="0"/>
     <cs:effectRef idx="0"/>
     <cs:fontRef idx="minor">
-      <a:schemeClr val="dk1"/>
+      <a:schemeClr val="tx1"/>
     </cs:fontRef>
     <cs:spPr>
       <a:solidFill>
         <a:schemeClr val="lt1"/>
       </a:solidFill>
-      <a:ln w="9525">
+      <a:ln w="9525" cap="flat" cmpd="sng" algn="ctr">
+        <a:solidFill>
+          <a:schemeClr val="tx1">
+            <a:lumMod val="65000"/>
+            <a:lumOff val="35000"/>
+          </a:schemeClr>
+        </a:solidFill>
+        <a:round/>
+      </a:ln>
+    </cs:spPr>
+  </cs:upBar>
+  <cs:valueAxis>
+    <cs:lnRef idx="0"/>
+    <cs:fillRef idx="0"/>
+    <cs:effectRef idx="0"/>
+    <cs:fontRef idx="minor">
+      <a:schemeClr val="tx1">
+        <a:lumMod val="65000"/>
+        <a:lumOff val="35000"/>
+      </a:schemeClr>
+    </cs:fontRef>
+    <cs:defRPr sz="1197" kern="1200"/>
+  </cs:valueAxis>
+  <cs:wall>
+    <cs:lnRef idx="0"/>
+    <cs:fillRef idx="0"/>
+    <cs:effectRef idx="0"/>
+    <cs:fontRef idx="minor">
+      <a:schemeClr val="tx1"/>
+    </cs:fontRef>
+    <cs:spPr>
+      <a:noFill/>
+      <a:ln>
+        <a:noFill/>
+      </a:ln>
+    </cs:spPr>
+  </cs:wall>
+</cs:chartStyle>
+</file>
+
+<file path=ppt/charts/style3.xml><?xml version="1.0" encoding="utf-8"?>
+<cs:chartStyle xmlns:cs="http://schemas.microsoft.com/office/drawing/2012/chartStyle" xmlns:a="http://schemas.openxmlformats.org/drawingml/2006/main" id="216">
+  <cs:axisTitle>
+    <cs:lnRef idx="0"/>
+    <cs:fillRef idx="0"/>
+    <cs:effectRef idx="0"/>
+    <cs:fontRef idx="minor">
+      <a:schemeClr val="tx1">
+        <a:lumMod val="65000"/>
+        <a:lumOff val="35000"/>
+      </a:schemeClr>
+    </cs:fontRef>
+    <cs:defRPr sz="1330" kern="1200"/>
+  </cs:axisTitle>
+  <cs:categoryAxis>
+    <cs:lnRef idx="0"/>
+    <cs:fillRef idx="0"/>
+    <cs:effectRef idx="0"/>
+    <cs:fontRef idx="minor">
+      <a:schemeClr val="tx1">
+        <a:lumMod val="65000"/>
+        <a:lumOff val="35000"/>
+      </a:schemeClr>
+    </cs:fontRef>
+    <cs:spPr>
+      <a:ln w="9525" cap="flat" cmpd="sng" algn="ctr">
         <a:solidFill>
           <a:schemeClr val="tx1">
             <a:lumMod val="15000"/>
             <a:lumOff val="85000"/>
           </a:schemeClr>
         </a:solidFill>
-      </a:ln>
-    </cs:spPr>
-  </cs:upBar>
-  <cs:valueAxis>
-    <cs:lnRef idx="0"/>
-    <cs:fillRef idx="0"/>
-    <cs:effectRef idx="0"/>
-    <cs:fontRef idx="minor">
-      <a:schemeClr val="tx1">
-        <a:lumMod val="65000"/>
-        <a:lumOff val="35000"/>
-      </a:schemeClr>
-    </cs:fontRef>
+        <a:round/>
+      </a:ln>
+    </cs:spPr>
     <cs:defRPr sz="1197" kern="1200"/>
-  </cs:valueAxis>
-  <cs:wall>
-    <cs:lnRef idx="0"/>
-    <cs:fillRef idx="0"/>
-    <cs:effectRef idx="0"/>
-    <cs:fontRef idx="minor">
-      <a:schemeClr val="tx1"/>
-    </cs:fontRef>
-    <cs:spPr>
-      <a:noFill/>
-      <a:ln>
-        <a:noFill/>
-      </a:ln>
-    </cs:spPr>
-  </cs:wall>
-</cs:chartStyle>
-</file>
-
-<file path=ppt/charts/style2.xml><?xml version="1.0" encoding="utf-8"?>
-<cs:chartStyle xmlns:cs="http://schemas.microsoft.com/office/drawing/2012/chartStyle" xmlns:a="http://schemas.openxmlformats.org/drawingml/2006/main" id="251">
-  <cs:axisTitle>
-    <cs:lnRef idx="0"/>
-    <cs:fillRef idx="0"/>
-    <cs:effectRef idx="0"/>
-    <cs:fontRef idx="minor">
-      <a:schemeClr val="tx1">
-        <a:lumMod val="65000"/>
-        <a:lumOff val="35000"/>
-      </a:schemeClr>
-    </cs:fontRef>
-    <cs:defRPr sz="1330" kern="1200"/>
-  </cs:axisTitle>
-  <cs:categoryAxis>
-    <cs:lnRef idx="0"/>
-    <cs:fillRef idx="0"/>
-    <cs:effectRef idx="0"/>
-    <cs:fontRef idx="minor">
-      <a:schemeClr val="tx1">
-        <a:lumMod val="65000"/>
-        <a:lumOff val="35000"/>
-      </a:schemeClr>
-    </cs:fontRef>
-    <cs:spPr>
+  </cs:categoryAxis>
+  <cs:chartArea mods="allowNoFillOverride allowNoLineOverride">
+    <cs:lnRef idx="0"/>
+    <cs:fillRef idx="0"/>
+    <cs:effectRef idx="0"/>
+    <cs:fontRef idx="minor">
+      <a:schemeClr val="tx1"/>
+    </cs:fontRef>
+    <cs:spPr>
+      <a:solidFill>
+        <a:schemeClr val="bg1"/>
+      </a:solidFill>
       <a:ln w="9525" cap="flat" cmpd="sng" algn="ctr">
         <a:solidFill>
           <a:schemeClr val="tx1">
@@ -12741,30 +12226,7 @@
         <a:round/>
       </a:ln>
     </cs:spPr>
-    <cs:defRPr sz="1197" kern="1200"/>
-  </cs:categoryAxis>
-  <cs:chartArea mods="allowNoFillOverride allowNoLineOverride">
-    <cs:lnRef idx="0"/>
-    <cs:fillRef idx="0"/>
-    <cs:effectRef idx="0"/>
-    <cs:fontRef idx="minor">
-      <a:schemeClr val="tx1"/>
-    </cs:fontRef>
-    <cs:spPr>
-      <a:solidFill>
-        <a:schemeClr val="bg1"/>
-      </a:solidFill>
-      <a:ln w="9525" cap="flat" cmpd="sng" algn="ctr">
-        <a:solidFill>
-          <a:schemeClr val="tx1">
-            <a:lumMod val="15000"/>
-            <a:lumOff val="85000"/>
-          </a:schemeClr>
-        </a:solidFill>
-        <a:round/>
-      </a:ln>
-    </cs:spPr>
-    <cs:defRPr sz="1197" kern="1200"/>
+    <cs:defRPr sz="1330" kern="1200"/>
   </cs:chartArea>
   <cs:dataLabel>
     <cs:lnRef idx="0"/>
@@ -12815,13 +12277,6 @@
     <cs:fontRef idx="minor">
       <a:schemeClr val="tx1"/>
     </cs:fontRef>
-    <cs:spPr>
-      <a:ln w="19050">
-        <a:solidFill>
-          <a:schemeClr val="lt1"/>
-        </a:solidFill>
-      </a:ln>
-    </cs:spPr>
   </cs:dataPoint>
   <cs:dataPoint3D>
     <cs:lnRef idx="0"/>
@@ -12832,19 +12287,12 @@
     <cs:fontRef idx="minor">
       <a:schemeClr val="tx1"/>
     </cs:fontRef>
-    <cs:spPr>
-      <a:ln w="25400">
-        <a:solidFill>
-          <a:schemeClr val="lt1"/>
-        </a:solidFill>
-      </a:ln>
-    </cs:spPr>
   </cs:dataPoint3D>
   <cs:dataPointLine>
     <cs:lnRef idx="0">
       <cs:styleClr val="auto"/>
     </cs:lnRef>
-    <cs:fillRef idx="0"/>
+    <cs:fillRef idx="1"/>
     <cs:effectRef idx="0"/>
     <cs:fontRef idx="minor">
       <a:schemeClr val="tx1"/>
@@ -12882,7 +12330,7 @@
     <cs:lnRef idx="0">
       <cs:styleClr val="auto"/>
     </cs:lnRef>
-    <cs:fillRef idx="0"/>
+    <cs:fillRef idx="1"/>
     <cs:effectRef idx="0"/>
     <cs:fontRef idx="minor">
       <a:schemeClr val="tx1"/>
@@ -13225,8 +12673,8 @@
 </cs:chartStyle>
 </file>
 
-<file path=ppt/charts/style3.xml><?xml version="1.0" encoding="utf-8"?>
-<cs:chartStyle xmlns:cs="http://schemas.microsoft.com/office/drawing/2012/chartStyle" xmlns:a="http://schemas.openxmlformats.org/drawingml/2006/main" id="216">
+<file path=ppt/charts/style4.xml><?xml version="1.0" encoding="utf-8"?>
+<cs:chartStyle xmlns:cs="http://schemas.microsoft.com/office/drawing/2012/chartStyle" xmlns:a="http://schemas.openxmlformats.org/drawingml/2006/main" id="251">
   <cs:axisTitle>
     <cs:lnRef idx="0"/>
     <cs:fillRef idx="0"/>
@@ -13283,7 +12731,7 @@
         <a:round/>
       </a:ln>
     </cs:spPr>
-    <cs:defRPr sz="1330" kern="1200"/>
+    <cs:defRPr sz="1197" kern="1200"/>
   </cs:chartArea>
   <cs:dataLabel>
     <cs:lnRef idx="0"/>
@@ -13334,6 +12782,13 @@
     <cs:fontRef idx="minor">
       <a:schemeClr val="tx1"/>
     </cs:fontRef>
+    <cs:spPr>
+      <a:ln w="19050">
+        <a:solidFill>
+          <a:schemeClr val="lt1"/>
+        </a:solidFill>
+      </a:ln>
+    </cs:spPr>
   </cs:dataPoint>
   <cs:dataPoint3D>
     <cs:lnRef idx="0"/>
@@ -13344,12 +12799,19 @@
     <cs:fontRef idx="minor">
       <a:schemeClr val="tx1"/>
     </cs:fontRef>
+    <cs:spPr>
+      <a:ln w="25400">
+        <a:solidFill>
+          <a:schemeClr val="lt1"/>
+        </a:solidFill>
+      </a:ln>
+    </cs:spPr>
   </cs:dataPoint3D>
   <cs:dataPointLine>
     <cs:lnRef idx="0">
       <cs:styleClr val="auto"/>
     </cs:lnRef>
-    <cs:fillRef idx="1"/>
+    <cs:fillRef idx="0"/>
     <cs:effectRef idx="0"/>
     <cs:fontRef idx="minor">
       <a:schemeClr val="tx1"/>
@@ -13387,7 +12849,7 @@
     <cs:lnRef idx="0">
       <cs:styleClr val="auto"/>
     </cs:lnRef>
-    <cs:fillRef idx="1"/>
+    <cs:fillRef idx="0"/>
     <cs:effectRef idx="0"/>
     <cs:fontRef idx="minor">
       <a:schemeClr val="tx1"/>
@@ -13730,7 +13192,7 @@
 </cs:chartStyle>
 </file>
 
-<file path=ppt/charts/style4.xml><?xml version="1.0" encoding="utf-8"?>
+<file path=ppt/charts/style5.xml><?xml version="1.0" encoding="utf-8"?>
 <cs:chartStyle xmlns:cs="http://schemas.microsoft.com/office/drawing/2012/chartStyle" xmlns:a="http://schemas.openxmlformats.org/drawingml/2006/main" id="251">
   <cs:axisTitle>
     <cs:lnRef idx="0"/>
@@ -14249,8 +13711,8 @@
 </cs:chartStyle>
 </file>
 
-<file path=ppt/charts/style5.xml><?xml version="1.0" encoding="utf-8"?>
-<cs:chartStyle xmlns:cs="http://schemas.microsoft.com/office/drawing/2012/chartStyle" xmlns:a="http://schemas.openxmlformats.org/drawingml/2006/main" id="251">
+<file path=ppt/charts/style6.xml><?xml version="1.0" encoding="utf-8"?>
+<cs:chartStyle xmlns:cs="http://schemas.microsoft.com/office/drawing/2012/chartStyle" xmlns:a="http://schemas.openxmlformats.org/drawingml/2006/main" id="227">
   <cs:axisTitle>
     <cs:lnRef idx="0"/>
     <cs:fillRef idx="0"/>
@@ -14307,7 +13769,7 @@
         <a:round/>
       </a:ln>
     </cs:spPr>
-    <cs:defRPr sz="1197" kern="1200"/>
+    <cs:defRPr sz="1330" kern="1200"/>
   </cs:chartArea>
   <cs:dataLabel>
     <cs:lnRef idx="0"/>
@@ -14359,11 +13821,9 @@
       <a:schemeClr val="tx1"/>
     </cs:fontRef>
     <cs:spPr>
-      <a:ln w="19050">
-        <a:solidFill>
-          <a:schemeClr val="lt1"/>
-        </a:solidFill>
-      </a:ln>
+      <a:solidFill>
+        <a:schemeClr val="phClr"/>
+      </a:solidFill>
     </cs:spPr>
   </cs:dataPoint>
   <cs:dataPoint3D>
@@ -14376,18 +13836,16 @@
       <a:schemeClr val="tx1"/>
     </cs:fontRef>
     <cs:spPr>
-      <a:ln w="25400">
-        <a:solidFill>
-          <a:schemeClr val="lt1"/>
-        </a:solidFill>
-      </a:ln>
+      <a:solidFill>
+        <a:schemeClr val="phClr"/>
+      </a:solidFill>
     </cs:spPr>
   </cs:dataPoint3D>
   <cs:dataPointLine>
     <cs:lnRef idx="0">
       <cs:styleClr val="auto"/>
     </cs:lnRef>
-    <cs:fillRef idx="0"/>
+    <cs:fillRef idx="1"/>
     <cs:effectRef idx="0"/>
     <cs:fontRef idx="minor">
       <a:schemeClr val="tx1"/>
@@ -14413,6 +13871,9 @@
       <a:schemeClr val="tx1"/>
     </cs:fontRef>
     <cs:spPr>
+      <a:solidFill>
+        <a:schemeClr val="phClr"/>
+      </a:solidFill>
       <a:ln w="9525">
         <a:solidFill>
           <a:schemeClr val="phClr"/>
@@ -14425,7 +13886,7 @@
     <cs:lnRef idx="0">
       <cs:styleClr val="auto"/>
     </cs:lnRef>
-    <cs:fillRef idx="0"/>
+    <cs:fillRef idx="1"/>
     <cs:effectRef idx="0"/>
     <cs:fontRef idx="minor">
       <a:schemeClr val="tx1"/>
@@ -14468,23 +13929,22 @@
     <cs:fillRef idx="0"/>
     <cs:effectRef idx="0"/>
     <cs:fontRef idx="minor">
-      <a:schemeClr val="tx1"/>
+      <a:schemeClr val="dk1"/>
     </cs:fontRef>
     <cs:spPr>
       <a:solidFill>
         <a:schemeClr val="dk1">
-          <a:lumMod val="75000"/>
-          <a:lumOff val="25000"/>
+          <a:lumMod val="65000"/>
+          <a:lumOff val="35000"/>
         </a:schemeClr>
       </a:solidFill>
-      <a:ln w="9525" cap="flat" cmpd="sng" algn="ctr">
+      <a:ln w="9525">
         <a:solidFill>
           <a:schemeClr val="tx1">
             <a:lumMod val="65000"/>
             <a:lumOff val="35000"/>
           </a:schemeClr>
         </a:solidFill>
-        <a:round/>
       </a:ln>
     </cs:spPr>
   </cs:downBar>
@@ -14589,8 +14049,8 @@
       <a:ln w="9525" cap="flat" cmpd="sng" algn="ctr">
         <a:solidFill>
           <a:schemeClr val="tx1">
-            <a:lumMod val="50000"/>
-            <a:lumOff val="50000"/>
+            <a:lumMod val="75000"/>
+            <a:lumOff val="25000"/>
           </a:schemeClr>
         </a:solidFill>
         <a:round/>
@@ -14722,20 +14182,19 @@
     <cs:fillRef idx="0"/>
     <cs:effectRef idx="0"/>
     <cs:fontRef idx="minor">
-      <a:schemeClr val="tx1"/>
+      <a:schemeClr val="dk1"/>
     </cs:fontRef>
     <cs:spPr>
       <a:solidFill>
         <a:schemeClr val="lt1"/>
       </a:solidFill>
-      <a:ln w="9525" cap="flat" cmpd="sng" algn="ctr">
+      <a:ln w="9525">
         <a:solidFill>
           <a:schemeClr val="tx1">
-            <a:lumMod val="65000"/>
-            <a:lumOff val="35000"/>
+            <a:lumMod val="15000"/>
+            <a:lumOff val="85000"/>
           </a:schemeClr>
         </a:solidFill>
-        <a:round/>
       </a:ln>
     </cs:spPr>
   </cs:upBar>
@@ -14768,8 +14227,8 @@
 </cs:chartStyle>
 </file>
 
-<file path=ppt/charts/style6.xml><?xml version="1.0" encoding="utf-8"?>
-<cs:chartStyle xmlns:cs="http://schemas.microsoft.com/office/drawing/2012/chartStyle" xmlns:a="http://schemas.openxmlformats.org/drawingml/2006/main" id="227">
+<file path=ppt/charts/style7.xml><?xml version="1.0" encoding="utf-8"?>
+<cs:chartStyle xmlns:cs="http://schemas.microsoft.com/office/drawing/2012/chartStyle" xmlns:a="http://schemas.openxmlformats.org/drawingml/2006/main" id="251">
   <cs:axisTitle>
     <cs:lnRef idx="0"/>
     <cs:fillRef idx="0"/>
@@ -14826,7 +14285,7 @@
         <a:round/>
       </a:ln>
     </cs:spPr>
-    <cs:defRPr sz="1330" kern="1200"/>
+    <cs:defRPr sz="1197" kern="1200"/>
   </cs:chartArea>
   <cs:dataLabel>
     <cs:lnRef idx="0"/>
@@ -14878,9 +14337,11 @@
       <a:schemeClr val="tx1"/>
     </cs:fontRef>
     <cs:spPr>
-      <a:solidFill>
-        <a:schemeClr val="phClr"/>
-      </a:solidFill>
+      <a:ln w="19050">
+        <a:solidFill>
+          <a:schemeClr val="lt1"/>
+        </a:solidFill>
+      </a:ln>
     </cs:spPr>
   </cs:dataPoint>
   <cs:dataPoint3D>
@@ -14893,16 +14354,18 @@
       <a:schemeClr val="tx1"/>
     </cs:fontRef>
     <cs:spPr>
-      <a:solidFill>
-        <a:schemeClr val="phClr"/>
-      </a:solidFill>
+      <a:ln w="25400">
+        <a:solidFill>
+          <a:schemeClr val="lt1"/>
+        </a:solidFill>
+      </a:ln>
     </cs:spPr>
   </cs:dataPoint3D>
   <cs:dataPointLine>
     <cs:lnRef idx="0">
       <cs:styleClr val="auto"/>
     </cs:lnRef>
-    <cs:fillRef idx="1"/>
+    <cs:fillRef idx="0"/>
     <cs:effectRef idx="0"/>
     <cs:fontRef idx="minor">
       <a:schemeClr val="tx1"/>
@@ -14928,9 +14391,6 @@
       <a:schemeClr val="tx1"/>
     </cs:fontRef>
     <cs:spPr>
-      <a:solidFill>
-        <a:schemeClr val="phClr"/>
-      </a:solidFill>
       <a:ln w="9525">
         <a:solidFill>
           <a:schemeClr val="phClr"/>
@@ -14943,7 +14403,7 @@
     <cs:lnRef idx="0">
       <cs:styleClr val="auto"/>
     </cs:lnRef>
-    <cs:fillRef idx="1"/>
+    <cs:fillRef idx="0"/>
     <cs:effectRef idx="0"/>
     <cs:fontRef idx="minor">
       <a:schemeClr val="tx1"/>
@@ -14986,22 +14446,23 @@
     <cs:fillRef idx="0"/>
     <cs:effectRef idx="0"/>
     <cs:fontRef idx="minor">
-      <a:schemeClr val="dk1"/>
+      <a:schemeClr val="tx1"/>
     </cs:fontRef>
     <cs:spPr>
       <a:solidFill>
         <a:schemeClr val="dk1">
-          <a:lumMod val="65000"/>
-          <a:lumOff val="35000"/>
+          <a:lumMod val="75000"/>
+          <a:lumOff val="25000"/>
         </a:schemeClr>
       </a:solidFill>
-      <a:ln w="9525">
+      <a:ln w="9525" cap="flat" cmpd="sng" algn="ctr">
         <a:solidFill>
           <a:schemeClr val="tx1">
             <a:lumMod val="65000"/>
             <a:lumOff val="35000"/>
           </a:schemeClr>
         </a:solidFill>
+        <a:round/>
       </a:ln>
     </cs:spPr>
   </cs:downBar>
@@ -15106,8 +14567,8 @@
       <a:ln w="9525" cap="flat" cmpd="sng" algn="ctr">
         <a:solidFill>
           <a:schemeClr val="tx1">
-            <a:lumMod val="75000"/>
-            <a:lumOff val="25000"/>
+            <a:lumMod val="50000"/>
+            <a:lumOff val="50000"/>
           </a:schemeClr>
         </a:solidFill>
         <a:round/>
@@ -15239,19 +14700,20 @@
     <cs:fillRef idx="0"/>
     <cs:effectRef idx="0"/>
     <cs:fontRef idx="minor">
-      <a:schemeClr val="dk1"/>
+      <a:schemeClr val="tx1"/>
     </cs:fontRef>
     <cs:spPr>
       <a:solidFill>
         <a:schemeClr val="lt1"/>
       </a:solidFill>
-      <a:ln w="9525">
+      <a:ln w="9525" cap="flat" cmpd="sng" algn="ctr">
         <a:solidFill>
           <a:schemeClr val="tx1">
-            <a:lumMod val="15000"/>
-            <a:lumOff val="85000"/>
+            <a:lumMod val="65000"/>
+            <a:lumOff val="35000"/>
           </a:schemeClr>
         </a:solidFill>
+        <a:round/>
       </a:ln>
     </cs:spPr>
   </cs:upBar>
@@ -15284,7 +14746,7 @@
 </cs:chartStyle>
 </file>
 
-<file path=ppt/charts/style7.xml><?xml version="1.0" encoding="utf-8"?>
+<file path=ppt/charts/style8.xml><?xml version="1.0" encoding="utf-8"?>
 <cs:chartStyle xmlns:cs="http://schemas.microsoft.com/office/drawing/2012/chartStyle" xmlns:a="http://schemas.openxmlformats.org/drawingml/2006/main" id="251">
   <cs:axisTitle>
     <cs:lnRef idx="0"/>
@@ -15461,511 +14923,6 @@
       <cs:styleClr val="auto"/>
     </cs:lnRef>
     <cs:fillRef idx="0"/>
-    <cs:effectRef idx="0"/>
-    <cs:fontRef idx="minor">
-      <a:schemeClr val="tx1"/>
-    </cs:fontRef>
-    <cs:spPr>
-      <a:ln w="9525" cap="rnd">
-        <a:solidFill>
-          <a:schemeClr val="phClr"/>
-        </a:solidFill>
-        <a:round/>
-      </a:ln>
-    </cs:spPr>
-  </cs:dataPointWireframe>
-  <cs:dataTable>
-    <cs:lnRef idx="0"/>
-    <cs:fillRef idx="0"/>
-    <cs:effectRef idx="0"/>
-    <cs:fontRef idx="minor">
-      <a:schemeClr val="tx1">
-        <a:lumMod val="65000"/>
-        <a:lumOff val="35000"/>
-      </a:schemeClr>
-    </cs:fontRef>
-    <cs:spPr>
-      <a:noFill/>
-      <a:ln w="9525" cap="flat" cmpd="sng" algn="ctr">
-        <a:solidFill>
-          <a:schemeClr val="tx1">
-            <a:lumMod val="15000"/>
-            <a:lumOff val="85000"/>
-          </a:schemeClr>
-        </a:solidFill>
-        <a:round/>
-      </a:ln>
-    </cs:spPr>
-    <cs:defRPr sz="1197" kern="1200"/>
-  </cs:dataTable>
-  <cs:downBar>
-    <cs:lnRef idx="0"/>
-    <cs:fillRef idx="0"/>
-    <cs:effectRef idx="0"/>
-    <cs:fontRef idx="minor">
-      <a:schemeClr val="tx1"/>
-    </cs:fontRef>
-    <cs:spPr>
-      <a:solidFill>
-        <a:schemeClr val="dk1">
-          <a:lumMod val="75000"/>
-          <a:lumOff val="25000"/>
-        </a:schemeClr>
-      </a:solidFill>
-      <a:ln w="9525" cap="flat" cmpd="sng" algn="ctr">
-        <a:solidFill>
-          <a:schemeClr val="tx1">
-            <a:lumMod val="65000"/>
-            <a:lumOff val="35000"/>
-          </a:schemeClr>
-        </a:solidFill>
-        <a:round/>
-      </a:ln>
-    </cs:spPr>
-  </cs:downBar>
-  <cs:dropLine>
-    <cs:lnRef idx="0"/>
-    <cs:fillRef idx="0"/>
-    <cs:effectRef idx="0"/>
-    <cs:fontRef idx="minor">
-      <a:schemeClr val="tx1"/>
-    </cs:fontRef>
-    <cs:spPr>
-      <a:ln w="9525" cap="flat" cmpd="sng" algn="ctr">
-        <a:solidFill>
-          <a:schemeClr val="tx1">
-            <a:lumMod val="35000"/>
-            <a:lumOff val="65000"/>
-          </a:schemeClr>
-        </a:solidFill>
-        <a:round/>
-      </a:ln>
-    </cs:spPr>
-  </cs:dropLine>
-  <cs:errorBar>
-    <cs:lnRef idx="0"/>
-    <cs:fillRef idx="0"/>
-    <cs:effectRef idx="0"/>
-    <cs:fontRef idx="minor">
-      <a:schemeClr val="tx1"/>
-    </cs:fontRef>
-    <cs:spPr>
-      <a:ln w="9525" cap="flat" cmpd="sng" algn="ctr">
-        <a:solidFill>
-          <a:schemeClr val="tx1">
-            <a:lumMod val="65000"/>
-            <a:lumOff val="35000"/>
-          </a:schemeClr>
-        </a:solidFill>
-        <a:round/>
-      </a:ln>
-    </cs:spPr>
-  </cs:errorBar>
-  <cs:floor>
-    <cs:lnRef idx="0"/>
-    <cs:fillRef idx="0"/>
-    <cs:effectRef idx="0"/>
-    <cs:fontRef idx="minor">
-      <a:schemeClr val="tx1"/>
-    </cs:fontRef>
-    <cs:spPr>
-      <a:noFill/>
-      <a:ln>
-        <a:noFill/>
-      </a:ln>
-    </cs:spPr>
-  </cs:floor>
-  <cs:gridlineMajor>
-    <cs:lnRef idx="0"/>
-    <cs:fillRef idx="0"/>
-    <cs:effectRef idx="0"/>
-    <cs:fontRef idx="minor">
-      <a:schemeClr val="tx1"/>
-    </cs:fontRef>
-    <cs:spPr>
-      <a:ln w="9525" cap="flat" cmpd="sng" algn="ctr">
-        <a:solidFill>
-          <a:schemeClr val="tx1">
-            <a:lumMod val="15000"/>
-            <a:lumOff val="85000"/>
-          </a:schemeClr>
-        </a:solidFill>
-        <a:round/>
-      </a:ln>
-    </cs:spPr>
-  </cs:gridlineMajor>
-  <cs:gridlineMinor>
-    <cs:lnRef idx="0"/>
-    <cs:fillRef idx="0"/>
-    <cs:effectRef idx="0"/>
-    <cs:fontRef idx="minor">
-      <a:schemeClr val="tx1"/>
-    </cs:fontRef>
-    <cs:spPr>
-      <a:ln w="9525" cap="flat" cmpd="sng" algn="ctr">
-        <a:solidFill>
-          <a:schemeClr val="tx1">
-            <a:lumMod val="5000"/>
-            <a:lumOff val="95000"/>
-          </a:schemeClr>
-        </a:solidFill>
-        <a:round/>
-      </a:ln>
-    </cs:spPr>
-  </cs:gridlineMinor>
-  <cs:hiLoLine>
-    <cs:lnRef idx="0"/>
-    <cs:fillRef idx="0"/>
-    <cs:effectRef idx="0"/>
-    <cs:fontRef idx="minor">
-      <a:schemeClr val="tx1"/>
-    </cs:fontRef>
-    <cs:spPr>
-      <a:ln w="9525" cap="flat" cmpd="sng" algn="ctr">
-        <a:solidFill>
-          <a:schemeClr val="tx1">
-            <a:lumMod val="50000"/>
-            <a:lumOff val="50000"/>
-          </a:schemeClr>
-        </a:solidFill>
-        <a:round/>
-      </a:ln>
-    </cs:spPr>
-  </cs:hiLoLine>
-  <cs:leaderLine>
-    <cs:lnRef idx="0"/>
-    <cs:fillRef idx="0"/>
-    <cs:effectRef idx="0"/>
-    <cs:fontRef idx="minor">
-      <a:schemeClr val="tx1"/>
-    </cs:fontRef>
-    <cs:spPr>
-      <a:ln w="9525" cap="flat" cmpd="sng" algn="ctr">
-        <a:solidFill>
-          <a:schemeClr val="tx1">
-            <a:lumMod val="35000"/>
-            <a:lumOff val="65000"/>
-          </a:schemeClr>
-        </a:solidFill>
-        <a:round/>
-      </a:ln>
-    </cs:spPr>
-  </cs:leaderLine>
-  <cs:legend>
-    <cs:lnRef idx="0"/>
-    <cs:fillRef idx="0"/>
-    <cs:effectRef idx="0"/>
-    <cs:fontRef idx="minor">
-      <a:schemeClr val="tx1">
-        <a:lumMod val="65000"/>
-        <a:lumOff val="35000"/>
-      </a:schemeClr>
-    </cs:fontRef>
-    <cs:defRPr sz="1197" kern="1200"/>
-  </cs:legend>
-  <cs:plotArea mods="allowNoFillOverride allowNoLineOverride">
-    <cs:lnRef idx="0"/>
-    <cs:fillRef idx="0"/>
-    <cs:effectRef idx="0"/>
-    <cs:fontRef idx="minor">
-      <a:schemeClr val="tx1"/>
-    </cs:fontRef>
-  </cs:plotArea>
-  <cs:plotArea3D mods="allowNoFillOverride allowNoLineOverride">
-    <cs:lnRef idx="0"/>
-    <cs:fillRef idx="0"/>
-    <cs:effectRef idx="0"/>
-    <cs:fontRef idx="minor">
-      <a:schemeClr val="tx1"/>
-    </cs:fontRef>
-  </cs:plotArea3D>
-  <cs:seriesAxis>
-    <cs:lnRef idx="0"/>
-    <cs:fillRef idx="0"/>
-    <cs:effectRef idx="0"/>
-    <cs:fontRef idx="minor">
-      <a:schemeClr val="tx1">
-        <a:lumMod val="65000"/>
-        <a:lumOff val="35000"/>
-      </a:schemeClr>
-    </cs:fontRef>
-    <cs:defRPr sz="1197" kern="1200"/>
-  </cs:seriesAxis>
-  <cs:seriesLine>
-    <cs:lnRef idx="0"/>
-    <cs:fillRef idx="0"/>
-    <cs:effectRef idx="0"/>
-    <cs:fontRef idx="minor">
-      <a:schemeClr val="tx1"/>
-    </cs:fontRef>
-    <cs:spPr>
-      <a:ln w="9525" cap="flat" cmpd="sng" algn="ctr">
-        <a:solidFill>
-          <a:schemeClr val="tx1">
-            <a:lumMod val="35000"/>
-            <a:lumOff val="65000"/>
-          </a:schemeClr>
-        </a:solidFill>
-        <a:round/>
-      </a:ln>
-    </cs:spPr>
-  </cs:seriesLine>
-  <cs:title>
-    <cs:lnRef idx="0"/>
-    <cs:fillRef idx="0"/>
-    <cs:effectRef idx="0"/>
-    <cs:fontRef idx="minor">
-      <a:schemeClr val="tx1">
-        <a:lumMod val="65000"/>
-        <a:lumOff val="35000"/>
-      </a:schemeClr>
-    </cs:fontRef>
-    <cs:defRPr sz="1862" b="0" kern="1200" spc="0" baseline="0"/>
-  </cs:title>
-  <cs:trendline>
-    <cs:lnRef idx="0">
-      <cs:styleClr val="auto"/>
-    </cs:lnRef>
-    <cs:fillRef idx="0"/>
-    <cs:effectRef idx="0"/>
-    <cs:fontRef idx="minor">
-      <a:schemeClr val="tx1"/>
-    </cs:fontRef>
-    <cs:spPr>
-      <a:ln w="19050" cap="rnd">
-        <a:solidFill>
-          <a:schemeClr val="phClr"/>
-        </a:solidFill>
-        <a:prstDash val="sysDot"/>
-      </a:ln>
-    </cs:spPr>
-  </cs:trendline>
-  <cs:trendlineLabel>
-    <cs:lnRef idx="0"/>
-    <cs:fillRef idx="0"/>
-    <cs:effectRef idx="0"/>
-    <cs:fontRef idx="minor">
-      <a:schemeClr val="tx1">
-        <a:lumMod val="65000"/>
-        <a:lumOff val="35000"/>
-      </a:schemeClr>
-    </cs:fontRef>
-    <cs:defRPr sz="1197" kern="1200"/>
-  </cs:trendlineLabel>
-  <cs:upBar>
-    <cs:lnRef idx="0"/>
-    <cs:fillRef idx="0"/>
-    <cs:effectRef idx="0"/>
-    <cs:fontRef idx="minor">
-      <a:schemeClr val="tx1"/>
-    </cs:fontRef>
-    <cs:spPr>
-      <a:solidFill>
-        <a:schemeClr val="lt1"/>
-      </a:solidFill>
-      <a:ln w="9525" cap="flat" cmpd="sng" algn="ctr">
-        <a:solidFill>
-          <a:schemeClr val="tx1">
-            <a:lumMod val="65000"/>
-            <a:lumOff val="35000"/>
-          </a:schemeClr>
-        </a:solidFill>
-        <a:round/>
-      </a:ln>
-    </cs:spPr>
-  </cs:upBar>
-  <cs:valueAxis>
-    <cs:lnRef idx="0"/>
-    <cs:fillRef idx="0"/>
-    <cs:effectRef idx="0"/>
-    <cs:fontRef idx="minor">
-      <a:schemeClr val="tx1">
-        <a:lumMod val="65000"/>
-        <a:lumOff val="35000"/>
-      </a:schemeClr>
-    </cs:fontRef>
-    <cs:defRPr sz="1197" kern="1200"/>
-  </cs:valueAxis>
-  <cs:wall>
-    <cs:lnRef idx="0"/>
-    <cs:fillRef idx="0"/>
-    <cs:effectRef idx="0"/>
-    <cs:fontRef idx="minor">
-      <a:schemeClr val="tx1"/>
-    </cs:fontRef>
-    <cs:spPr>
-      <a:noFill/>
-      <a:ln>
-        <a:noFill/>
-      </a:ln>
-    </cs:spPr>
-  </cs:wall>
-</cs:chartStyle>
-</file>
-
-<file path=ppt/charts/style8.xml><?xml version="1.0" encoding="utf-8"?>
-<cs:chartStyle xmlns:cs="http://schemas.microsoft.com/office/drawing/2012/chartStyle" xmlns:a="http://schemas.openxmlformats.org/drawingml/2006/main" id="216">
-  <cs:axisTitle>
-    <cs:lnRef idx="0"/>
-    <cs:fillRef idx="0"/>
-    <cs:effectRef idx="0"/>
-    <cs:fontRef idx="minor">
-      <a:schemeClr val="tx1">
-        <a:lumMod val="65000"/>
-        <a:lumOff val="35000"/>
-      </a:schemeClr>
-    </cs:fontRef>
-    <cs:defRPr sz="1330" kern="1200"/>
-  </cs:axisTitle>
-  <cs:categoryAxis>
-    <cs:lnRef idx="0"/>
-    <cs:fillRef idx="0"/>
-    <cs:effectRef idx="0"/>
-    <cs:fontRef idx="minor">
-      <a:schemeClr val="tx1">
-        <a:lumMod val="65000"/>
-        <a:lumOff val="35000"/>
-      </a:schemeClr>
-    </cs:fontRef>
-    <cs:spPr>
-      <a:ln w="9525" cap="flat" cmpd="sng" algn="ctr">
-        <a:solidFill>
-          <a:schemeClr val="tx1">
-            <a:lumMod val="15000"/>
-            <a:lumOff val="85000"/>
-          </a:schemeClr>
-        </a:solidFill>
-        <a:round/>
-      </a:ln>
-    </cs:spPr>
-    <cs:defRPr sz="1197" kern="1200"/>
-  </cs:categoryAxis>
-  <cs:chartArea mods="allowNoFillOverride allowNoLineOverride">
-    <cs:lnRef idx="0"/>
-    <cs:fillRef idx="0"/>
-    <cs:effectRef idx="0"/>
-    <cs:fontRef idx="minor">
-      <a:schemeClr val="tx1"/>
-    </cs:fontRef>
-    <cs:spPr>
-      <a:solidFill>
-        <a:schemeClr val="bg1"/>
-      </a:solidFill>
-      <a:ln w="9525" cap="flat" cmpd="sng" algn="ctr">
-        <a:solidFill>
-          <a:schemeClr val="tx1">
-            <a:lumMod val="15000"/>
-            <a:lumOff val="85000"/>
-          </a:schemeClr>
-        </a:solidFill>
-        <a:round/>
-      </a:ln>
-    </cs:spPr>
-    <cs:defRPr sz="1330" kern="1200"/>
-  </cs:chartArea>
-  <cs:dataLabel>
-    <cs:lnRef idx="0"/>
-    <cs:fillRef idx="0"/>
-    <cs:effectRef idx="0"/>
-    <cs:fontRef idx="minor">
-      <a:schemeClr val="tx1">
-        <a:lumMod val="75000"/>
-        <a:lumOff val="25000"/>
-      </a:schemeClr>
-    </cs:fontRef>
-    <cs:defRPr sz="1197" kern="1200"/>
-  </cs:dataLabel>
-  <cs:dataLabelCallout>
-    <cs:lnRef idx="0"/>
-    <cs:fillRef idx="0"/>
-    <cs:effectRef idx="0"/>
-    <cs:fontRef idx="minor">
-      <a:schemeClr val="dk1">
-        <a:lumMod val="65000"/>
-        <a:lumOff val="35000"/>
-      </a:schemeClr>
-    </cs:fontRef>
-    <cs:spPr>
-      <a:solidFill>
-        <a:schemeClr val="lt1"/>
-      </a:solidFill>
-      <a:ln>
-        <a:solidFill>
-          <a:schemeClr val="dk1">
-            <a:lumMod val="25000"/>
-            <a:lumOff val="75000"/>
-          </a:schemeClr>
-        </a:solidFill>
-      </a:ln>
-    </cs:spPr>
-    <cs:defRPr sz="1197" kern="1200"/>
-    <cs:bodyPr rot="0" spcFirstLastPara="1" vertOverflow="clip" horzOverflow="clip" vert="horz" wrap="square" lIns="36576" tIns="18288" rIns="36576" bIns="18288" anchor="ctr" anchorCtr="1">
-      <a:spAutoFit/>
-    </cs:bodyPr>
-  </cs:dataLabelCallout>
-  <cs:dataPoint>
-    <cs:lnRef idx="0"/>
-    <cs:fillRef idx="1">
-      <cs:styleClr val="auto"/>
-    </cs:fillRef>
-    <cs:effectRef idx="0"/>
-    <cs:fontRef idx="minor">
-      <a:schemeClr val="tx1"/>
-    </cs:fontRef>
-  </cs:dataPoint>
-  <cs:dataPoint3D>
-    <cs:lnRef idx="0"/>
-    <cs:fillRef idx="1">
-      <cs:styleClr val="auto"/>
-    </cs:fillRef>
-    <cs:effectRef idx="0"/>
-    <cs:fontRef idx="minor">
-      <a:schemeClr val="tx1"/>
-    </cs:fontRef>
-  </cs:dataPoint3D>
-  <cs:dataPointLine>
-    <cs:lnRef idx="0">
-      <cs:styleClr val="auto"/>
-    </cs:lnRef>
-    <cs:fillRef idx="1"/>
-    <cs:effectRef idx="0"/>
-    <cs:fontRef idx="minor">
-      <a:schemeClr val="tx1"/>
-    </cs:fontRef>
-    <cs:spPr>
-      <a:ln w="28575" cap="rnd">
-        <a:solidFill>
-          <a:schemeClr val="phClr"/>
-        </a:solidFill>
-        <a:round/>
-      </a:ln>
-    </cs:spPr>
-  </cs:dataPointLine>
-  <cs:dataPointMarker>
-    <cs:lnRef idx="0">
-      <cs:styleClr val="auto"/>
-    </cs:lnRef>
-    <cs:fillRef idx="1">
-      <cs:styleClr val="auto"/>
-    </cs:fillRef>
-    <cs:effectRef idx="0"/>
-    <cs:fontRef idx="minor">
-      <a:schemeClr val="tx1"/>
-    </cs:fontRef>
-    <cs:spPr>
-      <a:ln w="9525">
-        <a:solidFill>
-          <a:schemeClr val="phClr"/>
-        </a:solidFill>
-      </a:ln>
-    </cs:spPr>
-  </cs:dataPointMarker>
-  <cs:dataPointMarkerLayout symbol="circle" size="5"/>
-  <cs:dataPointWireframe>
-    <cs:lnRef idx="0">
-      <cs:styleClr val="auto"/>
-    </cs:lnRef>
-    <cs:fillRef idx="1"/>
     <cs:effectRef idx="0"/>
     <cs:fontRef idx="minor">
       <a:schemeClr val="tx1"/>
@@ -17132,7 +16089,7 @@
           <a:p>
             <a:fld id="{0361CAB7-86A6-4FD6-977B-D2B10758F071}" type="datetimeFigureOut">
               <a:rPr lang="pt-BR" smtClean="0"/>
-              <a:t>13/06/2024</a:t>
+              <a:t>17/06/2024</a:t>
             </a:fld>
             <a:endParaRPr lang="pt-BR"/>
           </a:p>
@@ -17302,7 +16259,7 @@
           <a:p>
             <a:fld id="{0361CAB7-86A6-4FD6-977B-D2B10758F071}" type="datetimeFigureOut">
               <a:rPr lang="pt-BR" smtClean="0"/>
-              <a:t>13/06/2024</a:t>
+              <a:t>17/06/2024</a:t>
             </a:fld>
             <a:endParaRPr lang="pt-BR"/>
           </a:p>
@@ -17482,7 +16439,7 @@
           <a:p>
             <a:fld id="{0361CAB7-86A6-4FD6-977B-D2B10758F071}" type="datetimeFigureOut">
               <a:rPr lang="pt-BR" smtClean="0"/>
-              <a:t>13/06/2024</a:t>
+              <a:t>17/06/2024</a:t>
             </a:fld>
             <a:endParaRPr lang="pt-BR"/>
           </a:p>
@@ -17652,7 +16609,7 @@
           <a:p>
             <a:fld id="{0361CAB7-86A6-4FD6-977B-D2B10758F071}" type="datetimeFigureOut">
               <a:rPr lang="pt-BR" smtClean="0"/>
-              <a:t>13/06/2024</a:t>
+              <a:t>17/06/2024</a:t>
             </a:fld>
             <a:endParaRPr lang="pt-BR"/>
           </a:p>
@@ -17898,7 +16855,7 @@
           <a:p>
             <a:fld id="{0361CAB7-86A6-4FD6-977B-D2B10758F071}" type="datetimeFigureOut">
               <a:rPr lang="pt-BR" smtClean="0"/>
-              <a:t>13/06/2024</a:t>
+              <a:t>17/06/2024</a:t>
             </a:fld>
             <a:endParaRPr lang="pt-BR"/>
           </a:p>
@@ -18130,7 +17087,7 @@
           <a:p>
             <a:fld id="{0361CAB7-86A6-4FD6-977B-D2B10758F071}" type="datetimeFigureOut">
               <a:rPr lang="pt-BR" smtClean="0"/>
-              <a:t>13/06/2024</a:t>
+              <a:t>17/06/2024</a:t>
             </a:fld>
             <a:endParaRPr lang="pt-BR"/>
           </a:p>
@@ -18497,7 +17454,7 @@
           <a:p>
             <a:fld id="{0361CAB7-86A6-4FD6-977B-D2B10758F071}" type="datetimeFigureOut">
               <a:rPr lang="pt-BR" smtClean="0"/>
-              <a:t>13/06/2024</a:t>
+              <a:t>17/06/2024</a:t>
             </a:fld>
             <a:endParaRPr lang="pt-BR"/>
           </a:p>
@@ -18615,7 +17572,7 @@
           <a:p>
             <a:fld id="{0361CAB7-86A6-4FD6-977B-D2B10758F071}" type="datetimeFigureOut">
               <a:rPr lang="pt-BR" smtClean="0"/>
-              <a:t>13/06/2024</a:t>
+              <a:t>17/06/2024</a:t>
             </a:fld>
             <a:endParaRPr lang="pt-BR"/>
           </a:p>
@@ -18710,7 +17667,7 @@
           <a:p>
             <a:fld id="{0361CAB7-86A6-4FD6-977B-D2B10758F071}" type="datetimeFigureOut">
               <a:rPr lang="pt-BR" smtClean="0"/>
-              <a:t>13/06/2024</a:t>
+              <a:t>17/06/2024</a:t>
             </a:fld>
             <a:endParaRPr lang="pt-BR"/>
           </a:p>
@@ -18987,7 +17944,7 @@
           <a:p>
             <a:fld id="{0361CAB7-86A6-4FD6-977B-D2B10758F071}" type="datetimeFigureOut">
               <a:rPr lang="pt-BR" smtClean="0"/>
-              <a:t>13/06/2024</a:t>
+              <a:t>17/06/2024</a:t>
             </a:fld>
             <a:endParaRPr lang="pt-BR"/>
           </a:p>
@@ -19240,7 +18197,7 @@
           <a:p>
             <a:fld id="{0361CAB7-86A6-4FD6-977B-D2B10758F071}" type="datetimeFigureOut">
               <a:rPr lang="pt-BR" smtClean="0"/>
-              <a:t>13/06/2024</a:t>
+              <a:t>17/06/2024</a:t>
             </a:fld>
             <a:endParaRPr lang="pt-BR"/>
           </a:p>
@@ -19453,7 +18410,7 @@
           <a:p>
             <a:fld id="{0361CAB7-86A6-4FD6-977B-D2B10758F071}" type="datetimeFigureOut">
               <a:rPr lang="pt-BR" smtClean="0"/>
-              <a:t>13/06/2024</a:t>
+              <a:t>17/06/2024</a:t>
             </a:fld>
             <a:endParaRPr lang="pt-BR"/>
           </a:p>
@@ -20927,28 +19884,6 @@
           </a:graphicData>
         </a:graphic>
       </p:graphicFrame>
-      <p:graphicFrame>
-        <p:nvGraphicFramePr>
-          <p:cNvPr id="36" name="Gráfico 35"/>
-          <p:cNvGraphicFramePr/>
-          <p:nvPr>
-            <p:extLst>
-              <p:ext uri="{D42A27DB-BD31-4B8C-83A1-F6EECF244321}">
-                <p14:modId xmlns:p14="http://schemas.microsoft.com/office/powerpoint/2010/main" val="1437820568"/>
-              </p:ext>
-            </p:extLst>
-          </p:nvPr>
-        </p:nvGraphicFramePr>
-        <p:xfrm>
-          <a:off x="3235941" y="4169034"/>
-          <a:ext cx="5928442" cy="2284884"/>
-        </p:xfrm>
-        <a:graphic>
-          <a:graphicData uri="http://schemas.openxmlformats.org/drawingml/2006/chart">
-            <c:chart xmlns:c="http://schemas.openxmlformats.org/drawingml/2006/chart" xmlns:r="http://schemas.openxmlformats.org/officeDocument/2006/relationships" r:id="rId4"/>
-          </a:graphicData>
-        </a:graphic>
-      </p:graphicFrame>
       <p:sp>
         <p:nvSpPr>
           <p:cNvPr id="39" name="Retângulo 38"/>
@@ -20957,7 +19892,7 @@
         </p:nvSpPr>
         <p:spPr>
           <a:xfrm>
-            <a:off x="9520765" y="3112168"/>
+            <a:off x="3314973" y="4985867"/>
             <a:ext cx="2389466" cy="991146"/>
           </a:xfrm>
           <a:prstGeom prst="rect">
@@ -21016,18 +19951,18 @@
           <p:nvPr>
             <p:extLst>
               <p:ext uri="{D42A27DB-BD31-4B8C-83A1-F6EECF244321}">
-                <p14:modId xmlns:p14="http://schemas.microsoft.com/office/powerpoint/2010/main" val="3053127362"/>
+                <p14:modId xmlns:p14="http://schemas.microsoft.com/office/powerpoint/2010/main" val="2669593430"/>
               </p:ext>
             </p:extLst>
           </p:nvPr>
         </p:nvGraphicFramePr>
         <p:xfrm>
-          <a:off x="8618171" y="-82683"/>
+          <a:off x="8374890" y="3433010"/>
           <a:ext cx="4194654" cy="3105714"/>
         </p:xfrm>
         <a:graphic>
           <a:graphicData uri="http://schemas.openxmlformats.org/drawingml/2006/chart">
-            <c:chart xmlns:c="http://schemas.openxmlformats.org/drawingml/2006/chart" xmlns:r="http://schemas.openxmlformats.org/officeDocument/2006/relationships" r:id="rId5"/>
+            <c:chart xmlns:c="http://schemas.openxmlformats.org/drawingml/2006/chart" xmlns:r="http://schemas.openxmlformats.org/officeDocument/2006/relationships" r:id="rId4"/>
           </a:graphicData>
         </a:graphic>
       </p:graphicFrame>
@@ -21085,18 +20020,18 @@
           <p:nvPr>
             <p:extLst>
               <p:ext uri="{D42A27DB-BD31-4B8C-83A1-F6EECF244321}">
-                <p14:modId xmlns:p14="http://schemas.microsoft.com/office/powerpoint/2010/main" val="847661023"/>
+                <p14:modId xmlns:p14="http://schemas.microsoft.com/office/powerpoint/2010/main" val="2378994761"/>
               </p:ext>
             </p:extLst>
           </p:nvPr>
         </p:nvGraphicFramePr>
         <p:xfrm>
-          <a:off x="-784258" y="3607741"/>
+          <a:off x="8260439" y="410099"/>
           <a:ext cx="4194654" cy="3105714"/>
         </p:xfrm>
         <a:graphic>
           <a:graphicData uri="http://schemas.openxmlformats.org/drawingml/2006/chart">
-            <c:chart xmlns:c="http://schemas.openxmlformats.org/drawingml/2006/chart" xmlns:r="http://schemas.openxmlformats.org/officeDocument/2006/relationships" r:id="rId6"/>
+            <c:chart xmlns:c="http://schemas.openxmlformats.org/drawingml/2006/chart" xmlns:r="http://schemas.openxmlformats.org/officeDocument/2006/relationships" r:id="rId5"/>
           </a:graphicData>
         </a:graphic>
       </p:graphicFrame>
@@ -21108,7 +20043,7 @@
         </p:nvSpPr>
         <p:spPr>
           <a:xfrm>
-            <a:off x="9520765" y="4320330"/>
+            <a:off x="6531278" y="4985867"/>
             <a:ext cx="2389466" cy="991146"/>
           </a:xfrm>
           <a:prstGeom prst="rect">

--- a/dashboardlayout.pptx
+++ b/dashboardlayout.pptx
@@ -3155,688 +3155,6 @@
   <c:externalData r:id="rId3">
     <c:autoUpdate val="0"/>
   </c:externalData>
-</c:chartSpace>
-</file>
-
-<file path=ppt/charts/chart16.xml><?xml version="1.0" encoding="utf-8"?>
-<c:chartSpace xmlns:c="http://schemas.openxmlformats.org/drawingml/2006/chart" xmlns:a="http://schemas.openxmlformats.org/drawingml/2006/main" xmlns:r="http://schemas.openxmlformats.org/officeDocument/2006/relationships" xmlns:c16r2="http://schemas.microsoft.com/office/drawing/2015/06/chart">
-  <c:date1904 val="0"/>
-  <c:lang val="pt-BR"/>
-  <c:roundedCorners val="0"/>
-  <mc:AlternateContent xmlns:mc="http://schemas.openxmlformats.org/markup-compatibility/2006">
-    <mc:Choice xmlns:c14="http://schemas.microsoft.com/office/drawing/2007/8/2/chart" Requires="c14">
-      <c14:style val="102"/>
-    </mc:Choice>
-    <mc:Fallback>
-      <c:style val="2"/>
-    </mc:Fallback>
-  </mc:AlternateContent>
-  <c:chart>
-    <c:autoTitleDeleted val="1"/>
-    <c:plotArea>
-      <c:layout>
-        <c:manualLayout>
-          <c:layoutTarget val="inner"/>
-          <c:xMode val="edge"/>
-          <c:yMode val="edge"/>
-          <c:x val="0.29056079476400198"/>
-          <c:y val="0.15019766791146899"/>
-          <c:w val="0.49759789484424699"/>
-          <c:h val="0.6720680011102117"/>
-        </c:manualLayout>
-      </c:layout>
-      <c:doughnutChart>
-        <c:varyColors val="1"/>
-        <c:ser>
-          <c:idx val="0"/>
-          <c:order val="0"/>
-          <c:tx>
-            <c:strRef>
-              <c:f>Planilha1!$B$1</c:f>
-              <c:strCache>
-                <c:ptCount val="1"/>
-                <c:pt idx="0">
-                  <c:v>Vendas</c:v>
-                </c:pt>
-              </c:strCache>
-            </c:strRef>
-          </c:tx>
-          <c:dPt>
-            <c:idx val="0"/>
-            <c:bubble3D val="0"/>
-            <c:spPr>
-              <a:solidFill>
-                <a:schemeClr val="accent1"/>
-              </a:solidFill>
-              <a:ln w="19050">
-                <a:solidFill>
-                  <a:schemeClr val="lt1"/>
-                </a:solidFill>
-              </a:ln>
-              <a:effectLst/>
-            </c:spPr>
-            <c:extLst>
-              <c:ext xmlns:c16="http://schemas.microsoft.com/office/drawing/2014/chart" uri="{C3380CC4-5D6E-409C-BE32-E72D297353CC}">
-                <c16:uniqueId val="{00000001-81E7-4E98-9B16-DA057A5BC758}"/>
-              </c:ext>
-            </c:extLst>
-          </c:dPt>
-          <c:dPt>
-            <c:idx val="1"/>
-            <c:bubble3D val="0"/>
-            <c:spPr>
-              <a:solidFill>
-                <a:schemeClr val="accent2"/>
-              </a:solidFill>
-              <a:ln w="19050">
-                <a:solidFill>
-                  <a:schemeClr val="lt1"/>
-                </a:solidFill>
-              </a:ln>
-              <a:effectLst/>
-            </c:spPr>
-            <c:extLst>
-              <c:ext xmlns:c16="http://schemas.microsoft.com/office/drawing/2014/chart" uri="{C3380CC4-5D6E-409C-BE32-E72D297353CC}">
-                <c16:uniqueId val="{00000003-81E7-4E98-9B16-DA057A5BC758}"/>
-              </c:ext>
-            </c:extLst>
-          </c:dPt>
-          <c:dPt>
-            <c:idx val="2"/>
-            <c:bubble3D val="0"/>
-            <c:spPr>
-              <a:solidFill>
-                <a:schemeClr val="accent3"/>
-              </a:solidFill>
-              <a:ln w="19050">
-                <a:solidFill>
-                  <a:schemeClr val="lt1"/>
-                </a:solidFill>
-              </a:ln>
-              <a:effectLst/>
-            </c:spPr>
-            <c:extLst>
-              <c:ext xmlns:c16="http://schemas.microsoft.com/office/drawing/2014/chart" uri="{C3380CC4-5D6E-409C-BE32-E72D297353CC}">
-                <c16:uniqueId val="{00000005-81E7-4E98-9B16-DA057A5BC758}"/>
-              </c:ext>
-            </c:extLst>
-          </c:dPt>
-          <c:dPt>
-            <c:idx val="3"/>
-            <c:bubble3D val="0"/>
-            <c:spPr>
-              <a:solidFill>
-                <a:schemeClr val="accent4"/>
-              </a:solidFill>
-              <a:ln w="19050">
-                <a:solidFill>
-                  <a:schemeClr val="lt1"/>
-                </a:solidFill>
-              </a:ln>
-              <a:effectLst/>
-            </c:spPr>
-            <c:extLst>
-              <c:ext xmlns:c16="http://schemas.microsoft.com/office/drawing/2014/chart" uri="{C3380CC4-5D6E-409C-BE32-E72D297353CC}">
-                <c16:uniqueId val="{00000007-81E7-4E98-9B16-DA057A5BC758}"/>
-              </c:ext>
-            </c:extLst>
-          </c:dPt>
-          <c:cat>
-            <c:strRef>
-              <c:f>Planilha1!$A$2:$A$5</c:f>
-              <c:strCache>
-                <c:ptCount val="4"/>
-                <c:pt idx="0">
-                  <c:v>1º Tri</c:v>
-                </c:pt>
-                <c:pt idx="1">
-                  <c:v>2º Tri</c:v>
-                </c:pt>
-                <c:pt idx="2">
-                  <c:v>3º Tri</c:v>
-                </c:pt>
-                <c:pt idx="3">
-                  <c:v>4º Tri</c:v>
-                </c:pt>
-              </c:strCache>
-            </c:strRef>
-          </c:cat>
-          <c:val>
-            <c:numRef>
-              <c:f>Planilha1!$B$2:$B$5</c:f>
-              <c:numCache>
-                <c:formatCode>General</c:formatCode>
-                <c:ptCount val="4"/>
-                <c:pt idx="0">
-                  <c:v>8.1999999999999993</c:v>
-                </c:pt>
-                <c:pt idx="1">
-                  <c:v>3.2</c:v>
-                </c:pt>
-                <c:pt idx="2">
-                  <c:v>1.4</c:v>
-                </c:pt>
-                <c:pt idx="3">
-                  <c:v>1.2</c:v>
-                </c:pt>
-              </c:numCache>
-            </c:numRef>
-          </c:val>
-          <c:extLst>
-            <c:ext xmlns:c16="http://schemas.microsoft.com/office/drawing/2014/chart" uri="{C3380CC4-5D6E-409C-BE32-E72D297353CC}">
-              <c16:uniqueId val="{00000000-88AF-406E-B8D4-E9011508C090}"/>
-            </c:ext>
-          </c:extLst>
-        </c:ser>
-        <c:dLbls>
-          <c:showLegendKey val="0"/>
-          <c:showVal val="0"/>
-          <c:showCatName val="0"/>
-          <c:showSerName val="0"/>
-          <c:showPercent val="0"/>
-          <c:showBubbleSize val="0"/>
-          <c:showLeaderLines val="1"/>
-        </c:dLbls>
-        <c:firstSliceAng val="0"/>
-        <c:holeSize val="75"/>
-      </c:doughnutChart>
-      <c:spPr>
-        <a:noFill/>
-        <a:ln w="25400">
-          <a:noFill/>
-        </a:ln>
-        <a:effectLst/>
-      </c:spPr>
-    </c:plotArea>
-    <c:legend>
-      <c:legendPos val="b"/>
-      <c:layout/>
-      <c:overlay val="0"/>
-      <c:spPr>
-        <a:noFill/>
-        <a:ln>
-          <a:noFill/>
-        </a:ln>
-        <a:effectLst/>
-      </c:spPr>
-      <c:txPr>
-        <a:bodyPr rot="0" spcFirstLastPara="1" vertOverflow="ellipsis" vert="horz" wrap="square" anchor="ctr" anchorCtr="1"/>
-        <a:lstStyle/>
-        <a:p>
-          <a:pPr>
-            <a:defRPr sz="1197" b="0" i="0" u="none" strike="noStrike" kern="1200" baseline="0">
-              <a:solidFill>
-                <a:schemeClr val="tx1">
-                  <a:lumMod val="65000"/>
-                  <a:lumOff val="35000"/>
-                </a:schemeClr>
-              </a:solidFill>
-              <a:latin typeface="+mn-lt"/>
-              <a:ea typeface="+mn-ea"/>
-              <a:cs typeface="+mn-cs"/>
-            </a:defRPr>
-          </a:pPr>
-          <a:endParaRPr lang="pt-BR"/>
-        </a:p>
-      </c:txPr>
-    </c:legend>
-    <c:plotVisOnly val="1"/>
-    <c:dispBlanksAs val="gap"/>
-    <c:showDLblsOverMax val="0"/>
-  </c:chart>
-  <c:spPr>
-    <a:noFill/>
-    <a:ln>
-      <a:noFill/>
-    </a:ln>
-    <a:effectLst/>
-  </c:spPr>
-  <c:txPr>
-    <a:bodyPr/>
-    <a:lstStyle/>
-    <a:p>
-      <a:pPr>
-        <a:defRPr/>
-      </a:pPr>
-      <a:endParaRPr lang="pt-BR"/>
-    </a:p>
-  </c:txPr>
-  <c:externalData r:id="rId3">
-    <c:autoUpdate val="0"/>
-  </c:externalData>
-  <c:userShapes r:id="rId4"/>
-</c:chartSpace>
-</file>
-
-<file path=ppt/charts/chart17.xml><?xml version="1.0" encoding="utf-8"?>
-<c:chartSpace xmlns:c="http://schemas.openxmlformats.org/drawingml/2006/chart" xmlns:a="http://schemas.openxmlformats.org/drawingml/2006/main" xmlns:r="http://schemas.openxmlformats.org/officeDocument/2006/relationships" xmlns:c16r2="http://schemas.microsoft.com/office/drawing/2015/06/chart">
-  <c:date1904 val="0"/>
-  <c:lang val="pt-BR"/>
-  <c:roundedCorners val="0"/>
-  <mc:AlternateContent xmlns:mc="http://schemas.openxmlformats.org/markup-compatibility/2006">
-    <mc:Choice xmlns:c14="http://schemas.microsoft.com/office/drawing/2007/8/2/chart" Requires="c14">
-      <c14:style val="102"/>
-    </mc:Choice>
-    <mc:Fallback>
-      <c:style val="2"/>
-    </mc:Fallback>
-  </mc:AlternateContent>
-  <c:chart>
-    <c:autoTitleDeleted val="1"/>
-    <c:plotArea>
-      <c:layout>
-        <c:manualLayout>
-          <c:layoutTarget val="inner"/>
-          <c:xMode val="edge"/>
-          <c:yMode val="edge"/>
-          <c:x val="0.12557906271783148"/>
-          <c:y val="0.10272408226613029"/>
-          <c:w val="0.82085691696694985"/>
-          <c:h val="0.46284721114902572"/>
-        </c:manualLayout>
-      </c:layout>
-      <c:barChart>
-        <c:barDir val="col"/>
-        <c:grouping val="clustered"/>
-        <c:varyColors val="0"/>
-        <c:ser>
-          <c:idx val="0"/>
-          <c:order val="0"/>
-          <c:tx>
-            <c:strRef>
-              <c:f>Planilha1!$B$1</c:f>
-              <c:strCache>
-                <c:ptCount val="1"/>
-                <c:pt idx="0">
-                  <c:v>Série 1</c:v>
-                </c:pt>
-              </c:strCache>
-            </c:strRef>
-          </c:tx>
-          <c:spPr>
-            <a:solidFill>
-              <a:schemeClr val="accent1"/>
-            </a:solidFill>
-            <a:ln>
-              <a:noFill/>
-            </a:ln>
-            <a:effectLst/>
-          </c:spPr>
-          <c:invertIfNegative val="0"/>
-          <c:cat>
-            <c:strRef>
-              <c:f>Planilha1!$A$2:$A$5</c:f>
-              <c:strCache>
-                <c:ptCount val="4"/>
-                <c:pt idx="0">
-                  <c:v>Categoria 1</c:v>
-                </c:pt>
-                <c:pt idx="1">
-                  <c:v>Categoria 2</c:v>
-                </c:pt>
-                <c:pt idx="2">
-                  <c:v>Categoria 3</c:v>
-                </c:pt>
-                <c:pt idx="3">
-                  <c:v>Categoria 4</c:v>
-                </c:pt>
-              </c:strCache>
-            </c:strRef>
-          </c:cat>
-          <c:val>
-            <c:numRef>
-              <c:f>Planilha1!$B$2:$B$5</c:f>
-              <c:numCache>
-                <c:formatCode>General</c:formatCode>
-                <c:ptCount val="4"/>
-                <c:pt idx="0">
-                  <c:v>4.3</c:v>
-                </c:pt>
-                <c:pt idx="1">
-                  <c:v>2.5</c:v>
-                </c:pt>
-                <c:pt idx="2">
-                  <c:v>3.5</c:v>
-                </c:pt>
-                <c:pt idx="3">
-                  <c:v>4.5</c:v>
-                </c:pt>
-              </c:numCache>
-            </c:numRef>
-          </c:val>
-          <c:extLst>
-            <c:ext xmlns:c16="http://schemas.microsoft.com/office/drawing/2014/chart" uri="{C3380CC4-5D6E-409C-BE32-E72D297353CC}">
-              <c16:uniqueId val="{00000000-B7D7-464D-BC66-215B35935E4D}"/>
-            </c:ext>
-          </c:extLst>
-        </c:ser>
-        <c:ser>
-          <c:idx val="1"/>
-          <c:order val="1"/>
-          <c:tx>
-            <c:strRef>
-              <c:f>Planilha1!$C$1</c:f>
-              <c:strCache>
-                <c:ptCount val="1"/>
-                <c:pt idx="0">
-                  <c:v>Série 2</c:v>
-                </c:pt>
-              </c:strCache>
-            </c:strRef>
-          </c:tx>
-          <c:spPr>
-            <a:solidFill>
-              <a:schemeClr val="accent2"/>
-            </a:solidFill>
-            <a:ln>
-              <a:noFill/>
-            </a:ln>
-            <a:effectLst/>
-          </c:spPr>
-          <c:invertIfNegative val="0"/>
-          <c:cat>
-            <c:strRef>
-              <c:f>Planilha1!$A$2:$A$5</c:f>
-              <c:strCache>
-                <c:ptCount val="4"/>
-                <c:pt idx="0">
-                  <c:v>Categoria 1</c:v>
-                </c:pt>
-                <c:pt idx="1">
-                  <c:v>Categoria 2</c:v>
-                </c:pt>
-                <c:pt idx="2">
-                  <c:v>Categoria 3</c:v>
-                </c:pt>
-                <c:pt idx="3">
-                  <c:v>Categoria 4</c:v>
-                </c:pt>
-              </c:strCache>
-            </c:strRef>
-          </c:cat>
-          <c:val>
-            <c:numRef>
-              <c:f>Planilha1!$C$2:$C$5</c:f>
-              <c:numCache>
-                <c:formatCode>General</c:formatCode>
-                <c:ptCount val="4"/>
-                <c:pt idx="0">
-                  <c:v>2.4</c:v>
-                </c:pt>
-                <c:pt idx="1">
-                  <c:v>4.4000000000000004</c:v>
-                </c:pt>
-                <c:pt idx="2">
-                  <c:v>1.8</c:v>
-                </c:pt>
-                <c:pt idx="3">
-                  <c:v>2.8</c:v>
-                </c:pt>
-              </c:numCache>
-            </c:numRef>
-          </c:val>
-          <c:extLst>
-            <c:ext xmlns:c16="http://schemas.microsoft.com/office/drawing/2014/chart" uri="{C3380CC4-5D6E-409C-BE32-E72D297353CC}">
-              <c16:uniqueId val="{00000001-B7D7-464D-BC66-215B35935E4D}"/>
-            </c:ext>
-          </c:extLst>
-        </c:ser>
-        <c:ser>
-          <c:idx val="2"/>
-          <c:order val="2"/>
-          <c:tx>
-            <c:strRef>
-              <c:f>Planilha1!$D$1</c:f>
-              <c:strCache>
-                <c:ptCount val="1"/>
-                <c:pt idx="0">
-                  <c:v>Série 3</c:v>
-                </c:pt>
-              </c:strCache>
-            </c:strRef>
-          </c:tx>
-          <c:spPr>
-            <a:solidFill>
-              <a:schemeClr val="accent3"/>
-            </a:solidFill>
-            <a:ln>
-              <a:noFill/>
-            </a:ln>
-            <a:effectLst/>
-          </c:spPr>
-          <c:invertIfNegative val="0"/>
-          <c:cat>
-            <c:strRef>
-              <c:f>Planilha1!$A$2:$A$5</c:f>
-              <c:strCache>
-                <c:ptCount val="4"/>
-                <c:pt idx="0">
-                  <c:v>Categoria 1</c:v>
-                </c:pt>
-                <c:pt idx="1">
-                  <c:v>Categoria 2</c:v>
-                </c:pt>
-                <c:pt idx="2">
-                  <c:v>Categoria 3</c:v>
-                </c:pt>
-                <c:pt idx="3">
-                  <c:v>Categoria 4</c:v>
-                </c:pt>
-              </c:strCache>
-            </c:strRef>
-          </c:cat>
-          <c:val>
-            <c:numRef>
-              <c:f>Planilha1!$D$2:$D$5</c:f>
-              <c:numCache>
-                <c:formatCode>General</c:formatCode>
-                <c:ptCount val="4"/>
-                <c:pt idx="0">
-                  <c:v>2</c:v>
-                </c:pt>
-                <c:pt idx="1">
-                  <c:v>2</c:v>
-                </c:pt>
-                <c:pt idx="2">
-                  <c:v>3</c:v>
-                </c:pt>
-                <c:pt idx="3">
-                  <c:v>5</c:v>
-                </c:pt>
-              </c:numCache>
-            </c:numRef>
-          </c:val>
-          <c:extLst>
-            <c:ext xmlns:c16="http://schemas.microsoft.com/office/drawing/2014/chart" uri="{C3380CC4-5D6E-409C-BE32-E72D297353CC}">
-              <c16:uniqueId val="{00000002-B7D7-464D-BC66-215B35935E4D}"/>
-            </c:ext>
-          </c:extLst>
-        </c:ser>
-        <c:dLbls>
-          <c:showLegendKey val="0"/>
-          <c:showVal val="0"/>
-          <c:showCatName val="0"/>
-          <c:showSerName val="0"/>
-          <c:showPercent val="0"/>
-          <c:showBubbleSize val="0"/>
-        </c:dLbls>
-        <c:gapWidth val="219"/>
-        <c:overlap val="-27"/>
-        <c:axId val="875850992"/>
-        <c:axId val="875856400"/>
-      </c:barChart>
-      <c:catAx>
-        <c:axId val="875850992"/>
-        <c:scaling>
-          <c:orientation val="minMax"/>
-        </c:scaling>
-        <c:delete val="0"/>
-        <c:axPos val="b"/>
-        <c:numFmt formatCode="General" sourceLinked="1"/>
-        <c:majorTickMark val="none"/>
-        <c:minorTickMark val="none"/>
-        <c:tickLblPos val="nextTo"/>
-        <c:spPr>
-          <a:noFill/>
-          <a:ln w="9525" cap="flat" cmpd="sng" algn="ctr">
-            <a:solidFill>
-              <a:schemeClr val="tx1">
-                <a:lumMod val="15000"/>
-                <a:lumOff val="85000"/>
-              </a:schemeClr>
-            </a:solidFill>
-            <a:round/>
-          </a:ln>
-          <a:effectLst/>
-        </c:spPr>
-        <c:txPr>
-          <a:bodyPr rot="-60000000" spcFirstLastPara="1" vertOverflow="ellipsis" vert="horz" wrap="square" anchor="ctr" anchorCtr="1"/>
-          <a:lstStyle/>
-          <a:p>
-            <a:pPr>
-              <a:defRPr sz="1197" b="0" i="0" u="none" strike="noStrike" kern="1200" baseline="0">
-                <a:solidFill>
-                  <a:schemeClr val="tx1">
-                    <a:lumMod val="65000"/>
-                    <a:lumOff val="35000"/>
-                  </a:schemeClr>
-                </a:solidFill>
-                <a:latin typeface="+mn-lt"/>
-                <a:ea typeface="+mn-ea"/>
-                <a:cs typeface="+mn-cs"/>
-              </a:defRPr>
-            </a:pPr>
-            <a:endParaRPr lang="pt-BR"/>
-          </a:p>
-        </c:txPr>
-        <c:crossAx val="875856400"/>
-        <c:crosses val="autoZero"/>
-        <c:auto val="1"/>
-        <c:lblAlgn val="ctr"/>
-        <c:lblOffset val="100"/>
-        <c:noMultiLvlLbl val="0"/>
-      </c:catAx>
-      <c:valAx>
-        <c:axId val="875856400"/>
-        <c:scaling>
-          <c:orientation val="minMax"/>
-        </c:scaling>
-        <c:delete val="0"/>
-        <c:axPos val="l"/>
-        <c:majorGridlines>
-          <c:spPr>
-            <a:ln w="9525" cap="flat" cmpd="sng" algn="ctr">
-              <a:solidFill>
-                <a:schemeClr val="tx1">
-                  <a:lumMod val="15000"/>
-                  <a:lumOff val="85000"/>
-                </a:schemeClr>
-              </a:solidFill>
-              <a:round/>
-            </a:ln>
-            <a:effectLst/>
-          </c:spPr>
-        </c:majorGridlines>
-        <c:numFmt formatCode="General" sourceLinked="1"/>
-        <c:majorTickMark val="none"/>
-        <c:minorTickMark val="none"/>
-        <c:tickLblPos val="nextTo"/>
-        <c:spPr>
-          <a:noFill/>
-          <a:ln>
-            <a:noFill/>
-          </a:ln>
-          <a:effectLst/>
-        </c:spPr>
-        <c:txPr>
-          <a:bodyPr rot="-60000000" spcFirstLastPara="1" vertOverflow="ellipsis" vert="horz" wrap="square" anchor="ctr" anchorCtr="1"/>
-          <a:lstStyle/>
-          <a:p>
-            <a:pPr>
-              <a:defRPr sz="1197" b="0" i="0" u="none" strike="noStrike" kern="1200" baseline="0">
-                <a:solidFill>
-                  <a:schemeClr val="tx1">
-                    <a:lumMod val="65000"/>
-                    <a:lumOff val="35000"/>
-                  </a:schemeClr>
-                </a:solidFill>
-                <a:latin typeface="+mn-lt"/>
-                <a:ea typeface="+mn-ea"/>
-                <a:cs typeface="+mn-cs"/>
-              </a:defRPr>
-            </a:pPr>
-            <a:endParaRPr lang="pt-BR"/>
-          </a:p>
-        </c:txPr>
-        <c:crossAx val="875850992"/>
-        <c:crosses val="autoZero"/>
-        <c:crossBetween val="between"/>
-      </c:valAx>
-      <c:spPr>
-        <a:noFill/>
-        <a:ln>
-          <a:noFill/>
-        </a:ln>
-        <a:effectLst/>
-      </c:spPr>
-    </c:plotArea>
-    <c:legend>
-      <c:legendPos val="b"/>
-      <c:layout/>
-      <c:overlay val="0"/>
-      <c:spPr>
-        <a:noFill/>
-        <a:ln>
-          <a:noFill/>
-        </a:ln>
-        <a:effectLst/>
-      </c:spPr>
-      <c:txPr>
-        <a:bodyPr rot="0" spcFirstLastPara="1" vertOverflow="ellipsis" vert="horz" wrap="square" anchor="ctr" anchorCtr="1"/>
-        <a:lstStyle/>
-        <a:p>
-          <a:pPr>
-            <a:defRPr sz="1197" b="0" i="0" u="none" strike="noStrike" kern="1200" baseline="0">
-              <a:solidFill>
-                <a:schemeClr val="tx1">
-                  <a:lumMod val="65000"/>
-                  <a:lumOff val="35000"/>
-                </a:schemeClr>
-              </a:solidFill>
-              <a:latin typeface="+mn-lt"/>
-              <a:ea typeface="+mn-ea"/>
-              <a:cs typeface="+mn-cs"/>
-            </a:defRPr>
-          </a:pPr>
-          <a:endParaRPr lang="pt-BR"/>
-        </a:p>
-      </c:txPr>
-    </c:legend>
-    <c:plotVisOnly val="1"/>
-    <c:dispBlanksAs val="gap"/>
-    <c:showDLblsOverMax val="0"/>
-  </c:chart>
-  <c:spPr>
-    <a:noFill/>
-    <a:ln>
-      <a:noFill/>
-    </a:ln>
-    <a:effectLst/>
-  </c:spPr>
-  <c:txPr>
-    <a:bodyPr/>
-    <a:lstStyle/>
-    <a:p>
-      <a:pPr>
-        <a:defRPr/>
-      </a:pPr>
-      <a:endParaRPr lang="pt-BR"/>
-    </a:p>
-  </c:txPr>
-  <c:externalData r:id="rId3">
-    <c:autoUpdate val="0"/>
-  </c:externalData>
-  <c:userShapes r:id="rId4"/>
 </c:chartSpace>
 </file>
 
@@ -6647,86 +5965,6 @@
 </cs:colorStyle>
 </file>
 
-<file path=ppt/charts/colors16.xml><?xml version="1.0" encoding="utf-8"?>
-<cs:colorStyle xmlns:cs="http://schemas.microsoft.com/office/drawing/2012/chartStyle" xmlns:a="http://schemas.openxmlformats.org/drawingml/2006/main" meth="cycle" id="10">
-  <a:schemeClr val="accent1"/>
-  <a:schemeClr val="accent2"/>
-  <a:schemeClr val="accent3"/>
-  <a:schemeClr val="accent4"/>
-  <a:schemeClr val="accent5"/>
-  <a:schemeClr val="accent6"/>
-  <cs:variation/>
-  <cs:variation>
-    <a:lumMod val="60000"/>
-  </cs:variation>
-  <cs:variation>
-    <a:lumMod val="80000"/>
-    <a:lumOff val="20000"/>
-  </cs:variation>
-  <cs:variation>
-    <a:lumMod val="80000"/>
-  </cs:variation>
-  <cs:variation>
-    <a:lumMod val="60000"/>
-    <a:lumOff val="40000"/>
-  </cs:variation>
-  <cs:variation>
-    <a:lumMod val="50000"/>
-  </cs:variation>
-  <cs:variation>
-    <a:lumMod val="70000"/>
-    <a:lumOff val="30000"/>
-  </cs:variation>
-  <cs:variation>
-    <a:lumMod val="70000"/>
-  </cs:variation>
-  <cs:variation>
-    <a:lumMod val="50000"/>
-    <a:lumOff val="50000"/>
-  </cs:variation>
-</cs:colorStyle>
-</file>
-
-<file path=ppt/charts/colors17.xml><?xml version="1.0" encoding="utf-8"?>
-<cs:colorStyle xmlns:cs="http://schemas.microsoft.com/office/drawing/2012/chartStyle" xmlns:a="http://schemas.openxmlformats.org/drawingml/2006/main" meth="cycle" id="10">
-  <a:schemeClr val="accent1"/>
-  <a:schemeClr val="accent2"/>
-  <a:schemeClr val="accent3"/>
-  <a:schemeClr val="accent4"/>
-  <a:schemeClr val="accent5"/>
-  <a:schemeClr val="accent6"/>
-  <cs:variation/>
-  <cs:variation>
-    <a:lumMod val="60000"/>
-  </cs:variation>
-  <cs:variation>
-    <a:lumMod val="80000"/>
-    <a:lumOff val="20000"/>
-  </cs:variation>
-  <cs:variation>
-    <a:lumMod val="80000"/>
-  </cs:variation>
-  <cs:variation>
-    <a:lumMod val="60000"/>
-    <a:lumOff val="40000"/>
-  </cs:variation>
-  <cs:variation>
-    <a:lumMod val="50000"/>
-  </cs:variation>
-  <cs:variation>
-    <a:lumMod val="70000"/>
-    <a:lumOff val="30000"/>
-  </cs:variation>
-  <cs:variation>
-    <a:lumMod val="70000"/>
-  </cs:variation>
-  <cs:variation>
-    <a:lumMod val="50000"/>
-    <a:lumOff val="50000"/>
-  </cs:variation>
-</cs:colorStyle>
-</file>
-
 <file path=ppt/charts/colors2.xml><?xml version="1.0" encoding="utf-8"?>
 <cs:colorStyle xmlns:cs="http://schemas.microsoft.com/office/drawing/2012/chartStyle" xmlns:a="http://schemas.openxmlformats.org/drawingml/2006/main" meth="cycle" id="10">
   <a:schemeClr val="accent1"/>
@@ -10627,7 +9865,7 @@
 </cs:chartStyle>
 </file>
 
-<file path=ppt/charts/style16.xml><?xml version="1.0" encoding="utf-8"?>
+<file path=ppt/charts/style2.xml><?xml version="1.0" encoding="utf-8"?>
 <cs:chartStyle xmlns:cs="http://schemas.microsoft.com/office/drawing/2012/chartStyle" xmlns:a="http://schemas.openxmlformats.org/drawingml/2006/main" id="251">
   <cs:axisTitle>
     <cs:lnRef idx="0"/>
@@ -11146,8 +10384,8 @@
 </cs:chartStyle>
 </file>
 
-<file path=ppt/charts/style17.xml><?xml version="1.0" encoding="utf-8"?>
-<cs:chartStyle xmlns:cs="http://schemas.microsoft.com/office/drawing/2012/chartStyle" xmlns:a="http://schemas.openxmlformats.org/drawingml/2006/main" id="201">
+<file path=ppt/charts/style3.xml><?xml version="1.0" encoding="utf-8"?>
+<cs:chartStyle xmlns:cs="http://schemas.microsoft.com/office/drawing/2012/chartStyle" xmlns:a="http://schemas.openxmlformats.org/drawingml/2006/main" id="216">
   <cs:axisTitle>
     <cs:lnRef idx="0"/>
     <cs:fillRef idx="0"/>
@@ -11351,22 +10589,23 @@
     <cs:fillRef idx="0"/>
     <cs:effectRef idx="0"/>
     <cs:fontRef idx="minor">
-      <a:schemeClr val="dk1"/>
+      <a:schemeClr val="tx1"/>
     </cs:fontRef>
     <cs:spPr>
       <a:solidFill>
         <a:schemeClr val="dk1">
-          <a:lumMod val="65000"/>
-          <a:lumOff val="35000"/>
+          <a:lumMod val="75000"/>
+          <a:lumOff val="25000"/>
         </a:schemeClr>
       </a:solidFill>
-      <a:ln w="9525">
+      <a:ln w="9525" cap="flat" cmpd="sng" algn="ctr">
         <a:solidFill>
           <a:schemeClr val="tx1">
             <a:lumMod val="65000"/>
             <a:lumOff val="35000"/>
           </a:schemeClr>
         </a:solidFill>
+        <a:round/>
       </a:ln>
     </cs:spPr>
   </cs:downBar>
@@ -11471,8 +10710,8 @@
       <a:ln w="9525" cap="flat" cmpd="sng" algn="ctr">
         <a:solidFill>
           <a:schemeClr val="tx1">
-            <a:lumMod val="75000"/>
-            <a:lumOff val="25000"/>
+            <a:lumMod val="50000"/>
+            <a:lumOff val="50000"/>
           </a:schemeClr>
         </a:solidFill>
         <a:round/>
@@ -11604,19 +10843,20 @@
     <cs:fillRef idx="0"/>
     <cs:effectRef idx="0"/>
     <cs:fontRef idx="minor">
-      <a:schemeClr val="dk1"/>
+      <a:schemeClr val="tx1"/>
     </cs:fontRef>
     <cs:spPr>
       <a:solidFill>
         <a:schemeClr val="lt1"/>
       </a:solidFill>
-      <a:ln w="9525">
+      <a:ln w="9525" cap="flat" cmpd="sng" algn="ctr">
         <a:solidFill>
           <a:schemeClr val="tx1">
-            <a:lumMod val="15000"/>
-            <a:lumOff val="85000"/>
+            <a:lumMod val="65000"/>
+            <a:lumOff val="35000"/>
           </a:schemeClr>
         </a:solidFill>
+        <a:round/>
       </a:ln>
     </cs:spPr>
   </cs:upBar>
@@ -11649,7 +10889,7 @@
 </cs:chartStyle>
 </file>
 
-<file path=ppt/charts/style2.xml><?xml version="1.0" encoding="utf-8"?>
+<file path=ppt/charts/style4.xml><?xml version="1.0" encoding="utf-8"?>
 <cs:chartStyle xmlns:cs="http://schemas.microsoft.com/office/drawing/2012/chartStyle" xmlns:a="http://schemas.openxmlformats.org/drawingml/2006/main" id="251">
   <cs:axisTitle>
     <cs:lnRef idx="0"/>
@@ -12168,8 +11408,8 @@
 </cs:chartStyle>
 </file>
 
-<file path=ppt/charts/style3.xml><?xml version="1.0" encoding="utf-8"?>
-<cs:chartStyle xmlns:cs="http://schemas.microsoft.com/office/drawing/2012/chartStyle" xmlns:a="http://schemas.openxmlformats.org/drawingml/2006/main" id="216">
+<file path=ppt/charts/style5.xml><?xml version="1.0" encoding="utf-8"?>
+<cs:chartStyle xmlns:cs="http://schemas.microsoft.com/office/drawing/2012/chartStyle" xmlns:a="http://schemas.openxmlformats.org/drawingml/2006/main" id="251">
   <cs:axisTitle>
     <cs:lnRef idx="0"/>
     <cs:fillRef idx="0"/>
@@ -12226,7 +11466,7 @@
         <a:round/>
       </a:ln>
     </cs:spPr>
-    <cs:defRPr sz="1330" kern="1200"/>
+    <cs:defRPr sz="1197" kern="1200"/>
   </cs:chartArea>
   <cs:dataLabel>
     <cs:lnRef idx="0"/>
@@ -12277,6 +11517,13 @@
     <cs:fontRef idx="minor">
       <a:schemeClr val="tx1"/>
     </cs:fontRef>
+    <cs:spPr>
+      <a:ln w="19050">
+        <a:solidFill>
+          <a:schemeClr val="lt1"/>
+        </a:solidFill>
+      </a:ln>
+    </cs:spPr>
   </cs:dataPoint>
   <cs:dataPoint3D>
     <cs:lnRef idx="0"/>
@@ -12287,12 +11534,19 @@
     <cs:fontRef idx="minor">
       <a:schemeClr val="tx1"/>
     </cs:fontRef>
+    <cs:spPr>
+      <a:ln w="25400">
+        <a:solidFill>
+          <a:schemeClr val="lt1"/>
+        </a:solidFill>
+      </a:ln>
+    </cs:spPr>
   </cs:dataPoint3D>
   <cs:dataPointLine>
     <cs:lnRef idx="0">
       <cs:styleClr val="auto"/>
     </cs:lnRef>
-    <cs:fillRef idx="1"/>
+    <cs:fillRef idx="0"/>
     <cs:effectRef idx="0"/>
     <cs:fontRef idx="minor">
       <a:schemeClr val="tx1"/>
@@ -12330,7 +11584,7 @@
     <cs:lnRef idx="0">
       <cs:styleClr val="auto"/>
     </cs:lnRef>
-    <cs:fillRef idx="1"/>
+    <cs:fillRef idx="0"/>
     <cs:effectRef idx="0"/>
     <cs:fontRef idx="minor">
       <a:schemeClr val="tx1"/>
@@ -12673,8 +11927,8 @@
 </cs:chartStyle>
 </file>
 
-<file path=ppt/charts/style4.xml><?xml version="1.0" encoding="utf-8"?>
-<cs:chartStyle xmlns:cs="http://schemas.microsoft.com/office/drawing/2012/chartStyle" xmlns:a="http://schemas.openxmlformats.org/drawingml/2006/main" id="251">
+<file path=ppt/charts/style6.xml><?xml version="1.0" encoding="utf-8"?>
+<cs:chartStyle xmlns:cs="http://schemas.microsoft.com/office/drawing/2012/chartStyle" xmlns:a="http://schemas.openxmlformats.org/drawingml/2006/main" id="227">
   <cs:axisTitle>
     <cs:lnRef idx="0"/>
     <cs:fillRef idx="0"/>
@@ -12731,7 +11985,7 @@
         <a:round/>
       </a:ln>
     </cs:spPr>
-    <cs:defRPr sz="1197" kern="1200"/>
+    <cs:defRPr sz="1330" kern="1200"/>
   </cs:chartArea>
   <cs:dataLabel>
     <cs:lnRef idx="0"/>
@@ -12783,11 +12037,9 @@
       <a:schemeClr val="tx1"/>
     </cs:fontRef>
     <cs:spPr>
-      <a:ln w="19050">
-        <a:solidFill>
-          <a:schemeClr val="lt1"/>
-        </a:solidFill>
-      </a:ln>
+      <a:solidFill>
+        <a:schemeClr val="phClr"/>
+      </a:solidFill>
     </cs:spPr>
   </cs:dataPoint>
   <cs:dataPoint3D>
@@ -12800,18 +12052,16 @@
       <a:schemeClr val="tx1"/>
     </cs:fontRef>
     <cs:spPr>
-      <a:ln w="25400">
-        <a:solidFill>
-          <a:schemeClr val="lt1"/>
-        </a:solidFill>
-      </a:ln>
+      <a:solidFill>
+        <a:schemeClr val="phClr"/>
+      </a:solidFill>
     </cs:spPr>
   </cs:dataPoint3D>
   <cs:dataPointLine>
     <cs:lnRef idx="0">
       <cs:styleClr val="auto"/>
     </cs:lnRef>
-    <cs:fillRef idx="0"/>
+    <cs:fillRef idx="1"/>
     <cs:effectRef idx="0"/>
     <cs:fontRef idx="minor">
       <a:schemeClr val="tx1"/>
@@ -12837,6 +12087,9 @@
       <a:schemeClr val="tx1"/>
     </cs:fontRef>
     <cs:spPr>
+      <a:solidFill>
+        <a:schemeClr val="phClr"/>
+      </a:solidFill>
       <a:ln w="9525">
         <a:solidFill>
           <a:schemeClr val="phClr"/>
@@ -12849,7 +12102,7 @@
     <cs:lnRef idx="0">
       <cs:styleClr val="auto"/>
     </cs:lnRef>
-    <cs:fillRef idx="0"/>
+    <cs:fillRef idx="1"/>
     <cs:effectRef idx="0"/>
     <cs:fontRef idx="minor">
       <a:schemeClr val="tx1"/>
@@ -12892,23 +12145,22 @@
     <cs:fillRef idx="0"/>
     <cs:effectRef idx="0"/>
     <cs:fontRef idx="minor">
-      <a:schemeClr val="tx1"/>
+      <a:schemeClr val="dk1"/>
     </cs:fontRef>
     <cs:spPr>
       <a:solidFill>
         <a:schemeClr val="dk1">
-          <a:lumMod val="75000"/>
-          <a:lumOff val="25000"/>
+          <a:lumMod val="65000"/>
+          <a:lumOff val="35000"/>
         </a:schemeClr>
       </a:solidFill>
-      <a:ln w="9525" cap="flat" cmpd="sng" algn="ctr">
+      <a:ln w="9525">
         <a:solidFill>
           <a:schemeClr val="tx1">
             <a:lumMod val="65000"/>
             <a:lumOff val="35000"/>
           </a:schemeClr>
         </a:solidFill>
-        <a:round/>
       </a:ln>
     </cs:spPr>
   </cs:downBar>
@@ -13013,8 +12265,8 @@
       <a:ln w="9525" cap="flat" cmpd="sng" algn="ctr">
         <a:solidFill>
           <a:schemeClr val="tx1">
-            <a:lumMod val="50000"/>
-            <a:lumOff val="50000"/>
+            <a:lumMod val="75000"/>
+            <a:lumOff val="25000"/>
           </a:schemeClr>
         </a:solidFill>
         <a:round/>
@@ -13146,20 +12398,19 @@
     <cs:fillRef idx="0"/>
     <cs:effectRef idx="0"/>
     <cs:fontRef idx="minor">
-      <a:schemeClr val="tx1"/>
+      <a:schemeClr val="dk1"/>
     </cs:fontRef>
     <cs:spPr>
       <a:solidFill>
         <a:schemeClr val="lt1"/>
       </a:solidFill>
-      <a:ln w="9525" cap="flat" cmpd="sng" algn="ctr">
+      <a:ln w="9525">
         <a:solidFill>
           <a:schemeClr val="tx1">
-            <a:lumMod val="65000"/>
-            <a:lumOff val="35000"/>
+            <a:lumMod val="15000"/>
+            <a:lumOff val="85000"/>
           </a:schemeClr>
         </a:solidFill>
-        <a:round/>
       </a:ln>
     </cs:spPr>
   </cs:upBar>
@@ -13192,7 +12443,7 @@
 </cs:chartStyle>
 </file>
 
-<file path=ppt/charts/style5.xml><?xml version="1.0" encoding="utf-8"?>
+<file path=ppt/charts/style7.xml><?xml version="1.0" encoding="utf-8"?>
 <cs:chartStyle xmlns:cs="http://schemas.microsoft.com/office/drawing/2012/chartStyle" xmlns:a="http://schemas.openxmlformats.org/drawingml/2006/main" id="251">
   <cs:axisTitle>
     <cs:lnRef idx="0"/>
@@ -13711,8 +12962,8 @@
 </cs:chartStyle>
 </file>
 
-<file path=ppt/charts/style6.xml><?xml version="1.0" encoding="utf-8"?>
-<cs:chartStyle xmlns:cs="http://schemas.microsoft.com/office/drawing/2012/chartStyle" xmlns:a="http://schemas.openxmlformats.org/drawingml/2006/main" id="227">
+<file path=ppt/charts/style8.xml><?xml version="1.0" encoding="utf-8"?>
+<cs:chartStyle xmlns:cs="http://schemas.microsoft.com/office/drawing/2012/chartStyle" xmlns:a="http://schemas.openxmlformats.org/drawingml/2006/main" id="251">
   <cs:axisTitle>
     <cs:lnRef idx="0"/>
     <cs:fillRef idx="0"/>
@@ -13769,7 +13020,7 @@
         <a:round/>
       </a:ln>
     </cs:spPr>
-    <cs:defRPr sz="1330" kern="1200"/>
+    <cs:defRPr sz="1197" kern="1200"/>
   </cs:chartArea>
   <cs:dataLabel>
     <cs:lnRef idx="0"/>
@@ -13821,9 +13072,11 @@
       <a:schemeClr val="tx1"/>
     </cs:fontRef>
     <cs:spPr>
-      <a:solidFill>
-        <a:schemeClr val="phClr"/>
-      </a:solidFill>
+      <a:ln w="19050">
+        <a:solidFill>
+          <a:schemeClr val="lt1"/>
+        </a:solidFill>
+      </a:ln>
     </cs:spPr>
   </cs:dataPoint>
   <cs:dataPoint3D>
@@ -13836,16 +13089,18 @@
       <a:schemeClr val="tx1"/>
     </cs:fontRef>
     <cs:spPr>
-      <a:solidFill>
-        <a:schemeClr val="phClr"/>
-      </a:solidFill>
+      <a:ln w="25400">
+        <a:solidFill>
+          <a:schemeClr val="lt1"/>
+        </a:solidFill>
+      </a:ln>
     </cs:spPr>
   </cs:dataPoint3D>
   <cs:dataPointLine>
     <cs:lnRef idx="0">
       <cs:styleClr val="auto"/>
     </cs:lnRef>
-    <cs:fillRef idx="1"/>
+    <cs:fillRef idx="0"/>
     <cs:effectRef idx="0"/>
     <cs:fontRef idx="minor">
       <a:schemeClr val="tx1"/>
@@ -13871,9 +13126,6 @@
       <a:schemeClr val="tx1"/>
     </cs:fontRef>
     <cs:spPr>
-      <a:solidFill>
-        <a:schemeClr val="phClr"/>
-      </a:solidFill>
       <a:ln w="9525">
         <a:solidFill>
           <a:schemeClr val="phClr"/>
@@ -13886,7 +13138,7 @@
     <cs:lnRef idx="0">
       <cs:styleClr val="auto"/>
     </cs:lnRef>
-    <cs:fillRef idx="1"/>
+    <cs:fillRef idx="0"/>
     <cs:effectRef idx="0"/>
     <cs:fontRef idx="minor">
       <a:schemeClr val="tx1"/>
@@ -13929,22 +13181,23 @@
     <cs:fillRef idx="0"/>
     <cs:effectRef idx="0"/>
     <cs:fontRef idx="minor">
-      <a:schemeClr val="dk1"/>
+      <a:schemeClr val="tx1"/>
     </cs:fontRef>
     <cs:spPr>
       <a:solidFill>
         <a:schemeClr val="dk1">
-          <a:lumMod val="65000"/>
-          <a:lumOff val="35000"/>
+          <a:lumMod val="75000"/>
+          <a:lumOff val="25000"/>
         </a:schemeClr>
       </a:solidFill>
-      <a:ln w="9525">
+      <a:ln w="9525" cap="flat" cmpd="sng" algn="ctr">
         <a:solidFill>
           <a:schemeClr val="tx1">
             <a:lumMod val="65000"/>
             <a:lumOff val="35000"/>
           </a:schemeClr>
         </a:solidFill>
+        <a:round/>
       </a:ln>
     </cs:spPr>
   </cs:downBar>
@@ -14049,8 +13302,8 @@
       <a:ln w="9525" cap="flat" cmpd="sng" algn="ctr">
         <a:solidFill>
           <a:schemeClr val="tx1">
-            <a:lumMod val="75000"/>
-            <a:lumOff val="25000"/>
+            <a:lumMod val="50000"/>
+            <a:lumOff val="50000"/>
           </a:schemeClr>
         </a:solidFill>
         <a:round/>
@@ -14182,19 +13435,20 @@
     <cs:fillRef idx="0"/>
     <cs:effectRef idx="0"/>
     <cs:fontRef idx="minor">
-      <a:schemeClr val="dk1"/>
+      <a:schemeClr val="tx1"/>
     </cs:fontRef>
     <cs:spPr>
       <a:solidFill>
         <a:schemeClr val="lt1"/>
       </a:solidFill>
-      <a:ln w="9525">
+      <a:ln w="9525" cap="flat" cmpd="sng" algn="ctr">
         <a:solidFill>
           <a:schemeClr val="tx1">
-            <a:lumMod val="15000"/>
-            <a:lumOff val="85000"/>
+            <a:lumMod val="65000"/>
+            <a:lumOff val="35000"/>
           </a:schemeClr>
         </a:solidFill>
+        <a:round/>
       </a:ln>
     </cs:spPr>
   </cs:upBar>
@@ -14227,7 +13481,7 @@
 </cs:chartStyle>
 </file>
 
-<file path=ppt/charts/style7.xml><?xml version="1.0" encoding="utf-8"?>
+<file path=ppt/charts/style9.xml><?xml version="1.0" encoding="utf-8"?>
 <cs:chartStyle xmlns:cs="http://schemas.microsoft.com/office/drawing/2012/chartStyle" xmlns:a="http://schemas.openxmlformats.org/drawingml/2006/main" id="251">
   <cs:axisTitle>
     <cs:lnRef idx="0"/>
@@ -14744,1218 +13998,6 @@
     </cs:spPr>
   </cs:wall>
 </cs:chartStyle>
-</file>
-
-<file path=ppt/charts/style8.xml><?xml version="1.0" encoding="utf-8"?>
-<cs:chartStyle xmlns:cs="http://schemas.microsoft.com/office/drawing/2012/chartStyle" xmlns:a="http://schemas.openxmlformats.org/drawingml/2006/main" id="251">
-  <cs:axisTitle>
-    <cs:lnRef idx="0"/>
-    <cs:fillRef idx="0"/>
-    <cs:effectRef idx="0"/>
-    <cs:fontRef idx="minor">
-      <a:schemeClr val="tx1">
-        <a:lumMod val="65000"/>
-        <a:lumOff val="35000"/>
-      </a:schemeClr>
-    </cs:fontRef>
-    <cs:defRPr sz="1330" kern="1200"/>
-  </cs:axisTitle>
-  <cs:categoryAxis>
-    <cs:lnRef idx="0"/>
-    <cs:fillRef idx="0"/>
-    <cs:effectRef idx="0"/>
-    <cs:fontRef idx="minor">
-      <a:schemeClr val="tx1">
-        <a:lumMod val="65000"/>
-        <a:lumOff val="35000"/>
-      </a:schemeClr>
-    </cs:fontRef>
-    <cs:spPr>
-      <a:ln w="9525" cap="flat" cmpd="sng" algn="ctr">
-        <a:solidFill>
-          <a:schemeClr val="tx1">
-            <a:lumMod val="15000"/>
-            <a:lumOff val="85000"/>
-          </a:schemeClr>
-        </a:solidFill>
-        <a:round/>
-      </a:ln>
-    </cs:spPr>
-    <cs:defRPr sz="1197" kern="1200"/>
-  </cs:categoryAxis>
-  <cs:chartArea mods="allowNoFillOverride allowNoLineOverride">
-    <cs:lnRef idx="0"/>
-    <cs:fillRef idx="0"/>
-    <cs:effectRef idx="0"/>
-    <cs:fontRef idx="minor">
-      <a:schemeClr val="tx1"/>
-    </cs:fontRef>
-    <cs:spPr>
-      <a:solidFill>
-        <a:schemeClr val="bg1"/>
-      </a:solidFill>
-      <a:ln w="9525" cap="flat" cmpd="sng" algn="ctr">
-        <a:solidFill>
-          <a:schemeClr val="tx1">
-            <a:lumMod val="15000"/>
-            <a:lumOff val="85000"/>
-          </a:schemeClr>
-        </a:solidFill>
-        <a:round/>
-      </a:ln>
-    </cs:spPr>
-    <cs:defRPr sz="1197" kern="1200"/>
-  </cs:chartArea>
-  <cs:dataLabel>
-    <cs:lnRef idx="0"/>
-    <cs:fillRef idx="0"/>
-    <cs:effectRef idx="0"/>
-    <cs:fontRef idx="minor">
-      <a:schemeClr val="tx1">
-        <a:lumMod val="75000"/>
-        <a:lumOff val="25000"/>
-      </a:schemeClr>
-    </cs:fontRef>
-    <cs:defRPr sz="1197" kern="1200"/>
-  </cs:dataLabel>
-  <cs:dataLabelCallout>
-    <cs:lnRef idx="0"/>
-    <cs:fillRef idx="0"/>
-    <cs:effectRef idx="0"/>
-    <cs:fontRef idx="minor">
-      <a:schemeClr val="dk1">
-        <a:lumMod val="65000"/>
-        <a:lumOff val="35000"/>
-      </a:schemeClr>
-    </cs:fontRef>
-    <cs:spPr>
-      <a:solidFill>
-        <a:schemeClr val="lt1"/>
-      </a:solidFill>
-      <a:ln>
-        <a:solidFill>
-          <a:schemeClr val="dk1">
-            <a:lumMod val="25000"/>
-            <a:lumOff val="75000"/>
-          </a:schemeClr>
-        </a:solidFill>
-      </a:ln>
-    </cs:spPr>
-    <cs:defRPr sz="1197" kern="1200"/>
-    <cs:bodyPr rot="0" spcFirstLastPara="1" vertOverflow="clip" horzOverflow="clip" vert="horz" wrap="square" lIns="36576" tIns="18288" rIns="36576" bIns="18288" anchor="ctr" anchorCtr="1">
-      <a:spAutoFit/>
-    </cs:bodyPr>
-  </cs:dataLabelCallout>
-  <cs:dataPoint>
-    <cs:lnRef idx="0"/>
-    <cs:fillRef idx="1">
-      <cs:styleClr val="auto"/>
-    </cs:fillRef>
-    <cs:effectRef idx="0"/>
-    <cs:fontRef idx="minor">
-      <a:schemeClr val="tx1"/>
-    </cs:fontRef>
-    <cs:spPr>
-      <a:ln w="19050">
-        <a:solidFill>
-          <a:schemeClr val="lt1"/>
-        </a:solidFill>
-      </a:ln>
-    </cs:spPr>
-  </cs:dataPoint>
-  <cs:dataPoint3D>
-    <cs:lnRef idx="0"/>
-    <cs:fillRef idx="1">
-      <cs:styleClr val="auto"/>
-    </cs:fillRef>
-    <cs:effectRef idx="0"/>
-    <cs:fontRef idx="minor">
-      <a:schemeClr val="tx1"/>
-    </cs:fontRef>
-    <cs:spPr>
-      <a:ln w="25400">
-        <a:solidFill>
-          <a:schemeClr val="lt1"/>
-        </a:solidFill>
-      </a:ln>
-    </cs:spPr>
-  </cs:dataPoint3D>
-  <cs:dataPointLine>
-    <cs:lnRef idx="0">
-      <cs:styleClr val="auto"/>
-    </cs:lnRef>
-    <cs:fillRef idx="0"/>
-    <cs:effectRef idx="0"/>
-    <cs:fontRef idx="minor">
-      <a:schemeClr val="tx1"/>
-    </cs:fontRef>
-    <cs:spPr>
-      <a:ln w="28575" cap="rnd">
-        <a:solidFill>
-          <a:schemeClr val="phClr"/>
-        </a:solidFill>
-        <a:round/>
-      </a:ln>
-    </cs:spPr>
-  </cs:dataPointLine>
-  <cs:dataPointMarker>
-    <cs:lnRef idx="0">
-      <cs:styleClr val="auto"/>
-    </cs:lnRef>
-    <cs:fillRef idx="1">
-      <cs:styleClr val="auto"/>
-    </cs:fillRef>
-    <cs:effectRef idx="0"/>
-    <cs:fontRef idx="minor">
-      <a:schemeClr val="tx1"/>
-    </cs:fontRef>
-    <cs:spPr>
-      <a:ln w="9525">
-        <a:solidFill>
-          <a:schemeClr val="phClr"/>
-        </a:solidFill>
-      </a:ln>
-    </cs:spPr>
-  </cs:dataPointMarker>
-  <cs:dataPointMarkerLayout symbol="circle" size="5"/>
-  <cs:dataPointWireframe>
-    <cs:lnRef idx="0">
-      <cs:styleClr val="auto"/>
-    </cs:lnRef>
-    <cs:fillRef idx="0"/>
-    <cs:effectRef idx="0"/>
-    <cs:fontRef idx="minor">
-      <a:schemeClr val="tx1"/>
-    </cs:fontRef>
-    <cs:spPr>
-      <a:ln w="9525" cap="rnd">
-        <a:solidFill>
-          <a:schemeClr val="phClr"/>
-        </a:solidFill>
-        <a:round/>
-      </a:ln>
-    </cs:spPr>
-  </cs:dataPointWireframe>
-  <cs:dataTable>
-    <cs:lnRef idx="0"/>
-    <cs:fillRef idx="0"/>
-    <cs:effectRef idx="0"/>
-    <cs:fontRef idx="minor">
-      <a:schemeClr val="tx1">
-        <a:lumMod val="65000"/>
-        <a:lumOff val="35000"/>
-      </a:schemeClr>
-    </cs:fontRef>
-    <cs:spPr>
-      <a:noFill/>
-      <a:ln w="9525" cap="flat" cmpd="sng" algn="ctr">
-        <a:solidFill>
-          <a:schemeClr val="tx1">
-            <a:lumMod val="15000"/>
-            <a:lumOff val="85000"/>
-          </a:schemeClr>
-        </a:solidFill>
-        <a:round/>
-      </a:ln>
-    </cs:spPr>
-    <cs:defRPr sz="1197" kern="1200"/>
-  </cs:dataTable>
-  <cs:downBar>
-    <cs:lnRef idx="0"/>
-    <cs:fillRef idx="0"/>
-    <cs:effectRef idx="0"/>
-    <cs:fontRef idx="minor">
-      <a:schemeClr val="tx1"/>
-    </cs:fontRef>
-    <cs:spPr>
-      <a:solidFill>
-        <a:schemeClr val="dk1">
-          <a:lumMod val="75000"/>
-          <a:lumOff val="25000"/>
-        </a:schemeClr>
-      </a:solidFill>
-      <a:ln w="9525" cap="flat" cmpd="sng" algn="ctr">
-        <a:solidFill>
-          <a:schemeClr val="tx1">
-            <a:lumMod val="65000"/>
-            <a:lumOff val="35000"/>
-          </a:schemeClr>
-        </a:solidFill>
-        <a:round/>
-      </a:ln>
-    </cs:spPr>
-  </cs:downBar>
-  <cs:dropLine>
-    <cs:lnRef idx="0"/>
-    <cs:fillRef idx="0"/>
-    <cs:effectRef idx="0"/>
-    <cs:fontRef idx="minor">
-      <a:schemeClr val="tx1"/>
-    </cs:fontRef>
-    <cs:spPr>
-      <a:ln w="9525" cap="flat" cmpd="sng" algn="ctr">
-        <a:solidFill>
-          <a:schemeClr val="tx1">
-            <a:lumMod val="35000"/>
-            <a:lumOff val="65000"/>
-          </a:schemeClr>
-        </a:solidFill>
-        <a:round/>
-      </a:ln>
-    </cs:spPr>
-  </cs:dropLine>
-  <cs:errorBar>
-    <cs:lnRef idx="0"/>
-    <cs:fillRef idx="0"/>
-    <cs:effectRef idx="0"/>
-    <cs:fontRef idx="minor">
-      <a:schemeClr val="tx1"/>
-    </cs:fontRef>
-    <cs:spPr>
-      <a:ln w="9525" cap="flat" cmpd="sng" algn="ctr">
-        <a:solidFill>
-          <a:schemeClr val="tx1">
-            <a:lumMod val="65000"/>
-            <a:lumOff val="35000"/>
-          </a:schemeClr>
-        </a:solidFill>
-        <a:round/>
-      </a:ln>
-    </cs:spPr>
-  </cs:errorBar>
-  <cs:floor>
-    <cs:lnRef idx="0"/>
-    <cs:fillRef idx="0"/>
-    <cs:effectRef idx="0"/>
-    <cs:fontRef idx="minor">
-      <a:schemeClr val="tx1"/>
-    </cs:fontRef>
-    <cs:spPr>
-      <a:noFill/>
-      <a:ln>
-        <a:noFill/>
-      </a:ln>
-    </cs:spPr>
-  </cs:floor>
-  <cs:gridlineMajor>
-    <cs:lnRef idx="0"/>
-    <cs:fillRef idx="0"/>
-    <cs:effectRef idx="0"/>
-    <cs:fontRef idx="minor">
-      <a:schemeClr val="tx1"/>
-    </cs:fontRef>
-    <cs:spPr>
-      <a:ln w="9525" cap="flat" cmpd="sng" algn="ctr">
-        <a:solidFill>
-          <a:schemeClr val="tx1">
-            <a:lumMod val="15000"/>
-            <a:lumOff val="85000"/>
-          </a:schemeClr>
-        </a:solidFill>
-        <a:round/>
-      </a:ln>
-    </cs:spPr>
-  </cs:gridlineMajor>
-  <cs:gridlineMinor>
-    <cs:lnRef idx="0"/>
-    <cs:fillRef idx="0"/>
-    <cs:effectRef idx="0"/>
-    <cs:fontRef idx="minor">
-      <a:schemeClr val="tx1"/>
-    </cs:fontRef>
-    <cs:spPr>
-      <a:ln w="9525" cap="flat" cmpd="sng" algn="ctr">
-        <a:solidFill>
-          <a:schemeClr val="tx1">
-            <a:lumMod val="5000"/>
-            <a:lumOff val="95000"/>
-          </a:schemeClr>
-        </a:solidFill>
-        <a:round/>
-      </a:ln>
-    </cs:spPr>
-  </cs:gridlineMinor>
-  <cs:hiLoLine>
-    <cs:lnRef idx="0"/>
-    <cs:fillRef idx="0"/>
-    <cs:effectRef idx="0"/>
-    <cs:fontRef idx="minor">
-      <a:schemeClr val="tx1"/>
-    </cs:fontRef>
-    <cs:spPr>
-      <a:ln w="9525" cap="flat" cmpd="sng" algn="ctr">
-        <a:solidFill>
-          <a:schemeClr val="tx1">
-            <a:lumMod val="50000"/>
-            <a:lumOff val="50000"/>
-          </a:schemeClr>
-        </a:solidFill>
-        <a:round/>
-      </a:ln>
-    </cs:spPr>
-  </cs:hiLoLine>
-  <cs:leaderLine>
-    <cs:lnRef idx="0"/>
-    <cs:fillRef idx="0"/>
-    <cs:effectRef idx="0"/>
-    <cs:fontRef idx="minor">
-      <a:schemeClr val="tx1"/>
-    </cs:fontRef>
-    <cs:spPr>
-      <a:ln w="9525" cap="flat" cmpd="sng" algn="ctr">
-        <a:solidFill>
-          <a:schemeClr val="tx1">
-            <a:lumMod val="35000"/>
-            <a:lumOff val="65000"/>
-          </a:schemeClr>
-        </a:solidFill>
-        <a:round/>
-      </a:ln>
-    </cs:spPr>
-  </cs:leaderLine>
-  <cs:legend>
-    <cs:lnRef idx="0"/>
-    <cs:fillRef idx="0"/>
-    <cs:effectRef idx="0"/>
-    <cs:fontRef idx="minor">
-      <a:schemeClr val="tx1">
-        <a:lumMod val="65000"/>
-        <a:lumOff val="35000"/>
-      </a:schemeClr>
-    </cs:fontRef>
-    <cs:defRPr sz="1197" kern="1200"/>
-  </cs:legend>
-  <cs:plotArea mods="allowNoFillOverride allowNoLineOverride">
-    <cs:lnRef idx="0"/>
-    <cs:fillRef idx="0"/>
-    <cs:effectRef idx="0"/>
-    <cs:fontRef idx="minor">
-      <a:schemeClr val="tx1"/>
-    </cs:fontRef>
-  </cs:plotArea>
-  <cs:plotArea3D mods="allowNoFillOverride allowNoLineOverride">
-    <cs:lnRef idx="0"/>
-    <cs:fillRef idx="0"/>
-    <cs:effectRef idx="0"/>
-    <cs:fontRef idx="minor">
-      <a:schemeClr val="tx1"/>
-    </cs:fontRef>
-  </cs:plotArea3D>
-  <cs:seriesAxis>
-    <cs:lnRef idx="0"/>
-    <cs:fillRef idx="0"/>
-    <cs:effectRef idx="0"/>
-    <cs:fontRef idx="minor">
-      <a:schemeClr val="tx1">
-        <a:lumMod val="65000"/>
-        <a:lumOff val="35000"/>
-      </a:schemeClr>
-    </cs:fontRef>
-    <cs:defRPr sz="1197" kern="1200"/>
-  </cs:seriesAxis>
-  <cs:seriesLine>
-    <cs:lnRef idx="0"/>
-    <cs:fillRef idx="0"/>
-    <cs:effectRef idx="0"/>
-    <cs:fontRef idx="minor">
-      <a:schemeClr val="tx1"/>
-    </cs:fontRef>
-    <cs:spPr>
-      <a:ln w="9525" cap="flat" cmpd="sng" algn="ctr">
-        <a:solidFill>
-          <a:schemeClr val="tx1">
-            <a:lumMod val="35000"/>
-            <a:lumOff val="65000"/>
-          </a:schemeClr>
-        </a:solidFill>
-        <a:round/>
-      </a:ln>
-    </cs:spPr>
-  </cs:seriesLine>
-  <cs:title>
-    <cs:lnRef idx="0"/>
-    <cs:fillRef idx="0"/>
-    <cs:effectRef idx="0"/>
-    <cs:fontRef idx="minor">
-      <a:schemeClr val="tx1">
-        <a:lumMod val="65000"/>
-        <a:lumOff val="35000"/>
-      </a:schemeClr>
-    </cs:fontRef>
-    <cs:defRPr sz="1862" b="0" kern="1200" spc="0" baseline="0"/>
-  </cs:title>
-  <cs:trendline>
-    <cs:lnRef idx="0">
-      <cs:styleClr val="auto"/>
-    </cs:lnRef>
-    <cs:fillRef idx="0"/>
-    <cs:effectRef idx="0"/>
-    <cs:fontRef idx="minor">
-      <a:schemeClr val="tx1"/>
-    </cs:fontRef>
-    <cs:spPr>
-      <a:ln w="19050" cap="rnd">
-        <a:solidFill>
-          <a:schemeClr val="phClr"/>
-        </a:solidFill>
-        <a:prstDash val="sysDot"/>
-      </a:ln>
-    </cs:spPr>
-  </cs:trendline>
-  <cs:trendlineLabel>
-    <cs:lnRef idx="0"/>
-    <cs:fillRef idx="0"/>
-    <cs:effectRef idx="0"/>
-    <cs:fontRef idx="minor">
-      <a:schemeClr val="tx1">
-        <a:lumMod val="65000"/>
-        <a:lumOff val="35000"/>
-      </a:schemeClr>
-    </cs:fontRef>
-    <cs:defRPr sz="1197" kern="1200"/>
-  </cs:trendlineLabel>
-  <cs:upBar>
-    <cs:lnRef idx="0"/>
-    <cs:fillRef idx="0"/>
-    <cs:effectRef idx="0"/>
-    <cs:fontRef idx="minor">
-      <a:schemeClr val="tx1"/>
-    </cs:fontRef>
-    <cs:spPr>
-      <a:solidFill>
-        <a:schemeClr val="lt1"/>
-      </a:solidFill>
-      <a:ln w="9525" cap="flat" cmpd="sng" algn="ctr">
-        <a:solidFill>
-          <a:schemeClr val="tx1">
-            <a:lumMod val="65000"/>
-            <a:lumOff val="35000"/>
-          </a:schemeClr>
-        </a:solidFill>
-        <a:round/>
-      </a:ln>
-    </cs:spPr>
-  </cs:upBar>
-  <cs:valueAxis>
-    <cs:lnRef idx="0"/>
-    <cs:fillRef idx="0"/>
-    <cs:effectRef idx="0"/>
-    <cs:fontRef idx="minor">
-      <a:schemeClr val="tx1">
-        <a:lumMod val="65000"/>
-        <a:lumOff val="35000"/>
-      </a:schemeClr>
-    </cs:fontRef>
-    <cs:defRPr sz="1197" kern="1200"/>
-  </cs:valueAxis>
-  <cs:wall>
-    <cs:lnRef idx="0"/>
-    <cs:fillRef idx="0"/>
-    <cs:effectRef idx="0"/>
-    <cs:fontRef idx="minor">
-      <a:schemeClr val="tx1"/>
-    </cs:fontRef>
-    <cs:spPr>
-      <a:noFill/>
-      <a:ln>
-        <a:noFill/>
-      </a:ln>
-    </cs:spPr>
-  </cs:wall>
-</cs:chartStyle>
-</file>
-
-<file path=ppt/charts/style9.xml><?xml version="1.0" encoding="utf-8"?>
-<cs:chartStyle xmlns:cs="http://schemas.microsoft.com/office/drawing/2012/chartStyle" xmlns:a="http://schemas.openxmlformats.org/drawingml/2006/main" id="251">
-  <cs:axisTitle>
-    <cs:lnRef idx="0"/>
-    <cs:fillRef idx="0"/>
-    <cs:effectRef idx="0"/>
-    <cs:fontRef idx="minor">
-      <a:schemeClr val="tx1">
-        <a:lumMod val="65000"/>
-        <a:lumOff val="35000"/>
-      </a:schemeClr>
-    </cs:fontRef>
-    <cs:defRPr sz="1330" kern="1200"/>
-  </cs:axisTitle>
-  <cs:categoryAxis>
-    <cs:lnRef idx="0"/>
-    <cs:fillRef idx="0"/>
-    <cs:effectRef idx="0"/>
-    <cs:fontRef idx="minor">
-      <a:schemeClr val="tx1">
-        <a:lumMod val="65000"/>
-        <a:lumOff val="35000"/>
-      </a:schemeClr>
-    </cs:fontRef>
-    <cs:spPr>
-      <a:ln w="9525" cap="flat" cmpd="sng" algn="ctr">
-        <a:solidFill>
-          <a:schemeClr val="tx1">
-            <a:lumMod val="15000"/>
-            <a:lumOff val="85000"/>
-          </a:schemeClr>
-        </a:solidFill>
-        <a:round/>
-      </a:ln>
-    </cs:spPr>
-    <cs:defRPr sz="1197" kern="1200"/>
-  </cs:categoryAxis>
-  <cs:chartArea mods="allowNoFillOverride allowNoLineOverride">
-    <cs:lnRef idx="0"/>
-    <cs:fillRef idx="0"/>
-    <cs:effectRef idx="0"/>
-    <cs:fontRef idx="minor">
-      <a:schemeClr val="tx1"/>
-    </cs:fontRef>
-    <cs:spPr>
-      <a:solidFill>
-        <a:schemeClr val="bg1"/>
-      </a:solidFill>
-      <a:ln w="9525" cap="flat" cmpd="sng" algn="ctr">
-        <a:solidFill>
-          <a:schemeClr val="tx1">
-            <a:lumMod val="15000"/>
-            <a:lumOff val="85000"/>
-          </a:schemeClr>
-        </a:solidFill>
-        <a:round/>
-      </a:ln>
-    </cs:spPr>
-    <cs:defRPr sz="1197" kern="1200"/>
-  </cs:chartArea>
-  <cs:dataLabel>
-    <cs:lnRef idx="0"/>
-    <cs:fillRef idx="0"/>
-    <cs:effectRef idx="0"/>
-    <cs:fontRef idx="minor">
-      <a:schemeClr val="tx1">
-        <a:lumMod val="75000"/>
-        <a:lumOff val="25000"/>
-      </a:schemeClr>
-    </cs:fontRef>
-    <cs:defRPr sz="1197" kern="1200"/>
-  </cs:dataLabel>
-  <cs:dataLabelCallout>
-    <cs:lnRef idx="0"/>
-    <cs:fillRef idx="0"/>
-    <cs:effectRef idx="0"/>
-    <cs:fontRef idx="minor">
-      <a:schemeClr val="dk1">
-        <a:lumMod val="65000"/>
-        <a:lumOff val="35000"/>
-      </a:schemeClr>
-    </cs:fontRef>
-    <cs:spPr>
-      <a:solidFill>
-        <a:schemeClr val="lt1"/>
-      </a:solidFill>
-      <a:ln>
-        <a:solidFill>
-          <a:schemeClr val="dk1">
-            <a:lumMod val="25000"/>
-            <a:lumOff val="75000"/>
-          </a:schemeClr>
-        </a:solidFill>
-      </a:ln>
-    </cs:spPr>
-    <cs:defRPr sz="1197" kern="1200"/>
-    <cs:bodyPr rot="0" spcFirstLastPara="1" vertOverflow="clip" horzOverflow="clip" vert="horz" wrap="square" lIns="36576" tIns="18288" rIns="36576" bIns="18288" anchor="ctr" anchorCtr="1">
-      <a:spAutoFit/>
-    </cs:bodyPr>
-  </cs:dataLabelCallout>
-  <cs:dataPoint>
-    <cs:lnRef idx="0"/>
-    <cs:fillRef idx="1">
-      <cs:styleClr val="auto"/>
-    </cs:fillRef>
-    <cs:effectRef idx="0"/>
-    <cs:fontRef idx="minor">
-      <a:schemeClr val="tx1"/>
-    </cs:fontRef>
-    <cs:spPr>
-      <a:ln w="19050">
-        <a:solidFill>
-          <a:schemeClr val="lt1"/>
-        </a:solidFill>
-      </a:ln>
-    </cs:spPr>
-  </cs:dataPoint>
-  <cs:dataPoint3D>
-    <cs:lnRef idx="0"/>
-    <cs:fillRef idx="1">
-      <cs:styleClr val="auto"/>
-    </cs:fillRef>
-    <cs:effectRef idx="0"/>
-    <cs:fontRef idx="minor">
-      <a:schemeClr val="tx1"/>
-    </cs:fontRef>
-    <cs:spPr>
-      <a:ln w="25400">
-        <a:solidFill>
-          <a:schemeClr val="lt1"/>
-        </a:solidFill>
-      </a:ln>
-    </cs:spPr>
-  </cs:dataPoint3D>
-  <cs:dataPointLine>
-    <cs:lnRef idx="0">
-      <cs:styleClr val="auto"/>
-    </cs:lnRef>
-    <cs:fillRef idx="0"/>
-    <cs:effectRef idx="0"/>
-    <cs:fontRef idx="minor">
-      <a:schemeClr val="tx1"/>
-    </cs:fontRef>
-    <cs:spPr>
-      <a:ln w="28575" cap="rnd">
-        <a:solidFill>
-          <a:schemeClr val="phClr"/>
-        </a:solidFill>
-        <a:round/>
-      </a:ln>
-    </cs:spPr>
-  </cs:dataPointLine>
-  <cs:dataPointMarker>
-    <cs:lnRef idx="0">
-      <cs:styleClr val="auto"/>
-    </cs:lnRef>
-    <cs:fillRef idx="1">
-      <cs:styleClr val="auto"/>
-    </cs:fillRef>
-    <cs:effectRef idx="0"/>
-    <cs:fontRef idx="minor">
-      <a:schemeClr val="tx1"/>
-    </cs:fontRef>
-    <cs:spPr>
-      <a:ln w="9525">
-        <a:solidFill>
-          <a:schemeClr val="phClr"/>
-        </a:solidFill>
-      </a:ln>
-    </cs:spPr>
-  </cs:dataPointMarker>
-  <cs:dataPointMarkerLayout symbol="circle" size="5"/>
-  <cs:dataPointWireframe>
-    <cs:lnRef idx="0">
-      <cs:styleClr val="auto"/>
-    </cs:lnRef>
-    <cs:fillRef idx="0"/>
-    <cs:effectRef idx="0"/>
-    <cs:fontRef idx="minor">
-      <a:schemeClr val="tx1"/>
-    </cs:fontRef>
-    <cs:spPr>
-      <a:ln w="9525" cap="rnd">
-        <a:solidFill>
-          <a:schemeClr val="phClr"/>
-        </a:solidFill>
-        <a:round/>
-      </a:ln>
-    </cs:spPr>
-  </cs:dataPointWireframe>
-  <cs:dataTable>
-    <cs:lnRef idx="0"/>
-    <cs:fillRef idx="0"/>
-    <cs:effectRef idx="0"/>
-    <cs:fontRef idx="minor">
-      <a:schemeClr val="tx1">
-        <a:lumMod val="65000"/>
-        <a:lumOff val="35000"/>
-      </a:schemeClr>
-    </cs:fontRef>
-    <cs:spPr>
-      <a:noFill/>
-      <a:ln w="9525" cap="flat" cmpd="sng" algn="ctr">
-        <a:solidFill>
-          <a:schemeClr val="tx1">
-            <a:lumMod val="15000"/>
-            <a:lumOff val="85000"/>
-          </a:schemeClr>
-        </a:solidFill>
-        <a:round/>
-      </a:ln>
-    </cs:spPr>
-    <cs:defRPr sz="1197" kern="1200"/>
-  </cs:dataTable>
-  <cs:downBar>
-    <cs:lnRef idx="0"/>
-    <cs:fillRef idx="0"/>
-    <cs:effectRef idx="0"/>
-    <cs:fontRef idx="minor">
-      <a:schemeClr val="tx1"/>
-    </cs:fontRef>
-    <cs:spPr>
-      <a:solidFill>
-        <a:schemeClr val="dk1">
-          <a:lumMod val="75000"/>
-          <a:lumOff val="25000"/>
-        </a:schemeClr>
-      </a:solidFill>
-      <a:ln w="9525" cap="flat" cmpd="sng" algn="ctr">
-        <a:solidFill>
-          <a:schemeClr val="tx1">
-            <a:lumMod val="65000"/>
-            <a:lumOff val="35000"/>
-          </a:schemeClr>
-        </a:solidFill>
-        <a:round/>
-      </a:ln>
-    </cs:spPr>
-  </cs:downBar>
-  <cs:dropLine>
-    <cs:lnRef idx="0"/>
-    <cs:fillRef idx="0"/>
-    <cs:effectRef idx="0"/>
-    <cs:fontRef idx="minor">
-      <a:schemeClr val="tx1"/>
-    </cs:fontRef>
-    <cs:spPr>
-      <a:ln w="9525" cap="flat" cmpd="sng" algn="ctr">
-        <a:solidFill>
-          <a:schemeClr val="tx1">
-            <a:lumMod val="35000"/>
-            <a:lumOff val="65000"/>
-          </a:schemeClr>
-        </a:solidFill>
-        <a:round/>
-      </a:ln>
-    </cs:spPr>
-  </cs:dropLine>
-  <cs:errorBar>
-    <cs:lnRef idx="0"/>
-    <cs:fillRef idx="0"/>
-    <cs:effectRef idx="0"/>
-    <cs:fontRef idx="minor">
-      <a:schemeClr val="tx1"/>
-    </cs:fontRef>
-    <cs:spPr>
-      <a:ln w="9525" cap="flat" cmpd="sng" algn="ctr">
-        <a:solidFill>
-          <a:schemeClr val="tx1">
-            <a:lumMod val="65000"/>
-            <a:lumOff val="35000"/>
-          </a:schemeClr>
-        </a:solidFill>
-        <a:round/>
-      </a:ln>
-    </cs:spPr>
-  </cs:errorBar>
-  <cs:floor>
-    <cs:lnRef idx="0"/>
-    <cs:fillRef idx="0"/>
-    <cs:effectRef idx="0"/>
-    <cs:fontRef idx="minor">
-      <a:schemeClr val="tx1"/>
-    </cs:fontRef>
-    <cs:spPr>
-      <a:noFill/>
-      <a:ln>
-        <a:noFill/>
-      </a:ln>
-    </cs:spPr>
-  </cs:floor>
-  <cs:gridlineMajor>
-    <cs:lnRef idx="0"/>
-    <cs:fillRef idx="0"/>
-    <cs:effectRef idx="0"/>
-    <cs:fontRef idx="minor">
-      <a:schemeClr val="tx1"/>
-    </cs:fontRef>
-    <cs:spPr>
-      <a:ln w="9525" cap="flat" cmpd="sng" algn="ctr">
-        <a:solidFill>
-          <a:schemeClr val="tx1">
-            <a:lumMod val="15000"/>
-            <a:lumOff val="85000"/>
-          </a:schemeClr>
-        </a:solidFill>
-        <a:round/>
-      </a:ln>
-    </cs:spPr>
-  </cs:gridlineMajor>
-  <cs:gridlineMinor>
-    <cs:lnRef idx="0"/>
-    <cs:fillRef idx="0"/>
-    <cs:effectRef idx="0"/>
-    <cs:fontRef idx="minor">
-      <a:schemeClr val="tx1"/>
-    </cs:fontRef>
-    <cs:spPr>
-      <a:ln w="9525" cap="flat" cmpd="sng" algn="ctr">
-        <a:solidFill>
-          <a:schemeClr val="tx1">
-            <a:lumMod val="5000"/>
-            <a:lumOff val="95000"/>
-          </a:schemeClr>
-        </a:solidFill>
-        <a:round/>
-      </a:ln>
-    </cs:spPr>
-  </cs:gridlineMinor>
-  <cs:hiLoLine>
-    <cs:lnRef idx="0"/>
-    <cs:fillRef idx="0"/>
-    <cs:effectRef idx="0"/>
-    <cs:fontRef idx="minor">
-      <a:schemeClr val="tx1"/>
-    </cs:fontRef>
-    <cs:spPr>
-      <a:ln w="9525" cap="flat" cmpd="sng" algn="ctr">
-        <a:solidFill>
-          <a:schemeClr val="tx1">
-            <a:lumMod val="50000"/>
-            <a:lumOff val="50000"/>
-          </a:schemeClr>
-        </a:solidFill>
-        <a:round/>
-      </a:ln>
-    </cs:spPr>
-  </cs:hiLoLine>
-  <cs:leaderLine>
-    <cs:lnRef idx="0"/>
-    <cs:fillRef idx="0"/>
-    <cs:effectRef idx="0"/>
-    <cs:fontRef idx="minor">
-      <a:schemeClr val="tx1"/>
-    </cs:fontRef>
-    <cs:spPr>
-      <a:ln w="9525" cap="flat" cmpd="sng" algn="ctr">
-        <a:solidFill>
-          <a:schemeClr val="tx1">
-            <a:lumMod val="35000"/>
-            <a:lumOff val="65000"/>
-          </a:schemeClr>
-        </a:solidFill>
-        <a:round/>
-      </a:ln>
-    </cs:spPr>
-  </cs:leaderLine>
-  <cs:legend>
-    <cs:lnRef idx="0"/>
-    <cs:fillRef idx="0"/>
-    <cs:effectRef idx="0"/>
-    <cs:fontRef idx="minor">
-      <a:schemeClr val="tx1">
-        <a:lumMod val="65000"/>
-        <a:lumOff val="35000"/>
-      </a:schemeClr>
-    </cs:fontRef>
-    <cs:defRPr sz="1197" kern="1200"/>
-  </cs:legend>
-  <cs:plotArea mods="allowNoFillOverride allowNoLineOverride">
-    <cs:lnRef idx="0"/>
-    <cs:fillRef idx="0"/>
-    <cs:effectRef idx="0"/>
-    <cs:fontRef idx="minor">
-      <a:schemeClr val="tx1"/>
-    </cs:fontRef>
-  </cs:plotArea>
-  <cs:plotArea3D mods="allowNoFillOverride allowNoLineOverride">
-    <cs:lnRef idx="0"/>
-    <cs:fillRef idx="0"/>
-    <cs:effectRef idx="0"/>
-    <cs:fontRef idx="minor">
-      <a:schemeClr val="tx1"/>
-    </cs:fontRef>
-  </cs:plotArea3D>
-  <cs:seriesAxis>
-    <cs:lnRef idx="0"/>
-    <cs:fillRef idx="0"/>
-    <cs:effectRef idx="0"/>
-    <cs:fontRef idx="minor">
-      <a:schemeClr val="tx1">
-        <a:lumMod val="65000"/>
-        <a:lumOff val="35000"/>
-      </a:schemeClr>
-    </cs:fontRef>
-    <cs:defRPr sz="1197" kern="1200"/>
-  </cs:seriesAxis>
-  <cs:seriesLine>
-    <cs:lnRef idx="0"/>
-    <cs:fillRef idx="0"/>
-    <cs:effectRef idx="0"/>
-    <cs:fontRef idx="minor">
-      <a:schemeClr val="tx1"/>
-    </cs:fontRef>
-    <cs:spPr>
-      <a:ln w="9525" cap="flat" cmpd="sng" algn="ctr">
-        <a:solidFill>
-          <a:schemeClr val="tx1">
-            <a:lumMod val="35000"/>
-            <a:lumOff val="65000"/>
-          </a:schemeClr>
-        </a:solidFill>
-        <a:round/>
-      </a:ln>
-    </cs:spPr>
-  </cs:seriesLine>
-  <cs:title>
-    <cs:lnRef idx="0"/>
-    <cs:fillRef idx="0"/>
-    <cs:effectRef idx="0"/>
-    <cs:fontRef idx="minor">
-      <a:schemeClr val="tx1">
-        <a:lumMod val="65000"/>
-        <a:lumOff val="35000"/>
-      </a:schemeClr>
-    </cs:fontRef>
-    <cs:defRPr sz="1862" b="0" kern="1200" spc="0" baseline="0"/>
-  </cs:title>
-  <cs:trendline>
-    <cs:lnRef idx="0">
-      <cs:styleClr val="auto"/>
-    </cs:lnRef>
-    <cs:fillRef idx="0"/>
-    <cs:effectRef idx="0"/>
-    <cs:fontRef idx="minor">
-      <a:schemeClr val="tx1"/>
-    </cs:fontRef>
-    <cs:spPr>
-      <a:ln w="19050" cap="rnd">
-        <a:solidFill>
-          <a:schemeClr val="phClr"/>
-        </a:solidFill>
-        <a:prstDash val="sysDot"/>
-      </a:ln>
-    </cs:spPr>
-  </cs:trendline>
-  <cs:trendlineLabel>
-    <cs:lnRef idx="0"/>
-    <cs:fillRef idx="0"/>
-    <cs:effectRef idx="0"/>
-    <cs:fontRef idx="minor">
-      <a:schemeClr val="tx1">
-        <a:lumMod val="65000"/>
-        <a:lumOff val="35000"/>
-      </a:schemeClr>
-    </cs:fontRef>
-    <cs:defRPr sz="1197" kern="1200"/>
-  </cs:trendlineLabel>
-  <cs:upBar>
-    <cs:lnRef idx="0"/>
-    <cs:fillRef idx="0"/>
-    <cs:effectRef idx="0"/>
-    <cs:fontRef idx="minor">
-      <a:schemeClr val="tx1"/>
-    </cs:fontRef>
-    <cs:spPr>
-      <a:solidFill>
-        <a:schemeClr val="lt1"/>
-      </a:solidFill>
-      <a:ln w="9525" cap="flat" cmpd="sng" algn="ctr">
-        <a:solidFill>
-          <a:schemeClr val="tx1">
-            <a:lumMod val="65000"/>
-            <a:lumOff val="35000"/>
-          </a:schemeClr>
-        </a:solidFill>
-        <a:round/>
-      </a:ln>
-    </cs:spPr>
-  </cs:upBar>
-  <cs:valueAxis>
-    <cs:lnRef idx="0"/>
-    <cs:fillRef idx="0"/>
-    <cs:effectRef idx="0"/>
-    <cs:fontRef idx="minor">
-      <a:schemeClr val="tx1">
-        <a:lumMod val="65000"/>
-        <a:lumOff val="35000"/>
-      </a:schemeClr>
-    </cs:fontRef>
-    <cs:defRPr sz="1197" kern="1200"/>
-  </cs:valueAxis>
-  <cs:wall>
-    <cs:lnRef idx="0"/>
-    <cs:fillRef idx="0"/>
-    <cs:effectRef idx="0"/>
-    <cs:fontRef idx="minor">
-      <a:schemeClr val="tx1"/>
-    </cs:fontRef>
-    <cs:spPr>
-      <a:noFill/>
-      <a:ln>
-        <a:noFill/>
-      </a:ln>
-    </cs:spPr>
-  </cs:wall>
-</cs:chartStyle>
-</file>
-
-<file path=ppt/drawings/drawing1.xml><?xml version="1.0" encoding="utf-8"?>
-<c:userShapes xmlns:c="http://schemas.openxmlformats.org/drawingml/2006/chart">
-  <cdr:relSizeAnchor xmlns:cdr="http://schemas.openxmlformats.org/drawingml/2006/chartDrawing">
-    <cdr:from>
-      <cdr:x>0.37346</cdr:x>
-      <cdr:y>0.04937</cdr:y>
-    </cdr:from>
-    <cdr:to>
-      <cdr:x>0.59145</cdr:x>
-      <cdr:y>0.3438</cdr:y>
-    </cdr:to>
-    <cdr:sp macro="" textlink="">
-      <cdr:nvSpPr>
-        <cdr:cNvPr id="2" name="CaixaDeTexto 1"/>
-        <cdr:cNvSpPr txBox="1"/>
-      </cdr:nvSpPr>
-      <cdr:spPr>
-        <a:xfrm xmlns:a="http://schemas.openxmlformats.org/drawingml/2006/main">
-          <a:off x="1566548" y="153335"/>
-          <a:ext cx="914400" cy="914400"/>
-        </a:xfrm>
-        <a:prstGeom xmlns:a="http://schemas.openxmlformats.org/drawingml/2006/main" prst="rect">
-          <a:avLst/>
-        </a:prstGeom>
-      </cdr:spPr>
-      <cdr:txBody>
-        <a:bodyPr xmlns:a="http://schemas.openxmlformats.org/drawingml/2006/main" vertOverflow="clip" wrap="none" rtlCol="0"/>
-        <a:lstStyle xmlns:a="http://schemas.openxmlformats.org/drawingml/2006/main"/>
-        <a:p xmlns:a="http://schemas.openxmlformats.org/drawingml/2006/main">
-          <a:endParaRPr lang="pt-BR" sz="1100" dirty="0"/>
-        </a:p>
-      </cdr:txBody>
-    </cdr:sp>
-  </cdr:relSizeAnchor>
-  <cdr:relSizeAnchor xmlns:cdr="http://schemas.openxmlformats.org/drawingml/2006/chartDrawing">
-    <cdr:from>
-      <cdr:x>0.27369</cdr:x>
-      <cdr:y>0</cdr:y>
-    </cdr:from>
-    <cdr:to>
-      <cdr:x>0.75384</cdr:x>
-      <cdr:y>0.14842</cdr:y>
-    </cdr:to>
-    <cdr:sp macro="" textlink="">
-      <cdr:nvSpPr>
-        <cdr:cNvPr id="3" name="CaixaDeTexto 2"/>
-        <cdr:cNvSpPr txBox="1"/>
-      </cdr:nvSpPr>
-      <cdr:spPr>
-        <a:xfrm xmlns:a="http://schemas.openxmlformats.org/drawingml/2006/main">
-          <a:off x="1148023" y="0"/>
-          <a:ext cx="2014060" cy="460945"/>
-        </a:xfrm>
-        <a:prstGeom xmlns:a="http://schemas.openxmlformats.org/drawingml/2006/main" prst="rect">
-          <a:avLst/>
-        </a:prstGeom>
-      </cdr:spPr>
-      <cdr:txBody>
-        <a:bodyPr xmlns:a="http://schemas.openxmlformats.org/drawingml/2006/main" vertOverflow="clip" wrap="none" rtlCol="0"/>
-        <a:lstStyle xmlns:a="http://schemas.openxmlformats.org/drawingml/2006/main"/>
-        <a:p xmlns:a="http://schemas.openxmlformats.org/drawingml/2006/main">
-          <a:endParaRPr lang="pt-BR" sz="1100" dirty="0"/>
-        </a:p>
-      </cdr:txBody>
-    </cdr:sp>
-  </cdr:relSizeAnchor>
-  <cdr:relSizeAnchor xmlns:cdr="http://schemas.openxmlformats.org/drawingml/2006/chartDrawing">
-    <cdr:from>
-      <cdr:x>0.37124</cdr:x>
-      <cdr:y>0</cdr:y>
-    </cdr:from>
-    <cdr:to>
-      <cdr:x>0.72949</cdr:x>
-      <cdr:y>0.20205</cdr:y>
-    </cdr:to>
-    <cdr:sp macro="" textlink="">
-      <cdr:nvSpPr>
-        <cdr:cNvPr id="4" name="CaixaDeTexto 3"/>
-        <cdr:cNvSpPr txBox="1"/>
-      </cdr:nvSpPr>
-      <cdr:spPr>
-        <a:xfrm xmlns:a="http://schemas.openxmlformats.org/drawingml/2006/main">
-          <a:off x="1557223" y="0"/>
-          <a:ext cx="1502734" cy="627498"/>
-        </a:xfrm>
-        <a:prstGeom xmlns:a="http://schemas.openxmlformats.org/drawingml/2006/main" prst="rect">
-          <a:avLst/>
-        </a:prstGeom>
-      </cdr:spPr>
-      <cdr:txBody>
-        <a:bodyPr xmlns:a="http://schemas.openxmlformats.org/drawingml/2006/main" vertOverflow="clip" wrap="none" rtlCol="0"/>
-        <a:lstStyle xmlns:a="http://schemas.openxmlformats.org/drawingml/2006/main"/>
-        <a:p xmlns:a="http://schemas.openxmlformats.org/drawingml/2006/main">
-          <a:r>
-            <a:rPr lang="pt-BR" dirty="0" smtClean="0"/>
-            <a:t>LUCRO CURSO</a:t>
-          </a:r>
-          <a:endParaRPr lang="pt-BR" sz="1100" dirty="0"/>
-        </a:p>
-      </cdr:txBody>
-    </cdr:sp>
-  </cdr:relSizeAnchor>
-</c:userShapes>
-</file>
-
-<file path=ppt/drawings/drawing2.xml><?xml version="1.0" encoding="utf-8"?>
-<c:userShapes xmlns:c="http://schemas.openxmlformats.org/drawingml/2006/chart">
-  <cdr:relSizeAnchor xmlns:cdr="http://schemas.openxmlformats.org/drawingml/2006/chartDrawing">
-    <cdr:from>
-      <cdr:x>0.22063</cdr:x>
-      <cdr:y>0.36847</cdr:y>
-    </cdr:from>
-    <cdr:to>
-      <cdr:x>0.80378</cdr:x>
-      <cdr:y>0.41786</cdr:y>
-    </cdr:to>
-    <cdr:sp macro="" textlink="">
-      <cdr:nvSpPr>
-        <cdr:cNvPr id="2" name="CaixaDeTexto 1"/>
-        <cdr:cNvSpPr txBox="1"/>
-      </cdr:nvSpPr>
-      <cdr:spPr>
-        <a:xfrm xmlns:a="http://schemas.openxmlformats.org/drawingml/2006/main">
-          <a:off x="575433" y="970541"/>
-          <a:ext cx="1520890" cy="130097"/>
-        </a:xfrm>
-        <a:prstGeom xmlns:a="http://schemas.openxmlformats.org/drawingml/2006/main" prst="rect">
-          <a:avLst/>
-        </a:prstGeom>
-      </cdr:spPr>
-      <cdr:txBody>
-        <a:bodyPr xmlns:a="http://schemas.openxmlformats.org/drawingml/2006/main" vertOverflow="clip" wrap="none" rtlCol="0"/>
-        <a:lstStyle xmlns:a="http://schemas.openxmlformats.org/drawingml/2006/main"/>
-        <a:p xmlns:a="http://schemas.openxmlformats.org/drawingml/2006/main">
-          <a:endParaRPr lang="pt-BR" sz="1100" dirty="0"/>
-        </a:p>
-      </cdr:txBody>
-    </cdr:sp>
-  </cdr:relSizeAnchor>
-  <cdr:relSizeAnchor xmlns:cdr="http://schemas.openxmlformats.org/drawingml/2006/chartDrawing">
-    <cdr:from>
-      <cdr:x>0.37447</cdr:x>
-      <cdr:y>0</cdr:y>
-    </cdr:from>
-    <cdr:to>
-      <cdr:x>0.72507</cdr:x>
-      <cdr:y>0.09801</cdr:y>
-    </cdr:to>
-    <cdr:sp macro="" textlink="">
-      <cdr:nvSpPr>
-        <cdr:cNvPr id="3" name="CaixaDeTexto 2"/>
-        <cdr:cNvSpPr txBox="1"/>
-      </cdr:nvSpPr>
-      <cdr:spPr>
-        <a:xfrm xmlns:a="http://schemas.openxmlformats.org/drawingml/2006/main">
-          <a:off x="976649" y="0"/>
-          <a:ext cx="914400" cy="258163"/>
-        </a:xfrm>
-        <a:prstGeom xmlns:a="http://schemas.openxmlformats.org/drawingml/2006/main" prst="rect">
-          <a:avLst/>
-        </a:prstGeom>
-      </cdr:spPr>
-      <cdr:txBody>
-        <a:bodyPr xmlns:a="http://schemas.openxmlformats.org/drawingml/2006/main" vertOverflow="clip" wrap="none" rtlCol="0"/>
-        <a:lstStyle xmlns:a="http://schemas.openxmlformats.org/drawingml/2006/main"/>
-        <a:p xmlns:a="http://schemas.openxmlformats.org/drawingml/2006/main">
-          <a:endParaRPr lang="pt-BR" sz="1100" dirty="0"/>
-        </a:p>
-      </cdr:txBody>
-    </cdr:sp>
-  </cdr:relSizeAnchor>
-</c:userShapes>
 </file>
 
 <file path=ppt/slideLayouts/slideLayout1.xml><?xml version="1.0" encoding="utf-8"?>
@@ -16089,7 +14131,7 @@
           <a:p>
             <a:fld id="{0361CAB7-86A6-4FD6-977B-D2B10758F071}" type="datetimeFigureOut">
               <a:rPr lang="pt-BR" smtClean="0"/>
-              <a:t>17/06/2024</a:t>
+              <a:t>18/06/2024</a:t>
             </a:fld>
             <a:endParaRPr lang="pt-BR"/>
           </a:p>
@@ -16259,7 +14301,7 @@
           <a:p>
             <a:fld id="{0361CAB7-86A6-4FD6-977B-D2B10758F071}" type="datetimeFigureOut">
               <a:rPr lang="pt-BR" smtClean="0"/>
-              <a:t>17/06/2024</a:t>
+              <a:t>18/06/2024</a:t>
             </a:fld>
             <a:endParaRPr lang="pt-BR"/>
           </a:p>
@@ -16439,7 +14481,7 @@
           <a:p>
             <a:fld id="{0361CAB7-86A6-4FD6-977B-D2B10758F071}" type="datetimeFigureOut">
               <a:rPr lang="pt-BR" smtClean="0"/>
-              <a:t>17/06/2024</a:t>
+              <a:t>18/06/2024</a:t>
             </a:fld>
             <a:endParaRPr lang="pt-BR"/>
           </a:p>
@@ -16609,7 +14651,7 @@
           <a:p>
             <a:fld id="{0361CAB7-86A6-4FD6-977B-D2B10758F071}" type="datetimeFigureOut">
               <a:rPr lang="pt-BR" smtClean="0"/>
-              <a:t>17/06/2024</a:t>
+              <a:t>18/06/2024</a:t>
             </a:fld>
             <a:endParaRPr lang="pt-BR"/>
           </a:p>
@@ -16855,7 +14897,7 @@
           <a:p>
             <a:fld id="{0361CAB7-86A6-4FD6-977B-D2B10758F071}" type="datetimeFigureOut">
               <a:rPr lang="pt-BR" smtClean="0"/>
-              <a:t>17/06/2024</a:t>
+              <a:t>18/06/2024</a:t>
             </a:fld>
             <a:endParaRPr lang="pt-BR"/>
           </a:p>
@@ -17087,7 +15129,7 @@
           <a:p>
             <a:fld id="{0361CAB7-86A6-4FD6-977B-D2B10758F071}" type="datetimeFigureOut">
               <a:rPr lang="pt-BR" smtClean="0"/>
-              <a:t>17/06/2024</a:t>
+              <a:t>18/06/2024</a:t>
             </a:fld>
             <a:endParaRPr lang="pt-BR"/>
           </a:p>
@@ -17454,7 +15496,7 @@
           <a:p>
             <a:fld id="{0361CAB7-86A6-4FD6-977B-D2B10758F071}" type="datetimeFigureOut">
               <a:rPr lang="pt-BR" smtClean="0"/>
-              <a:t>17/06/2024</a:t>
+              <a:t>18/06/2024</a:t>
             </a:fld>
             <a:endParaRPr lang="pt-BR"/>
           </a:p>
@@ -17572,7 +15614,7 @@
           <a:p>
             <a:fld id="{0361CAB7-86A6-4FD6-977B-D2B10758F071}" type="datetimeFigureOut">
               <a:rPr lang="pt-BR" smtClean="0"/>
-              <a:t>17/06/2024</a:t>
+              <a:t>18/06/2024</a:t>
             </a:fld>
             <a:endParaRPr lang="pt-BR"/>
           </a:p>
@@ -17667,7 +15709,7 @@
           <a:p>
             <a:fld id="{0361CAB7-86A6-4FD6-977B-D2B10758F071}" type="datetimeFigureOut">
               <a:rPr lang="pt-BR" smtClean="0"/>
-              <a:t>17/06/2024</a:t>
+              <a:t>18/06/2024</a:t>
             </a:fld>
             <a:endParaRPr lang="pt-BR"/>
           </a:p>
@@ -17944,7 +15986,7 @@
           <a:p>
             <a:fld id="{0361CAB7-86A6-4FD6-977B-D2B10758F071}" type="datetimeFigureOut">
               <a:rPr lang="pt-BR" smtClean="0"/>
-              <a:t>17/06/2024</a:t>
+              <a:t>18/06/2024</a:t>
             </a:fld>
             <a:endParaRPr lang="pt-BR"/>
           </a:p>
@@ -18197,7 +16239,7 @@
           <a:p>
             <a:fld id="{0361CAB7-86A6-4FD6-977B-D2B10758F071}" type="datetimeFigureOut">
               <a:rPr lang="pt-BR" smtClean="0"/>
-              <a:t>17/06/2024</a:t>
+              <a:t>18/06/2024</a:t>
             </a:fld>
             <a:endParaRPr lang="pt-BR"/>
           </a:p>
@@ -18410,7 +16452,7 @@
           <a:p>
             <a:fld id="{0361CAB7-86A6-4FD6-977B-D2B10758F071}" type="datetimeFigureOut">
               <a:rPr lang="pt-BR" smtClean="0"/>
-              <a:t>17/06/2024</a:t>
+              <a:t>18/06/2024</a:t>
             </a:fld>
             <a:endParaRPr lang="pt-BR"/>
           </a:p>
@@ -21163,7 +19205,7 @@
         </p:nvSpPr>
         <p:spPr>
           <a:xfrm>
-            <a:off x="9593222" y="4931496"/>
+            <a:off x="9520765" y="3433010"/>
             <a:ext cx="2389466" cy="991146"/>
           </a:xfrm>
           <a:prstGeom prst="rect">
@@ -21211,7 +19253,7 @@
         </p:nvSpPr>
         <p:spPr>
           <a:xfrm>
-            <a:off x="9593222" y="3610031"/>
+            <a:off x="9520765" y="2210387"/>
             <a:ext cx="2389466" cy="991146"/>
           </a:xfrm>
           <a:prstGeom prst="rect">
@@ -21247,28 +19289,6 @@
           </a:p>
         </p:txBody>
       </p:sp>
-      <p:graphicFrame>
-        <p:nvGraphicFramePr>
-          <p:cNvPr id="43" name="Gráfico 42"/>
-          <p:cNvGraphicFramePr/>
-          <p:nvPr>
-            <p:extLst>
-              <p:ext uri="{D42A27DB-BD31-4B8C-83A1-F6EECF244321}">
-                <p14:modId xmlns:p14="http://schemas.microsoft.com/office/powerpoint/2010/main" val="793027933"/>
-              </p:ext>
-            </p:extLst>
-          </p:nvPr>
-        </p:nvGraphicFramePr>
-        <p:xfrm>
-          <a:off x="8445199" y="360149"/>
-          <a:ext cx="4194654" cy="3105714"/>
-        </p:xfrm>
-        <a:graphic>
-          <a:graphicData uri="http://schemas.openxmlformats.org/drawingml/2006/chart">
-            <c:chart xmlns:c="http://schemas.openxmlformats.org/drawingml/2006/chart" xmlns:r="http://schemas.openxmlformats.org/officeDocument/2006/relationships" r:id="rId4"/>
-          </a:graphicData>
-        </a:graphic>
-      </p:graphicFrame>
       <p:sp>
         <p:nvSpPr>
           <p:cNvPr id="34" name="Retângulo 33"/>
@@ -21554,28 +19574,6 @@
           </a:p>
         </p:txBody>
       </p:sp>
-      <p:graphicFrame>
-        <p:nvGraphicFramePr>
-          <p:cNvPr id="15" name="Gráfico 14"/>
-          <p:cNvGraphicFramePr/>
-          <p:nvPr>
-            <p:extLst>
-              <p:ext uri="{D42A27DB-BD31-4B8C-83A1-F6EECF244321}">
-                <p14:modId xmlns:p14="http://schemas.microsoft.com/office/powerpoint/2010/main" val="1195697590"/>
-              </p:ext>
-            </p:extLst>
-          </p:nvPr>
-        </p:nvGraphicFramePr>
-        <p:xfrm>
-          <a:off x="199008" y="3751279"/>
-          <a:ext cx="2608094" cy="2633988"/>
-        </p:xfrm>
-        <a:graphic>
-          <a:graphicData uri="http://schemas.openxmlformats.org/drawingml/2006/chart">
-            <c:chart xmlns:c="http://schemas.openxmlformats.org/drawingml/2006/chart" xmlns:r="http://schemas.openxmlformats.org/officeDocument/2006/relationships" r:id="rId5"/>
-          </a:graphicData>
-        </a:graphic>
-      </p:graphicFrame>
       <p:sp>
         <p:nvSpPr>
           <p:cNvPr id="2" name="CaixaDeTexto 1"/>
@@ -21601,36 +19599,6 @@
             <a:r>
               <a:rPr lang="pt-BR" dirty="0" smtClean="0"/>
               <a:t>Serviços(qual)</a:t>
-            </a:r>
-            <a:endParaRPr lang="pt-BR" dirty="0"/>
-          </a:p>
-        </p:txBody>
-      </p:sp>
-      <p:sp>
-        <p:nvSpPr>
-          <p:cNvPr id="3" name="CaixaDeTexto 2"/>
-          <p:cNvSpPr txBox="1"/>
-          <p:nvPr/>
-        </p:nvSpPr>
-        <p:spPr>
-          <a:xfrm>
-            <a:off x="637194" y="3736272"/>
-            <a:ext cx="1722010" cy="369332"/>
-          </a:xfrm>
-          <a:prstGeom prst="rect">
-            <a:avLst/>
-          </a:prstGeom>
-          <a:noFill/>
-        </p:spPr>
-        <p:txBody>
-          <a:bodyPr wrap="none" rtlCol="0">
-            <a:spAutoFit/>
-          </a:bodyPr>
-          <a:lstStyle/>
-          <a:p>
-            <a:r>
-              <a:rPr lang="pt-BR" dirty="0" smtClean="0"/>
-              <a:t> ALUNOS CURSO</a:t>
             </a:r>
             <a:endParaRPr lang="pt-BR" dirty="0"/>
           </a:p>
